--- a/JavaScript.pptx
+++ b/JavaScript.pptx
@@ -5,10 +5,10 @@
     <p:sldMasterId id="2147483816" r:id="rId1"/>
   </p:sldMasterIdLst>
   <p:notesMasterIdLst>
-    <p:notesMasterId r:id="rId64"/>
+    <p:notesMasterId r:id="rId97"/>
   </p:notesMasterIdLst>
   <p:handoutMasterIdLst>
-    <p:handoutMasterId r:id="rId65"/>
+    <p:handoutMasterId r:id="rId98"/>
   </p:handoutMasterIdLst>
   <p:sldIdLst>
     <p:sldId id="256" r:id="rId2"/>
@@ -72,7 +72,40 @@
     <p:sldId id="354" r:id="rId60"/>
     <p:sldId id="355" r:id="rId61"/>
     <p:sldId id="356" r:id="rId62"/>
-    <p:sldId id="348" r:id="rId63"/>
+    <p:sldId id="357" r:id="rId63"/>
+    <p:sldId id="364" r:id="rId64"/>
+    <p:sldId id="365" r:id="rId65"/>
+    <p:sldId id="366" r:id="rId66"/>
+    <p:sldId id="367" r:id="rId67"/>
+    <p:sldId id="368" r:id="rId68"/>
+    <p:sldId id="369" r:id="rId69"/>
+    <p:sldId id="370" r:id="rId70"/>
+    <p:sldId id="371" r:id="rId71"/>
+    <p:sldId id="372" r:id="rId72"/>
+    <p:sldId id="373" r:id="rId73"/>
+    <p:sldId id="374" r:id="rId74"/>
+    <p:sldId id="375" r:id="rId75"/>
+    <p:sldId id="358" r:id="rId76"/>
+    <p:sldId id="359" r:id="rId77"/>
+    <p:sldId id="376" r:id="rId78"/>
+    <p:sldId id="377" r:id="rId79"/>
+    <p:sldId id="378" r:id="rId80"/>
+    <p:sldId id="379" r:id="rId81"/>
+    <p:sldId id="380" r:id="rId82"/>
+    <p:sldId id="381" r:id="rId83"/>
+    <p:sldId id="382" r:id="rId84"/>
+    <p:sldId id="383" r:id="rId85"/>
+    <p:sldId id="384" r:id="rId86"/>
+    <p:sldId id="385" r:id="rId87"/>
+    <p:sldId id="386" r:id="rId88"/>
+    <p:sldId id="387" r:id="rId89"/>
+    <p:sldId id="388" r:id="rId90"/>
+    <p:sldId id="389" r:id="rId91"/>
+    <p:sldId id="360" r:id="rId92"/>
+    <p:sldId id="361" r:id="rId93"/>
+    <p:sldId id="362" r:id="rId94"/>
+    <p:sldId id="363" r:id="rId95"/>
+    <p:sldId id="348" r:id="rId96"/>
   </p:sldIdLst>
   <p:sldSz cx="9144000" cy="6858000" type="screen4x3"/>
   <p:notesSz cx="6858000" cy="9144000"/>
@@ -257,7 +290,7 @@
             <a:fld id="{9A627CD6-EC2A-474E-95EA-B4A55857AC2C}" type="datetimeFigureOut">
               <a:rPr lang="en-US" smtClean="0"/>
               <a:pPr/>
-              <a:t>6/26/2021</a:t>
+              <a:t>6/27/2021</a:t>
             </a:fld>
             <a:endParaRPr lang="en-US"/>
           </a:p>
@@ -420,7 +453,7 @@
             <a:fld id="{5E662A1C-3158-4CF5-80A3-D7B8F58EE8AA}" type="datetimeFigureOut">
               <a:rPr lang="en-US" smtClean="0"/>
               <a:pPr/>
-              <a:t>6/26/2021</a:t>
+              <a:t>6/27/2021</a:t>
             </a:fld>
             <a:endParaRPr lang="en-US"/>
           </a:p>
@@ -861,7 +894,7 @@
             <a:fld id="{C5DC3856-2194-4DDC-B53C-251B5B8D1C64}" type="datetime1">
               <a:rPr lang="en-US" smtClean="0"/>
               <a:pPr/>
-              <a:t>6/26/2021</a:t>
+              <a:t>6/27/2021</a:t>
             </a:fld>
             <a:endParaRPr lang="en-US"/>
           </a:p>
@@ -1032,7 +1065,7 @@
             <a:fld id="{33DC2ABF-A47C-4F08-BC23-5F93F8CA5CE5}" type="datetime1">
               <a:rPr lang="en-US" smtClean="0"/>
               <a:pPr/>
-              <a:t>6/26/2021</a:t>
+              <a:t>6/27/2021</a:t>
             </a:fld>
             <a:endParaRPr lang="en-US"/>
           </a:p>
@@ -1213,7 +1246,7 @@
             <a:fld id="{79DFEDA8-C774-41B9-AAE4-E07793AF960B}" type="datetime1">
               <a:rPr lang="en-US" smtClean="0"/>
               <a:pPr/>
-              <a:t>6/26/2021</a:t>
+              <a:t>6/27/2021</a:t>
             </a:fld>
             <a:endParaRPr lang="en-US"/>
           </a:p>
@@ -1384,7 +1417,7 @@
             <a:fld id="{F00C3F03-67BC-4763-95DB-3F9D3CF37960}" type="datetime1">
               <a:rPr lang="en-US" smtClean="0"/>
               <a:pPr/>
-              <a:t>6/26/2021</a:t>
+              <a:t>6/27/2021</a:t>
             </a:fld>
             <a:endParaRPr lang="en-US"/>
           </a:p>
@@ -1632,7 +1665,7 @@
             <a:fld id="{D4B333FC-B8EF-43AC-87C2-8511FC7EAD61}" type="datetime1">
               <a:rPr lang="en-US" smtClean="0"/>
               <a:pPr/>
-              <a:t>6/26/2021</a:t>
+              <a:t>6/27/2021</a:t>
             </a:fld>
             <a:endParaRPr lang="en-US"/>
           </a:p>
@@ -1902,7 +1935,7 @@
             <a:fld id="{EE0A9791-C0D7-4976-A77F-B80E7832CD6A}" type="datetime1">
               <a:rPr lang="en-US" smtClean="0"/>
               <a:pPr/>
-              <a:t>6/26/2021</a:t>
+              <a:t>6/27/2021</a:t>
             </a:fld>
             <a:endParaRPr lang="en-US"/>
           </a:p>
@@ -2286,7 +2319,7 @@
             <a:fld id="{50C4D741-94E6-4E34-A25E-92D71FA5E540}" type="datetime1">
               <a:rPr lang="en-US" smtClean="0"/>
               <a:pPr/>
-              <a:t>6/26/2021</a:t>
+              <a:t>6/27/2021</a:t>
             </a:fld>
             <a:endParaRPr lang="en-US"/>
           </a:p>
@@ -2442,7 +2475,7 @@
             <a:fld id="{14D3C212-C7B8-453A-81B4-09008679334E}" type="datetime1">
               <a:rPr lang="en-US" smtClean="0"/>
               <a:pPr/>
-              <a:t>6/26/2021</a:t>
+              <a:t>6/27/2021</a:t>
             </a:fld>
             <a:endParaRPr lang="en-US"/>
           </a:p>
@@ -2538,7 +2571,7 @@
             <a:fld id="{C63E832B-B805-4B10-8072-2B9DC1240A78}" type="datetime1">
               <a:rPr lang="en-US" smtClean="0"/>
               <a:pPr/>
-              <a:t>6/26/2021</a:t>
+              <a:t>6/27/2021</a:t>
             </a:fld>
             <a:endParaRPr lang="en-US"/>
           </a:p>
@@ -2805,7 +2838,7 @@
             <a:fld id="{AF8F3403-7B1B-4476-B6C3-5CACF95E0B89}" type="datetime1">
               <a:rPr lang="en-US" smtClean="0"/>
               <a:pPr/>
-              <a:t>6/26/2021</a:t>
+              <a:t>6/27/2021</a:t>
             </a:fld>
             <a:endParaRPr lang="en-US"/>
           </a:p>
@@ -3099,7 +3132,7 @@
             <a:fld id="{995CAD4D-F660-4466-9DF1-C29EF88288F2}" type="datetime1">
               <a:rPr lang="en-US" smtClean="0"/>
               <a:pPr/>
-              <a:t>6/26/2021</a:t>
+              <a:t>6/27/2021</a:t>
             </a:fld>
             <a:endParaRPr lang="en-US"/>
           </a:p>
@@ -3876,7 +3909,7 @@
             <a:fld id="{D3F0E40F-773E-4E4E-A923-412D44C2F21F}" type="datetime1">
               <a:rPr lang="en-US" smtClean="0"/>
               <a:pPr/>
-              <a:t>6/26/2021</a:t>
+              <a:t>6/27/2021</a:t>
             </a:fld>
             <a:endParaRPr lang="en-US"/>
           </a:p>
@@ -20620,34 +20653,250 @@
             <a:spLocks noGrp="1"/>
           </p:cNvSpPr>
           <p:nvPr>
-            <p:ph type="title"/>
-          </p:nvPr>
-        </p:nvSpPr>
-        <p:spPr/>
-        <p:txBody>
-          <a:bodyPr/>
-          <a:lstStyle/>
-          <a:p>
-            <a:endParaRPr lang="en-US"/>
-          </a:p>
-        </p:txBody>
-      </p:sp>
-      <p:sp>
-        <p:nvSpPr>
-          <p:cNvPr id="3" name="Content Placeholder 2"/>
-          <p:cNvSpPr>
-            <a:spLocks noGrp="1"/>
-          </p:cNvSpPr>
-          <p:nvPr>
-            <p:ph idx="1"/>
-          </p:nvPr>
-        </p:nvSpPr>
-        <p:spPr/>
-        <p:txBody>
-          <a:bodyPr/>
-          <a:lstStyle/>
-          <a:p>
-            <a:endParaRPr lang="en-US" dirty="0"/>
+            <p:ph type="ctrTitle"/>
+          </p:nvPr>
+        </p:nvSpPr>
+        <p:spPr>
+          <a:xfrm>
+            <a:off x="500034" y="642918"/>
+            <a:ext cx="7851648" cy="414326"/>
+          </a:xfrm>
+        </p:spPr>
+        <p:txBody>
+          <a:bodyPr anchor="t">
+            <a:normAutofit fontScale="90000"/>
+          </a:bodyPr>
+          <a:lstStyle/>
+          <a:p>
+            <a:pPr algn="l"/>
+            <a:r>
+              <a:rPr lang="en-US" sz="3200" b="0" dirty="0" smtClean="0"/>
+              <a:t>JavaScript Events</a:t>
+            </a:r>
+            <a:br>
+              <a:rPr lang="en-US" sz="3200" b="0" dirty="0" smtClean="0"/>
+            </a:br>
+            <a:endParaRPr lang="en-US" sz="3600" dirty="0" smtClean="0"/>
+          </a:p>
+        </p:txBody>
+      </p:sp>
+      <p:sp>
+        <p:nvSpPr>
+          <p:cNvPr id="3" name="Subtitle 2"/>
+          <p:cNvSpPr>
+            <a:spLocks noGrp="1"/>
+          </p:cNvSpPr>
+          <p:nvPr>
+            <p:ph type="subTitle" idx="1"/>
+          </p:nvPr>
+        </p:nvSpPr>
+        <p:spPr>
+          <a:xfrm>
+            <a:off x="571472" y="1142984"/>
+            <a:ext cx="7816624" cy="4714908"/>
+          </a:xfrm>
+        </p:spPr>
+        <p:txBody>
+          <a:bodyPr>
+            <a:normAutofit/>
+          </a:bodyPr>
+          <a:lstStyle/>
+          <a:p>
+            <a:pPr algn="l"/>
+            <a:r>
+              <a:rPr lang="en-US" sz="1600" dirty="0" smtClean="0"/>
+              <a:t>HTML events are </a:t>
+            </a:r>
+            <a:r>
+              <a:rPr lang="en-US" sz="1600" b="1" dirty="0" smtClean="0"/>
+              <a:t>"things"</a:t>
+            </a:r>
+            <a:r>
+              <a:rPr lang="en-US" sz="1600" dirty="0" smtClean="0"/>
+              <a:t> that happen to HTML elements.</a:t>
+            </a:r>
+          </a:p>
+          <a:p>
+            <a:pPr algn="l"/>
+            <a:r>
+              <a:rPr lang="en-US" sz="1600" dirty="0" smtClean="0"/>
+              <a:t>When JavaScript is used in HTML pages, JavaScript can </a:t>
+            </a:r>
+            <a:r>
+              <a:rPr lang="en-US" sz="1600" b="1" dirty="0" smtClean="0"/>
+              <a:t>"react"</a:t>
+            </a:r>
+            <a:r>
+              <a:rPr lang="en-US" sz="1600" dirty="0" smtClean="0"/>
+              <a:t> on these events.</a:t>
+            </a:r>
+          </a:p>
+          <a:p>
+            <a:pPr algn="l"/>
+            <a:r>
+              <a:rPr lang="en-US" sz="1600" dirty="0" smtClean="0"/>
+              <a:t>HTML Events</a:t>
+            </a:r>
+          </a:p>
+          <a:p>
+            <a:pPr algn="l"/>
+            <a:r>
+              <a:rPr lang="en-US" sz="1600" dirty="0" smtClean="0"/>
+              <a:t>An HTML event can be something the browser does, or something a user does.</a:t>
+            </a:r>
+          </a:p>
+          <a:p>
+            <a:pPr algn="l"/>
+            <a:r>
+              <a:rPr lang="en-US" sz="1600" dirty="0" smtClean="0"/>
+              <a:t>Here are some examples of HTML events:</a:t>
+            </a:r>
+          </a:p>
+          <a:p>
+            <a:pPr algn="l"/>
+            <a:r>
+              <a:rPr lang="en-US" sz="1600" dirty="0" smtClean="0"/>
+              <a:t>An HTML web page has finished loading</a:t>
+            </a:r>
+          </a:p>
+          <a:p>
+            <a:pPr algn="l"/>
+            <a:r>
+              <a:rPr lang="en-US" sz="1600" dirty="0" smtClean="0"/>
+              <a:t>An HTML input field was changed</a:t>
+            </a:r>
+          </a:p>
+          <a:p>
+            <a:pPr algn="l"/>
+            <a:r>
+              <a:rPr lang="en-US" sz="1600" dirty="0" smtClean="0"/>
+              <a:t>An HTML button was clicked</a:t>
+            </a:r>
+          </a:p>
+          <a:p>
+            <a:pPr algn="l"/>
+            <a:r>
+              <a:rPr lang="en-US" sz="1600" dirty="0" smtClean="0"/>
+              <a:t>Often, when events happen, you may want to do something.</a:t>
+            </a:r>
+          </a:p>
+          <a:p>
+            <a:pPr algn="l"/>
+            <a:r>
+              <a:rPr lang="en-US" sz="1600" dirty="0" smtClean="0"/>
+              <a:t>JavaScript lets you execute code when events are detected.</a:t>
+            </a:r>
+          </a:p>
+          <a:p>
+            <a:pPr algn="l"/>
+            <a:r>
+              <a:rPr lang="en-US" sz="1600" dirty="0" smtClean="0"/>
+              <a:t>HTML allows event handler attributes, </a:t>
+            </a:r>
+            <a:r>
+              <a:rPr lang="en-US" sz="1600" b="1" dirty="0" smtClean="0"/>
+              <a:t>with JavaScript code</a:t>
+            </a:r>
+            <a:r>
+              <a:rPr lang="en-US" sz="1600" dirty="0" smtClean="0"/>
+              <a:t>, to be added to HTML elements.</a:t>
+            </a:r>
+          </a:p>
+          <a:p>
+            <a:pPr algn="l"/>
+            <a:r>
+              <a:rPr lang="en-US" sz="1600" dirty="0" smtClean="0"/>
+              <a:t>With single quotes:</a:t>
+            </a:r>
+          </a:p>
+          <a:p>
+            <a:pPr algn="l"/>
+            <a:r>
+              <a:rPr lang="en-US" sz="1600" dirty="0" smtClean="0"/>
+              <a:t>&lt;</a:t>
+            </a:r>
+            <a:r>
+              <a:rPr lang="en-US" sz="1600" i="1" dirty="0" smtClean="0"/>
+              <a:t>element</a:t>
+            </a:r>
+            <a:r>
+              <a:rPr lang="en-US" sz="1600" dirty="0" smtClean="0"/>
+              <a:t> </a:t>
+            </a:r>
+            <a:r>
+              <a:rPr lang="en-US" sz="1600" i="1" dirty="0" smtClean="0"/>
+              <a:t>event</a:t>
+            </a:r>
+            <a:r>
+              <a:rPr lang="en-US" sz="1600" dirty="0" smtClean="0"/>
+              <a:t>=</a:t>
+            </a:r>
+            <a:r>
+              <a:rPr lang="en-US" sz="1600" b="1" dirty="0" smtClean="0"/>
+              <a:t>'</a:t>
+            </a:r>
+            <a:r>
+              <a:rPr lang="en-US" sz="1600" b="1" i="1" dirty="0" smtClean="0"/>
+              <a:t>some JavaScript</a:t>
+            </a:r>
+            <a:r>
+              <a:rPr lang="en-US" sz="1600" b="1" dirty="0" smtClean="0"/>
+              <a:t>'</a:t>
+            </a:r>
+            <a:r>
+              <a:rPr lang="en-US" sz="1600" dirty="0" smtClean="0"/>
+              <a:t>&gt;</a:t>
+            </a:r>
+          </a:p>
+          <a:p>
+            <a:pPr algn="l"/>
+            <a:r>
+              <a:rPr lang="en-US" sz="1600" dirty="0" smtClean="0"/>
+              <a:t>With double quotes:</a:t>
+            </a:r>
+          </a:p>
+          <a:p>
+            <a:pPr algn="l"/>
+            <a:r>
+              <a:rPr lang="en-US" sz="1600" dirty="0" smtClean="0"/>
+              <a:t>&lt;</a:t>
+            </a:r>
+            <a:r>
+              <a:rPr lang="en-US" sz="1600" i="1" dirty="0" smtClean="0"/>
+              <a:t>element</a:t>
+            </a:r>
+            <a:r>
+              <a:rPr lang="en-US" sz="1600" dirty="0" smtClean="0"/>
+              <a:t> </a:t>
+            </a:r>
+            <a:r>
+              <a:rPr lang="en-US" sz="1600" i="1" dirty="0" smtClean="0"/>
+              <a:t>event</a:t>
+            </a:r>
+            <a:r>
+              <a:rPr lang="en-US" sz="1600" dirty="0" smtClean="0"/>
+              <a:t>=</a:t>
+            </a:r>
+            <a:r>
+              <a:rPr lang="en-US" sz="1600" b="1" dirty="0" smtClean="0"/>
+              <a:t>"</a:t>
+            </a:r>
+            <a:r>
+              <a:rPr lang="en-US" sz="1600" b="1" i="1" dirty="0" smtClean="0"/>
+              <a:t>some JavaScript</a:t>
+            </a:r>
+            <a:r>
+              <a:rPr lang="en-US" sz="1600" b="1" dirty="0" smtClean="0"/>
+              <a:t>"</a:t>
+            </a:r>
+            <a:r>
+              <a:rPr lang="en-US" sz="1600" dirty="0" smtClean="0"/>
+              <a:t>&gt;</a:t>
+            </a:r>
+          </a:p>
+          <a:p>
+            <a:pPr algn="l"/>
+            <a:endParaRPr lang="en-US" sz="1600" dirty="0"/>
           </a:p>
         </p:txBody>
       </p:sp>
@@ -20693,6 +20942,2736 @@
               <a:rPr lang="en-US" smtClean="0"/>
               <a:pPr/>
               <a:t>62</a:t>
+            </a:fld>
+            <a:endParaRPr lang="en-US"/>
+          </a:p>
+        </p:txBody>
+      </p:sp>
+    </p:spTree>
+  </p:cSld>
+  <p:clrMapOvr>
+    <a:masterClrMapping/>
+  </p:clrMapOvr>
+</p:sld>
+</file>
+
+<file path=ppt/slides/slide63.xml><?xml version="1.0" encoding="utf-8"?>
+<p:sld xmlns:a="http://schemas.openxmlformats.org/drawingml/2006/main" xmlns:r="http://schemas.openxmlformats.org/officeDocument/2006/relationships" xmlns:p="http://schemas.openxmlformats.org/presentationml/2006/main">
+  <p:cSld>
+    <p:spTree>
+      <p:nvGrpSpPr>
+        <p:cNvPr id="1" name=""/>
+        <p:cNvGrpSpPr/>
+        <p:nvPr/>
+      </p:nvGrpSpPr>
+      <p:grpSpPr>
+        <a:xfrm>
+          <a:off x="0" y="0"/>
+          <a:ext cx="0" cy="0"/>
+          <a:chOff x="0" y="0"/>
+          <a:chExt cx="0" cy="0"/>
+        </a:xfrm>
+      </p:grpSpPr>
+      <p:sp>
+        <p:nvSpPr>
+          <p:cNvPr id="2" name="Title 1"/>
+          <p:cNvSpPr>
+            <a:spLocks noGrp="1"/>
+          </p:cNvSpPr>
+          <p:nvPr>
+            <p:ph type="ctrTitle"/>
+          </p:nvPr>
+        </p:nvSpPr>
+        <p:spPr>
+          <a:xfrm>
+            <a:off x="500034" y="642918"/>
+            <a:ext cx="7851648" cy="414326"/>
+          </a:xfrm>
+        </p:spPr>
+        <p:txBody>
+          <a:bodyPr>
+            <a:normAutofit fontScale="90000"/>
+          </a:bodyPr>
+          <a:lstStyle/>
+          <a:p>
+            <a:pPr algn="l"/>
+            <a:endParaRPr lang="en-US" sz="3600" dirty="0" smtClean="0"/>
+          </a:p>
+        </p:txBody>
+      </p:sp>
+      <p:sp>
+        <p:nvSpPr>
+          <p:cNvPr id="3" name="Subtitle 2"/>
+          <p:cNvSpPr>
+            <a:spLocks noGrp="1"/>
+          </p:cNvSpPr>
+          <p:nvPr>
+            <p:ph type="subTitle" idx="1"/>
+          </p:nvPr>
+        </p:nvSpPr>
+        <p:spPr>
+          <a:xfrm>
+            <a:off x="571472" y="1142984"/>
+            <a:ext cx="7816624" cy="4714908"/>
+          </a:xfrm>
+        </p:spPr>
+        <p:txBody>
+          <a:bodyPr>
+            <a:normAutofit/>
+          </a:bodyPr>
+          <a:lstStyle/>
+          <a:p>
+            <a:pPr algn="l"/>
+            <a:r>
+              <a:rPr lang="en-US" sz="1600" dirty="0" smtClean="0"/>
+              <a:t>&lt;button </a:t>
+            </a:r>
+            <a:r>
+              <a:rPr lang="en-US" sz="1600" dirty="0" err="1" smtClean="0"/>
+              <a:t>onclick</a:t>
+            </a:r>
+            <a:r>
+              <a:rPr lang="en-US" sz="1600" dirty="0" smtClean="0"/>
+              <a:t>="</a:t>
+            </a:r>
+            <a:r>
+              <a:rPr lang="en-US" sz="1600" dirty="0" err="1" smtClean="0"/>
+              <a:t>document.getElementById</a:t>
+            </a:r>
+            <a:r>
+              <a:rPr lang="en-US" sz="1600" dirty="0" smtClean="0"/>
+              <a:t>('demo').</a:t>
+            </a:r>
+            <a:r>
+              <a:rPr lang="en-US" sz="1600" dirty="0" err="1" smtClean="0"/>
+              <a:t>innerHTML</a:t>
+            </a:r>
+            <a:r>
+              <a:rPr lang="en-US" sz="1600" dirty="0" smtClean="0"/>
+              <a:t> = Date()"&gt;The time is?&lt;/button</a:t>
+            </a:r>
+            <a:r>
+              <a:rPr lang="en-US" sz="1600" dirty="0" smtClean="0"/>
+              <a:t>&gt;</a:t>
+            </a:r>
+          </a:p>
+          <a:p>
+            <a:pPr algn="l"/>
+            <a:endParaRPr lang="en-US" sz="1600" dirty="0" smtClean="0"/>
+          </a:p>
+          <a:p>
+            <a:pPr algn="l"/>
+            <a:endParaRPr lang="en-US" sz="1600" dirty="0"/>
+          </a:p>
+        </p:txBody>
+      </p:sp>
+      <p:sp>
+        <p:nvSpPr>
+          <p:cNvPr id="4" name="Footer Placeholder 3"/>
+          <p:cNvSpPr>
+            <a:spLocks noGrp="1"/>
+          </p:cNvSpPr>
+          <p:nvPr>
+            <p:ph type="ftr" sz="quarter" idx="11"/>
+          </p:nvPr>
+        </p:nvSpPr>
+        <p:spPr/>
+        <p:txBody>
+          <a:bodyPr/>
+          <a:lstStyle/>
+          <a:p>
+            <a:r>
+              <a:rPr lang="en-US" smtClean="0"/>
+              <a:t>HTML Tutorial(RK)</a:t>
+            </a:r>
+            <a:endParaRPr lang="en-US"/>
+          </a:p>
+        </p:txBody>
+      </p:sp>
+      <p:sp>
+        <p:nvSpPr>
+          <p:cNvPr id="5" name="Slide Number Placeholder 4"/>
+          <p:cNvSpPr>
+            <a:spLocks noGrp="1"/>
+          </p:cNvSpPr>
+          <p:nvPr>
+            <p:ph type="sldNum" sz="quarter" idx="12"/>
+          </p:nvPr>
+        </p:nvSpPr>
+        <p:spPr/>
+        <p:txBody>
+          <a:bodyPr/>
+          <a:lstStyle/>
+          <a:p>
+            <a:fld id="{A764E606-9830-4F28-B8FF-27B179B08DB2}" type="slidenum">
+              <a:rPr lang="en-US" smtClean="0"/>
+              <a:pPr/>
+              <a:t>63</a:t>
+            </a:fld>
+            <a:endParaRPr lang="en-US"/>
+          </a:p>
+        </p:txBody>
+      </p:sp>
+      <p:pic>
+        <p:nvPicPr>
+          <p:cNvPr id="1026" name="Picture 2"/>
+          <p:cNvPicPr>
+            <a:picLocks noChangeAspect="1" noChangeArrowheads="1"/>
+          </p:cNvPicPr>
+          <p:nvPr/>
+        </p:nvPicPr>
+        <p:blipFill>
+          <a:blip r:embed="rId2"/>
+          <a:srcRect/>
+          <a:stretch>
+            <a:fillRect/>
+          </a:stretch>
+        </p:blipFill>
+        <p:spPr bwMode="auto">
+          <a:xfrm>
+            <a:off x="276225" y="1528776"/>
+            <a:ext cx="8591550" cy="3829050"/>
+          </a:xfrm>
+          <a:prstGeom prst="rect">
+            <a:avLst/>
+          </a:prstGeom>
+          <a:noFill/>
+          <a:ln w="9525">
+            <a:noFill/>
+            <a:miter lim="800000"/>
+            <a:headEnd/>
+            <a:tailEnd/>
+          </a:ln>
+          <a:effectLst/>
+        </p:spPr>
+      </p:pic>
+    </p:spTree>
+  </p:cSld>
+  <p:clrMapOvr>
+    <a:masterClrMapping/>
+  </p:clrMapOvr>
+</p:sld>
+</file>
+
+<file path=ppt/slides/slide64.xml><?xml version="1.0" encoding="utf-8"?>
+<p:sld xmlns:a="http://schemas.openxmlformats.org/drawingml/2006/main" xmlns:r="http://schemas.openxmlformats.org/officeDocument/2006/relationships" xmlns:p="http://schemas.openxmlformats.org/presentationml/2006/main">
+  <p:cSld>
+    <p:spTree>
+      <p:nvGrpSpPr>
+        <p:cNvPr id="1" name=""/>
+        <p:cNvGrpSpPr/>
+        <p:nvPr/>
+      </p:nvGrpSpPr>
+      <p:grpSpPr>
+        <a:xfrm>
+          <a:off x="0" y="0"/>
+          <a:ext cx="0" cy="0"/>
+          <a:chOff x="0" y="0"/>
+          <a:chExt cx="0" cy="0"/>
+        </a:xfrm>
+      </p:grpSpPr>
+      <p:sp>
+        <p:nvSpPr>
+          <p:cNvPr id="2" name="Title 1"/>
+          <p:cNvSpPr>
+            <a:spLocks noGrp="1"/>
+          </p:cNvSpPr>
+          <p:nvPr>
+            <p:ph type="ctrTitle"/>
+          </p:nvPr>
+        </p:nvSpPr>
+        <p:spPr>
+          <a:xfrm>
+            <a:off x="500034" y="642918"/>
+            <a:ext cx="7851648" cy="414326"/>
+          </a:xfrm>
+        </p:spPr>
+        <p:txBody>
+          <a:bodyPr>
+            <a:normAutofit fontScale="90000"/>
+          </a:bodyPr>
+          <a:lstStyle/>
+          <a:p>
+            <a:pPr algn="l"/>
+            <a:r>
+              <a:rPr lang="en-US" sz="3600" dirty="0" smtClean="0"/>
+              <a:t>Array</a:t>
+            </a:r>
+            <a:endParaRPr lang="en-US" sz="3600" dirty="0" smtClean="0"/>
+          </a:p>
+        </p:txBody>
+      </p:sp>
+      <p:sp>
+        <p:nvSpPr>
+          <p:cNvPr id="3" name="Subtitle 2"/>
+          <p:cNvSpPr>
+            <a:spLocks noGrp="1"/>
+          </p:cNvSpPr>
+          <p:nvPr>
+            <p:ph type="subTitle" idx="1"/>
+          </p:nvPr>
+        </p:nvSpPr>
+        <p:spPr>
+          <a:xfrm>
+            <a:off x="571472" y="1142984"/>
+            <a:ext cx="7816624" cy="4714908"/>
+          </a:xfrm>
+        </p:spPr>
+        <p:txBody>
+          <a:bodyPr>
+            <a:noAutofit/>
+          </a:bodyPr>
+          <a:lstStyle/>
+          <a:p>
+            <a:pPr algn="l"/>
+            <a:r>
+              <a:rPr lang="en-US" sz="1600" dirty="0" smtClean="0"/>
+              <a:t>JavaScript arrays are used to store multiple values in a single variable.</a:t>
+            </a:r>
+          </a:p>
+          <a:p>
+            <a:pPr algn="l"/>
+            <a:r>
+              <a:rPr lang="en-US" sz="1600" dirty="0" smtClean="0"/>
+              <a:t>Example</a:t>
+            </a:r>
+          </a:p>
+          <a:p>
+            <a:pPr algn="l"/>
+            <a:r>
+              <a:rPr lang="en-US" sz="1600" dirty="0" smtClean="0"/>
+              <a:t>const cars = ["Saab", "Volvo", "BMW"];</a:t>
+            </a:r>
+          </a:p>
+          <a:p>
+            <a:pPr algn="l"/>
+            <a:r>
+              <a:rPr lang="en-US" sz="1600" dirty="0" smtClean="0"/>
+              <a:t>What is an Array?</a:t>
+            </a:r>
+          </a:p>
+          <a:p>
+            <a:pPr algn="l"/>
+            <a:r>
+              <a:rPr lang="en-US" sz="1600" dirty="0" smtClean="0"/>
+              <a:t>An array is a special variable, which can hold more than one value at a time.</a:t>
+            </a:r>
+          </a:p>
+          <a:p>
+            <a:pPr algn="l"/>
+            <a:r>
+              <a:rPr lang="en-US" sz="1600" dirty="0" smtClean="0"/>
+              <a:t>If you have a list of items (a list of car names, for example), storing the cars in single variables could look like this:</a:t>
+            </a:r>
+          </a:p>
+          <a:p>
+            <a:pPr algn="l"/>
+            <a:r>
+              <a:rPr lang="en-US" sz="1600" dirty="0" smtClean="0"/>
+              <a:t>let car1 = "Saab";</a:t>
+            </a:r>
+            <a:br>
+              <a:rPr lang="en-US" sz="1600" dirty="0" smtClean="0"/>
+            </a:br>
+            <a:r>
+              <a:rPr lang="en-US" sz="1600" dirty="0" smtClean="0"/>
+              <a:t>let car2 = "Volvo";</a:t>
+            </a:r>
+            <a:br>
+              <a:rPr lang="en-US" sz="1600" dirty="0" smtClean="0"/>
+            </a:br>
+            <a:r>
+              <a:rPr lang="en-US" sz="1600" dirty="0" smtClean="0"/>
+              <a:t>let car3 = "BMW";</a:t>
+            </a:r>
+          </a:p>
+          <a:p>
+            <a:pPr algn="l"/>
+            <a:r>
+              <a:rPr lang="en-US" sz="1600" dirty="0" smtClean="0"/>
+              <a:t>However, what if you want to loop through the cars and find a specific one? And what if you had not 3 cars, but 300?</a:t>
+            </a:r>
+          </a:p>
+          <a:p>
+            <a:pPr algn="l"/>
+            <a:r>
+              <a:rPr lang="en-US" sz="1600" dirty="0" smtClean="0"/>
+              <a:t>The solution is an array!</a:t>
+            </a:r>
+          </a:p>
+          <a:p>
+            <a:pPr algn="l"/>
+            <a:r>
+              <a:rPr lang="en-US" sz="1600" dirty="0" smtClean="0"/>
+              <a:t>An array can hold many values under a single name, and you can access the values by referring to an index number.</a:t>
+            </a:r>
+          </a:p>
+          <a:p>
+            <a:pPr algn="l"/>
+            <a:r>
+              <a:rPr lang="en-US" sz="1600" dirty="0" smtClean="0"/>
+              <a:t>Creating an Array</a:t>
+            </a:r>
+          </a:p>
+          <a:p>
+            <a:pPr algn="l"/>
+            <a:r>
+              <a:rPr lang="en-US" sz="1600" dirty="0" smtClean="0"/>
+              <a:t>Using an array literal is the easiest way to create a JavaScript Array.</a:t>
+            </a:r>
+          </a:p>
+          <a:p>
+            <a:pPr algn="l"/>
+            <a:r>
+              <a:rPr lang="en-US" sz="1600" dirty="0" smtClean="0"/>
+              <a:t>Syntax:</a:t>
+            </a:r>
+          </a:p>
+          <a:p>
+            <a:pPr algn="l"/>
+            <a:r>
+              <a:rPr lang="en-US" sz="1600" dirty="0" smtClean="0"/>
+              <a:t>const </a:t>
+            </a:r>
+            <a:r>
+              <a:rPr lang="en-US" sz="1600" i="1" dirty="0" err="1" smtClean="0"/>
+              <a:t>array_name</a:t>
+            </a:r>
+            <a:r>
+              <a:rPr lang="en-US" sz="1600" dirty="0" smtClean="0"/>
+              <a:t> = [</a:t>
+            </a:r>
+            <a:r>
+              <a:rPr lang="en-US" sz="1600" i="1" dirty="0" smtClean="0"/>
+              <a:t>item1</a:t>
+            </a:r>
+            <a:r>
+              <a:rPr lang="en-US" sz="1600" dirty="0" smtClean="0"/>
+              <a:t>, </a:t>
+            </a:r>
+            <a:r>
+              <a:rPr lang="en-US" sz="1600" i="1" dirty="0" smtClean="0"/>
+              <a:t>item2</a:t>
+            </a:r>
+            <a:r>
+              <a:rPr lang="en-US" sz="1600" dirty="0" smtClean="0"/>
+              <a:t>, ...];      </a:t>
+            </a:r>
+            <a:br>
+              <a:rPr lang="en-US" sz="1600" dirty="0" smtClean="0"/>
+            </a:br>
+            <a:endParaRPr lang="en-US" sz="1600" dirty="0" smtClean="0"/>
+          </a:p>
+          <a:p>
+            <a:pPr algn="l"/>
+            <a:r>
+              <a:rPr lang="en-US" sz="1600" dirty="0" smtClean="0"/>
+              <a:t>Example</a:t>
+            </a:r>
+          </a:p>
+          <a:p>
+            <a:pPr algn="l"/>
+            <a:r>
+              <a:rPr lang="en-US" sz="1600" dirty="0" smtClean="0"/>
+              <a:t>const cars = ["Saab", "Volvo", "BMW"];</a:t>
+            </a:r>
+          </a:p>
+          <a:p>
+            <a:pPr algn="l"/>
+            <a:r>
+              <a:rPr lang="en-US" sz="1400" dirty="0" smtClean="0"/>
+              <a:t>Spaces and line breaks are not important. A declaration can span multiple lines:</a:t>
+            </a:r>
+          </a:p>
+          <a:p>
+            <a:pPr algn="l"/>
+            <a:r>
+              <a:rPr lang="en-US" sz="1400" dirty="0" smtClean="0"/>
+              <a:t>Example</a:t>
+            </a:r>
+          </a:p>
+          <a:p>
+            <a:pPr algn="l"/>
+            <a:r>
+              <a:rPr lang="en-US" sz="1400" dirty="0" smtClean="0"/>
+              <a:t>const cars = [</a:t>
+            </a:r>
+            <a:br>
+              <a:rPr lang="en-US" sz="1400" dirty="0" smtClean="0"/>
+            </a:br>
+            <a:r>
+              <a:rPr lang="en-US" sz="1400" dirty="0" smtClean="0"/>
+              <a:t>  "Saab",</a:t>
+            </a:r>
+            <a:br>
+              <a:rPr lang="en-US" sz="1400" dirty="0" smtClean="0"/>
+            </a:br>
+            <a:r>
+              <a:rPr lang="en-US" sz="1400" dirty="0" smtClean="0"/>
+              <a:t>  "Volvo",</a:t>
+            </a:r>
+            <a:br>
+              <a:rPr lang="en-US" sz="1400" dirty="0" smtClean="0"/>
+            </a:br>
+            <a:r>
+              <a:rPr lang="en-US" sz="1400" dirty="0" smtClean="0"/>
+              <a:t>  "BMW"</a:t>
+            </a:r>
+            <a:br>
+              <a:rPr lang="en-US" sz="1400" dirty="0" smtClean="0"/>
+            </a:br>
+            <a:r>
+              <a:rPr lang="en-US" sz="1400" dirty="0" smtClean="0"/>
+              <a:t>];</a:t>
+            </a:r>
+          </a:p>
+          <a:p>
+            <a:pPr algn="l"/>
+            <a:endParaRPr lang="en-US" sz="1600" dirty="0" smtClean="0"/>
+          </a:p>
+          <a:p>
+            <a:pPr algn="l"/>
+            <a:endParaRPr lang="en-US" sz="1600" dirty="0"/>
+          </a:p>
+        </p:txBody>
+      </p:sp>
+      <p:sp>
+        <p:nvSpPr>
+          <p:cNvPr id="4" name="Footer Placeholder 3"/>
+          <p:cNvSpPr>
+            <a:spLocks noGrp="1"/>
+          </p:cNvSpPr>
+          <p:nvPr>
+            <p:ph type="ftr" sz="quarter" idx="11"/>
+          </p:nvPr>
+        </p:nvSpPr>
+        <p:spPr/>
+        <p:txBody>
+          <a:bodyPr/>
+          <a:lstStyle/>
+          <a:p>
+            <a:r>
+              <a:rPr lang="en-US" smtClean="0"/>
+              <a:t>HTML Tutorial(RK)</a:t>
+            </a:r>
+            <a:endParaRPr lang="en-US"/>
+          </a:p>
+        </p:txBody>
+      </p:sp>
+      <p:sp>
+        <p:nvSpPr>
+          <p:cNvPr id="5" name="Slide Number Placeholder 4"/>
+          <p:cNvSpPr>
+            <a:spLocks noGrp="1"/>
+          </p:cNvSpPr>
+          <p:nvPr>
+            <p:ph type="sldNum" sz="quarter" idx="12"/>
+          </p:nvPr>
+        </p:nvSpPr>
+        <p:spPr/>
+        <p:txBody>
+          <a:bodyPr/>
+          <a:lstStyle/>
+          <a:p>
+            <a:fld id="{A764E606-9830-4F28-B8FF-27B179B08DB2}" type="slidenum">
+              <a:rPr lang="en-US" smtClean="0"/>
+              <a:pPr/>
+              <a:t>64</a:t>
+            </a:fld>
+            <a:endParaRPr lang="en-US"/>
+          </a:p>
+        </p:txBody>
+      </p:sp>
+    </p:spTree>
+  </p:cSld>
+  <p:clrMapOvr>
+    <a:masterClrMapping/>
+  </p:clrMapOvr>
+</p:sld>
+</file>
+
+<file path=ppt/slides/slide65.xml><?xml version="1.0" encoding="utf-8"?>
+<p:sld xmlns:a="http://schemas.openxmlformats.org/drawingml/2006/main" xmlns:r="http://schemas.openxmlformats.org/officeDocument/2006/relationships" xmlns:p="http://schemas.openxmlformats.org/presentationml/2006/main">
+  <p:cSld>
+    <p:spTree>
+      <p:nvGrpSpPr>
+        <p:cNvPr id="1" name=""/>
+        <p:cNvGrpSpPr/>
+        <p:nvPr/>
+      </p:nvGrpSpPr>
+      <p:grpSpPr>
+        <a:xfrm>
+          <a:off x="0" y="0"/>
+          <a:ext cx="0" cy="0"/>
+          <a:chOff x="0" y="0"/>
+          <a:chExt cx="0" cy="0"/>
+        </a:xfrm>
+      </p:grpSpPr>
+      <p:sp>
+        <p:nvSpPr>
+          <p:cNvPr id="2" name="Title 1"/>
+          <p:cNvSpPr>
+            <a:spLocks noGrp="1"/>
+          </p:cNvSpPr>
+          <p:nvPr>
+            <p:ph type="ctrTitle"/>
+          </p:nvPr>
+        </p:nvSpPr>
+        <p:spPr>
+          <a:xfrm>
+            <a:off x="500034" y="642918"/>
+            <a:ext cx="7851648" cy="414326"/>
+          </a:xfrm>
+        </p:spPr>
+        <p:txBody>
+          <a:bodyPr>
+            <a:normAutofit fontScale="90000"/>
+          </a:bodyPr>
+          <a:lstStyle/>
+          <a:p>
+            <a:pPr algn="l"/>
+            <a:endParaRPr lang="en-US" sz="3600" dirty="0" smtClean="0"/>
+          </a:p>
+        </p:txBody>
+      </p:sp>
+      <p:sp>
+        <p:nvSpPr>
+          <p:cNvPr id="3" name="Subtitle 2"/>
+          <p:cNvSpPr>
+            <a:spLocks noGrp="1"/>
+          </p:cNvSpPr>
+          <p:nvPr>
+            <p:ph type="subTitle" idx="1"/>
+          </p:nvPr>
+        </p:nvSpPr>
+        <p:spPr>
+          <a:xfrm>
+            <a:off x="571472" y="1142984"/>
+            <a:ext cx="7816624" cy="4714908"/>
+          </a:xfrm>
+        </p:spPr>
+        <p:txBody>
+          <a:bodyPr>
+            <a:noAutofit/>
+          </a:bodyPr>
+          <a:lstStyle/>
+          <a:p>
+            <a:pPr algn="l"/>
+            <a:r>
+              <a:rPr lang="en-US" sz="1400" dirty="0" smtClean="0"/>
+              <a:t>const cars = [];</a:t>
+            </a:r>
+            <a:br>
+              <a:rPr lang="en-US" sz="1400" dirty="0" smtClean="0"/>
+            </a:br>
+            <a:r>
+              <a:rPr lang="en-US" sz="1400" dirty="0" smtClean="0"/>
+              <a:t>cars[0]= "Saab";</a:t>
+            </a:r>
+            <a:br>
+              <a:rPr lang="en-US" sz="1400" dirty="0" smtClean="0"/>
+            </a:br>
+            <a:r>
+              <a:rPr lang="en-US" sz="1400" dirty="0" smtClean="0"/>
+              <a:t>cars[1]= "Volvo";</a:t>
+            </a:r>
+            <a:br>
+              <a:rPr lang="en-US" sz="1400" dirty="0" smtClean="0"/>
+            </a:br>
+            <a:r>
+              <a:rPr lang="en-US" sz="1400" dirty="0" smtClean="0"/>
+              <a:t>cars[2]= "BMW";</a:t>
+            </a:r>
+            <a:br>
+              <a:rPr lang="en-US" sz="1400" dirty="0" smtClean="0"/>
+            </a:br>
+            <a:endParaRPr lang="en-US" sz="1400" dirty="0" smtClean="0"/>
+          </a:p>
+          <a:p>
+            <a:pPr algn="l"/>
+            <a:r>
+              <a:rPr lang="en-US" sz="1400" dirty="0" smtClean="0"/>
+              <a:t>Using the JavaScript Keyword new</a:t>
+            </a:r>
+          </a:p>
+          <a:p>
+            <a:pPr algn="l"/>
+            <a:r>
+              <a:rPr lang="en-US" sz="1400" dirty="0" smtClean="0"/>
+              <a:t>The following example also creates an Array, and assigns values to it:</a:t>
+            </a:r>
+          </a:p>
+          <a:p>
+            <a:pPr algn="l"/>
+            <a:r>
+              <a:rPr lang="en-US" sz="1400" dirty="0" smtClean="0"/>
+              <a:t>const cars = new Array("Saab", "Volvo", "BMW"); </a:t>
+            </a:r>
+            <a:endParaRPr lang="en-US" sz="1400" dirty="0" smtClean="0"/>
+          </a:p>
+          <a:p>
+            <a:pPr algn="l"/>
+            <a:r>
+              <a:rPr lang="en-US" sz="1400" dirty="0" smtClean="0"/>
+              <a:t>Access the Elements of an Array</a:t>
+            </a:r>
+          </a:p>
+          <a:p>
+            <a:pPr algn="l"/>
+            <a:r>
+              <a:rPr lang="en-US" sz="1400" dirty="0" smtClean="0"/>
+              <a:t>You access an array element by referring to the </a:t>
+            </a:r>
+            <a:r>
+              <a:rPr lang="en-US" sz="1400" b="1" dirty="0" smtClean="0"/>
+              <a:t>index number</a:t>
+            </a:r>
+            <a:r>
+              <a:rPr lang="en-US" sz="1400" dirty="0" smtClean="0"/>
+              <a:t>:</a:t>
+            </a:r>
+          </a:p>
+          <a:p>
+            <a:pPr algn="l"/>
+            <a:r>
+              <a:rPr lang="en-US" sz="1400" dirty="0" smtClean="0"/>
+              <a:t>const cars = ["Saab", "Volvo", "BMW"];</a:t>
+            </a:r>
+            <a:br>
+              <a:rPr lang="en-US" sz="1400" dirty="0" smtClean="0"/>
+            </a:br>
+            <a:r>
+              <a:rPr lang="en-US" sz="1400" dirty="0" smtClean="0"/>
+              <a:t>let x = cars[0];    // x = "</a:t>
+            </a:r>
+            <a:r>
+              <a:rPr lang="en-US" sz="1400" dirty="0" smtClean="0"/>
+              <a:t>Saab“</a:t>
+            </a:r>
+          </a:p>
+          <a:p>
+            <a:pPr algn="l"/>
+            <a:endParaRPr lang="en-US" sz="1400" dirty="0" smtClean="0"/>
+          </a:p>
+          <a:p>
+            <a:pPr algn="l"/>
+            <a:r>
+              <a:rPr lang="en-US" sz="1400" dirty="0" smtClean="0"/>
+              <a:t>Changing an Array Element</a:t>
+            </a:r>
+          </a:p>
+          <a:p>
+            <a:pPr algn="l"/>
+            <a:r>
+              <a:rPr lang="en-US" sz="1400" dirty="0" smtClean="0"/>
+              <a:t>This statement changes the value of the first element in cars:</a:t>
+            </a:r>
+          </a:p>
+          <a:p>
+            <a:pPr algn="l"/>
+            <a:r>
+              <a:rPr lang="en-US" sz="1400" dirty="0" smtClean="0"/>
+              <a:t>cars[0] = "Opel";</a:t>
+            </a:r>
+          </a:p>
+          <a:p>
+            <a:pPr algn="l"/>
+            <a:r>
+              <a:rPr lang="en-US" sz="1400" dirty="0" smtClean="0"/>
+              <a:t>Example</a:t>
+            </a:r>
+          </a:p>
+          <a:p>
+            <a:pPr algn="l"/>
+            <a:r>
+              <a:rPr lang="en-US" sz="1400" dirty="0" smtClean="0"/>
+              <a:t>const cars = ["Saab", "Volvo", "BMW"];</a:t>
+            </a:r>
+            <a:br>
+              <a:rPr lang="en-US" sz="1400" dirty="0" smtClean="0"/>
+            </a:br>
+            <a:r>
+              <a:rPr lang="en-US" sz="1400" dirty="0" smtClean="0"/>
+              <a:t>cars[0] = "Opel";</a:t>
+            </a:r>
+          </a:p>
+          <a:p>
+            <a:pPr algn="l"/>
+            <a:endParaRPr lang="en-US" sz="1400" dirty="0" smtClean="0"/>
+          </a:p>
+          <a:p>
+            <a:pPr algn="l"/>
+            <a:endParaRPr lang="en-US" sz="1400" dirty="0" smtClean="0"/>
+          </a:p>
+          <a:p>
+            <a:pPr algn="l"/>
+            <a:r>
+              <a:rPr lang="en-US" sz="1200" dirty="0" smtClean="0"/>
+              <a:t>Array Properties and Methods</a:t>
+            </a:r>
+          </a:p>
+          <a:p>
+            <a:pPr algn="l"/>
+            <a:r>
+              <a:rPr lang="en-US" sz="1200" dirty="0" smtClean="0"/>
+              <a:t>The real strength of JavaScript arrays are the built-in array properties and methods:</a:t>
+            </a:r>
+          </a:p>
+          <a:p>
+            <a:pPr algn="l"/>
+            <a:r>
+              <a:rPr lang="en-US" sz="1200" dirty="0" err="1" smtClean="0"/>
+              <a:t>cars.length</a:t>
+            </a:r>
+            <a:r>
+              <a:rPr lang="en-US" sz="1200" dirty="0" smtClean="0"/>
+              <a:t>   // Returns the number of elements</a:t>
+            </a:r>
+            <a:br>
+              <a:rPr lang="en-US" sz="1200" dirty="0" smtClean="0"/>
+            </a:br>
+            <a:r>
+              <a:rPr lang="en-US" sz="1200" dirty="0" err="1" smtClean="0"/>
+              <a:t>cars.sort</a:t>
+            </a:r>
+            <a:r>
+              <a:rPr lang="en-US" sz="1200" dirty="0" smtClean="0"/>
+              <a:t>()   // Sorts the array</a:t>
+            </a:r>
+          </a:p>
+          <a:p>
+            <a:pPr algn="l"/>
+            <a:r>
+              <a:rPr lang="en-US" sz="1400" dirty="0" smtClean="0"/>
+              <a:t/>
+            </a:r>
+            <a:br>
+              <a:rPr lang="en-US" sz="1400" dirty="0" smtClean="0"/>
+            </a:br>
+            <a:endParaRPr lang="en-US" sz="1400" dirty="0"/>
+          </a:p>
+        </p:txBody>
+      </p:sp>
+      <p:sp>
+        <p:nvSpPr>
+          <p:cNvPr id="4" name="Footer Placeholder 3"/>
+          <p:cNvSpPr>
+            <a:spLocks noGrp="1"/>
+          </p:cNvSpPr>
+          <p:nvPr>
+            <p:ph type="ftr" sz="quarter" idx="11"/>
+          </p:nvPr>
+        </p:nvSpPr>
+        <p:spPr/>
+        <p:txBody>
+          <a:bodyPr/>
+          <a:lstStyle/>
+          <a:p>
+            <a:r>
+              <a:rPr lang="en-US" smtClean="0"/>
+              <a:t>HTML Tutorial(RK)</a:t>
+            </a:r>
+            <a:endParaRPr lang="en-US"/>
+          </a:p>
+        </p:txBody>
+      </p:sp>
+      <p:sp>
+        <p:nvSpPr>
+          <p:cNvPr id="5" name="Slide Number Placeholder 4"/>
+          <p:cNvSpPr>
+            <a:spLocks noGrp="1"/>
+          </p:cNvSpPr>
+          <p:nvPr>
+            <p:ph type="sldNum" sz="quarter" idx="12"/>
+          </p:nvPr>
+        </p:nvSpPr>
+        <p:spPr/>
+        <p:txBody>
+          <a:bodyPr/>
+          <a:lstStyle/>
+          <a:p>
+            <a:fld id="{A764E606-9830-4F28-B8FF-27B179B08DB2}" type="slidenum">
+              <a:rPr lang="en-US" smtClean="0"/>
+              <a:pPr/>
+              <a:t>65</a:t>
+            </a:fld>
+            <a:endParaRPr lang="en-US"/>
+          </a:p>
+        </p:txBody>
+      </p:sp>
+    </p:spTree>
+  </p:cSld>
+  <p:clrMapOvr>
+    <a:masterClrMapping/>
+  </p:clrMapOvr>
+</p:sld>
+</file>
+
+<file path=ppt/slides/slide66.xml><?xml version="1.0" encoding="utf-8"?>
+<p:sld xmlns:a="http://schemas.openxmlformats.org/drawingml/2006/main" xmlns:r="http://schemas.openxmlformats.org/officeDocument/2006/relationships" xmlns:p="http://schemas.openxmlformats.org/presentationml/2006/main">
+  <p:cSld>
+    <p:spTree>
+      <p:nvGrpSpPr>
+        <p:cNvPr id="1" name=""/>
+        <p:cNvGrpSpPr/>
+        <p:nvPr/>
+      </p:nvGrpSpPr>
+      <p:grpSpPr>
+        <a:xfrm>
+          <a:off x="0" y="0"/>
+          <a:ext cx="0" cy="0"/>
+          <a:chOff x="0" y="0"/>
+          <a:chExt cx="0" cy="0"/>
+        </a:xfrm>
+      </p:grpSpPr>
+      <p:sp>
+        <p:nvSpPr>
+          <p:cNvPr id="2" name="Title 1"/>
+          <p:cNvSpPr>
+            <a:spLocks noGrp="1"/>
+          </p:cNvSpPr>
+          <p:nvPr>
+            <p:ph type="ctrTitle"/>
+          </p:nvPr>
+        </p:nvSpPr>
+        <p:spPr>
+          <a:xfrm>
+            <a:off x="500034" y="642918"/>
+            <a:ext cx="7851648" cy="414326"/>
+          </a:xfrm>
+        </p:spPr>
+        <p:txBody>
+          <a:bodyPr>
+            <a:normAutofit fontScale="90000"/>
+          </a:bodyPr>
+          <a:lstStyle/>
+          <a:p>
+            <a:pPr algn="l"/>
+            <a:endParaRPr lang="en-US" sz="3600" dirty="0" smtClean="0"/>
+          </a:p>
+        </p:txBody>
+      </p:sp>
+      <p:sp>
+        <p:nvSpPr>
+          <p:cNvPr id="3" name="Subtitle 2"/>
+          <p:cNvSpPr>
+            <a:spLocks noGrp="1"/>
+          </p:cNvSpPr>
+          <p:nvPr>
+            <p:ph type="subTitle" idx="1"/>
+          </p:nvPr>
+        </p:nvSpPr>
+        <p:spPr>
+          <a:xfrm>
+            <a:off x="571472" y="1142984"/>
+            <a:ext cx="7816624" cy="4714908"/>
+          </a:xfrm>
+        </p:spPr>
+        <p:txBody>
+          <a:bodyPr>
+            <a:normAutofit fontScale="92500" lnSpcReduction="20000"/>
+          </a:bodyPr>
+          <a:lstStyle/>
+          <a:p>
+            <a:pPr algn="l"/>
+            <a:r>
+              <a:rPr lang="en-US" sz="1600" dirty="0" smtClean="0"/>
+              <a:t>Looping Array Elements</a:t>
+            </a:r>
+          </a:p>
+          <a:p>
+            <a:pPr algn="l"/>
+            <a:r>
+              <a:rPr lang="en-US" sz="1600" dirty="0" smtClean="0"/>
+              <a:t>The safest way to loop through an array, is using a for loop:</a:t>
+            </a:r>
+          </a:p>
+          <a:p>
+            <a:pPr algn="l"/>
+            <a:r>
+              <a:rPr lang="en-US" sz="1600" dirty="0" smtClean="0"/>
+              <a:t>Example</a:t>
+            </a:r>
+          </a:p>
+          <a:p>
+            <a:pPr algn="l"/>
+            <a:r>
+              <a:rPr lang="en-US" sz="1600" dirty="0" smtClean="0"/>
+              <a:t>const fruits = ["Banana", "Orange", "Apple", "Mango"];</a:t>
+            </a:r>
+            <a:br>
+              <a:rPr lang="en-US" sz="1600" dirty="0" smtClean="0"/>
+            </a:br>
+            <a:r>
+              <a:rPr lang="en-US" sz="1600" dirty="0" smtClean="0"/>
+              <a:t>let </a:t>
+            </a:r>
+            <a:r>
+              <a:rPr lang="en-US" sz="1600" dirty="0" err="1" smtClean="0"/>
+              <a:t>fLen</a:t>
+            </a:r>
+            <a:r>
+              <a:rPr lang="en-US" sz="1600" dirty="0" smtClean="0"/>
+              <a:t> = </a:t>
+            </a:r>
+            <a:r>
+              <a:rPr lang="en-US" sz="1600" dirty="0" err="1" smtClean="0"/>
+              <a:t>fruits.length</a:t>
+            </a:r>
+            <a:r>
+              <a:rPr lang="en-US" sz="1600" dirty="0" smtClean="0"/>
+              <a:t>;</a:t>
+            </a:r>
+            <a:br>
+              <a:rPr lang="en-US" sz="1600" dirty="0" smtClean="0"/>
+            </a:br>
+            <a:r>
+              <a:rPr lang="en-US" sz="1600" dirty="0" smtClean="0"/>
+              <a:t/>
+            </a:r>
+            <a:br>
+              <a:rPr lang="en-US" sz="1600" dirty="0" smtClean="0"/>
+            </a:br>
+            <a:r>
+              <a:rPr lang="en-US" sz="1600" dirty="0" smtClean="0"/>
+              <a:t>text = "&lt;</a:t>
+            </a:r>
+            <a:r>
+              <a:rPr lang="en-US" sz="1600" dirty="0" err="1" smtClean="0"/>
+              <a:t>ul</a:t>
+            </a:r>
+            <a:r>
+              <a:rPr lang="en-US" sz="1600" dirty="0" smtClean="0"/>
+              <a:t>&gt;";</a:t>
+            </a:r>
+            <a:br>
+              <a:rPr lang="en-US" sz="1600" dirty="0" smtClean="0"/>
+            </a:br>
+            <a:r>
+              <a:rPr lang="en-US" sz="1600" dirty="0" smtClean="0"/>
+              <a:t>for (let </a:t>
+            </a:r>
+            <a:r>
+              <a:rPr lang="en-US" sz="1600" dirty="0" err="1" smtClean="0"/>
+              <a:t>i</a:t>
+            </a:r>
+            <a:r>
+              <a:rPr lang="en-US" sz="1600" dirty="0" smtClean="0"/>
+              <a:t> = 0; </a:t>
+            </a:r>
+            <a:r>
+              <a:rPr lang="en-US" sz="1600" dirty="0" err="1" smtClean="0"/>
+              <a:t>i</a:t>
+            </a:r>
+            <a:r>
+              <a:rPr lang="en-US" sz="1600" dirty="0" smtClean="0"/>
+              <a:t> &lt; </a:t>
+            </a:r>
+            <a:r>
+              <a:rPr lang="en-US" sz="1600" dirty="0" err="1" smtClean="0"/>
+              <a:t>fLen</a:t>
+            </a:r>
+            <a:r>
+              <a:rPr lang="en-US" sz="1600" dirty="0" smtClean="0"/>
+              <a:t>; </a:t>
+            </a:r>
+            <a:r>
+              <a:rPr lang="en-US" sz="1600" dirty="0" err="1" smtClean="0"/>
+              <a:t>i</a:t>
+            </a:r>
+            <a:r>
+              <a:rPr lang="en-US" sz="1600" dirty="0" smtClean="0"/>
+              <a:t>++) {</a:t>
+            </a:r>
+            <a:br>
+              <a:rPr lang="en-US" sz="1600" dirty="0" smtClean="0"/>
+            </a:br>
+            <a:r>
+              <a:rPr lang="en-US" sz="1600" dirty="0" smtClean="0"/>
+              <a:t>  text += "&lt;</a:t>
+            </a:r>
+            <a:r>
+              <a:rPr lang="en-US" sz="1600" dirty="0" err="1" smtClean="0"/>
+              <a:t>li</a:t>
+            </a:r>
+            <a:r>
+              <a:rPr lang="en-US" sz="1600" dirty="0" smtClean="0"/>
+              <a:t>&gt;" + fruits[</a:t>
+            </a:r>
+            <a:r>
+              <a:rPr lang="en-US" sz="1600" dirty="0" err="1" smtClean="0"/>
+              <a:t>i</a:t>
+            </a:r>
+            <a:r>
+              <a:rPr lang="en-US" sz="1600" dirty="0" smtClean="0"/>
+              <a:t>] + "&lt;/</a:t>
+            </a:r>
+            <a:r>
+              <a:rPr lang="en-US" sz="1600" dirty="0" err="1" smtClean="0"/>
+              <a:t>li</a:t>
+            </a:r>
+            <a:r>
+              <a:rPr lang="en-US" sz="1600" dirty="0" smtClean="0"/>
+              <a:t>&gt;";</a:t>
+            </a:r>
+            <a:br>
+              <a:rPr lang="en-US" sz="1600" dirty="0" smtClean="0"/>
+            </a:br>
+            <a:r>
+              <a:rPr lang="en-US" sz="1600" dirty="0" smtClean="0"/>
+              <a:t>}</a:t>
+            </a:r>
+            <a:br>
+              <a:rPr lang="en-US" sz="1600" dirty="0" smtClean="0"/>
+            </a:br>
+            <a:r>
+              <a:rPr lang="en-US" sz="1600" dirty="0" smtClean="0"/>
+              <a:t>text += "&lt;/</a:t>
+            </a:r>
+            <a:r>
+              <a:rPr lang="en-US" sz="1600" dirty="0" err="1" smtClean="0"/>
+              <a:t>ul</a:t>
+            </a:r>
+            <a:r>
+              <a:rPr lang="en-US" sz="1600" dirty="0" smtClean="0"/>
+              <a:t>&gt;";</a:t>
+            </a:r>
+          </a:p>
+          <a:p>
+            <a:pPr algn="l"/>
+            <a:r>
+              <a:rPr lang="en-US" sz="1600" dirty="0" smtClean="0"/>
+              <a:t>You can also use the </a:t>
+            </a:r>
+            <a:r>
+              <a:rPr lang="en-US" sz="1600" dirty="0" err="1" smtClean="0"/>
+              <a:t>Array.forEach</a:t>
+            </a:r>
+            <a:r>
+              <a:rPr lang="en-US" sz="1600" dirty="0" smtClean="0"/>
+              <a:t>() function:</a:t>
+            </a:r>
+          </a:p>
+          <a:p>
+            <a:pPr algn="l"/>
+            <a:r>
+              <a:rPr lang="en-US" sz="1600" dirty="0" smtClean="0"/>
+              <a:t>Example</a:t>
+            </a:r>
+          </a:p>
+          <a:p>
+            <a:pPr algn="l"/>
+            <a:r>
+              <a:rPr lang="en-US" sz="1600" dirty="0" smtClean="0"/>
+              <a:t>const fruits = ["Banana", "Orange", "Apple", "Mango"];</a:t>
+            </a:r>
+            <a:br>
+              <a:rPr lang="en-US" sz="1600" dirty="0" smtClean="0"/>
+            </a:br>
+            <a:r>
+              <a:rPr lang="en-US" sz="1600" dirty="0" smtClean="0"/>
+              <a:t/>
+            </a:r>
+            <a:br>
+              <a:rPr lang="en-US" sz="1600" dirty="0" smtClean="0"/>
+            </a:br>
+            <a:r>
+              <a:rPr lang="en-US" sz="1600" dirty="0" smtClean="0"/>
+              <a:t>let text = "&lt;</a:t>
+            </a:r>
+            <a:r>
+              <a:rPr lang="en-US" sz="1600" dirty="0" err="1" smtClean="0"/>
+              <a:t>ul</a:t>
+            </a:r>
+            <a:r>
+              <a:rPr lang="en-US" sz="1600" dirty="0" smtClean="0"/>
+              <a:t>&gt;";</a:t>
+            </a:r>
+            <a:br>
+              <a:rPr lang="en-US" sz="1600" dirty="0" smtClean="0"/>
+            </a:br>
+            <a:r>
+              <a:rPr lang="en-US" sz="1600" dirty="0" err="1" smtClean="0"/>
+              <a:t>fruits.forEach</a:t>
+            </a:r>
+            <a:r>
+              <a:rPr lang="en-US" sz="1600" dirty="0" smtClean="0"/>
+              <a:t>(</a:t>
+            </a:r>
+            <a:r>
+              <a:rPr lang="en-US" sz="1600" dirty="0" err="1" smtClean="0"/>
+              <a:t>myFunction</a:t>
+            </a:r>
+            <a:r>
+              <a:rPr lang="en-US" sz="1600" dirty="0" smtClean="0"/>
+              <a:t>);</a:t>
+            </a:r>
+            <a:br>
+              <a:rPr lang="en-US" sz="1600" dirty="0" smtClean="0"/>
+            </a:br>
+            <a:r>
+              <a:rPr lang="en-US" sz="1600" dirty="0" smtClean="0"/>
+              <a:t>text += "&lt;/</a:t>
+            </a:r>
+            <a:r>
+              <a:rPr lang="en-US" sz="1600" dirty="0" err="1" smtClean="0"/>
+              <a:t>ul</a:t>
+            </a:r>
+            <a:r>
+              <a:rPr lang="en-US" sz="1600" dirty="0" smtClean="0"/>
+              <a:t>&gt;";</a:t>
+            </a:r>
+            <a:br>
+              <a:rPr lang="en-US" sz="1600" dirty="0" smtClean="0"/>
+            </a:br>
+            <a:r>
+              <a:rPr lang="en-US" sz="1600" dirty="0" smtClean="0"/>
+              <a:t/>
+            </a:r>
+            <a:br>
+              <a:rPr lang="en-US" sz="1600" dirty="0" smtClean="0"/>
+            </a:br>
+            <a:r>
+              <a:rPr lang="en-US" sz="1600" dirty="0" smtClean="0"/>
+              <a:t>function </a:t>
+            </a:r>
+            <a:r>
+              <a:rPr lang="en-US" sz="1600" dirty="0" err="1" smtClean="0"/>
+              <a:t>myFunction</a:t>
+            </a:r>
+            <a:r>
+              <a:rPr lang="en-US" sz="1600" dirty="0" smtClean="0"/>
+              <a:t>(value) {</a:t>
+            </a:r>
+            <a:br>
+              <a:rPr lang="en-US" sz="1600" dirty="0" smtClean="0"/>
+            </a:br>
+            <a:r>
+              <a:rPr lang="en-US" sz="1600" dirty="0" smtClean="0"/>
+              <a:t>  text += "&lt;</a:t>
+            </a:r>
+            <a:r>
+              <a:rPr lang="en-US" sz="1600" dirty="0" err="1" smtClean="0"/>
+              <a:t>li</a:t>
+            </a:r>
+            <a:r>
+              <a:rPr lang="en-US" sz="1600" dirty="0" smtClean="0"/>
+              <a:t>&gt;" + value + "&lt;/</a:t>
+            </a:r>
+            <a:r>
+              <a:rPr lang="en-US" sz="1600" dirty="0" err="1" smtClean="0"/>
+              <a:t>li</a:t>
+            </a:r>
+            <a:r>
+              <a:rPr lang="en-US" sz="1600" dirty="0" smtClean="0"/>
+              <a:t>&gt;";</a:t>
+            </a:r>
+            <a:br>
+              <a:rPr lang="en-US" sz="1600" dirty="0" smtClean="0"/>
+            </a:br>
+            <a:r>
+              <a:rPr lang="en-US" sz="1600" dirty="0" smtClean="0"/>
+              <a:t>}</a:t>
+            </a:r>
+          </a:p>
+          <a:p>
+            <a:pPr algn="l"/>
+            <a:endParaRPr lang="en-US" sz="1600" dirty="0"/>
+          </a:p>
+        </p:txBody>
+      </p:sp>
+      <p:sp>
+        <p:nvSpPr>
+          <p:cNvPr id="4" name="Footer Placeholder 3"/>
+          <p:cNvSpPr>
+            <a:spLocks noGrp="1"/>
+          </p:cNvSpPr>
+          <p:nvPr>
+            <p:ph type="ftr" sz="quarter" idx="11"/>
+          </p:nvPr>
+        </p:nvSpPr>
+        <p:spPr/>
+        <p:txBody>
+          <a:bodyPr/>
+          <a:lstStyle/>
+          <a:p>
+            <a:r>
+              <a:rPr lang="en-US" smtClean="0"/>
+              <a:t>HTML Tutorial(RK)</a:t>
+            </a:r>
+            <a:endParaRPr lang="en-US"/>
+          </a:p>
+        </p:txBody>
+      </p:sp>
+      <p:sp>
+        <p:nvSpPr>
+          <p:cNvPr id="5" name="Slide Number Placeholder 4"/>
+          <p:cNvSpPr>
+            <a:spLocks noGrp="1"/>
+          </p:cNvSpPr>
+          <p:nvPr>
+            <p:ph type="sldNum" sz="quarter" idx="12"/>
+          </p:nvPr>
+        </p:nvSpPr>
+        <p:spPr/>
+        <p:txBody>
+          <a:bodyPr/>
+          <a:lstStyle/>
+          <a:p>
+            <a:fld id="{A764E606-9830-4F28-B8FF-27B179B08DB2}" type="slidenum">
+              <a:rPr lang="en-US" smtClean="0"/>
+              <a:pPr/>
+              <a:t>66</a:t>
+            </a:fld>
+            <a:endParaRPr lang="en-US"/>
+          </a:p>
+        </p:txBody>
+      </p:sp>
+    </p:spTree>
+  </p:cSld>
+  <p:clrMapOvr>
+    <a:masterClrMapping/>
+  </p:clrMapOvr>
+</p:sld>
+</file>
+
+<file path=ppt/slides/slide67.xml><?xml version="1.0" encoding="utf-8"?>
+<p:sld xmlns:a="http://schemas.openxmlformats.org/drawingml/2006/main" xmlns:r="http://schemas.openxmlformats.org/officeDocument/2006/relationships" xmlns:p="http://schemas.openxmlformats.org/presentationml/2006/main">
+  <p:cSld>
+    <p:spTree>
+      <p:nvGrpSpPr>
+        <p:cNvPr id="1" name=""/>
+        <p:cNvGrpSpPr/>
+        <p:nvPr/>
+      </p:nvGrpSpPr>
+      <p:grpSpPr>
+        <a:xfrm>
+          <a:off x="0" y="0"/>
+          <a:ext cx="0" cy="0"/>
+          <a:chOff x="0" y="0"/>
+          <a:chExt cx="0" cy="0"/>
+        </a:xfrm>
+      </p:grpSpPr>
+      <p:sp>
+        <p:nvSpPr>
+          <p:cNvPr id="2" name="Title 1"/>
+          <p:cNvSpPr>
+            <a:spLocks noGrp="1"/>
+          </p:cNvSpPr>
+          <p:nvPr>
+            <p:ph type="ctrTitle"/>
+          </p:nvPr>
+        </p:nvSpPr>
+        <p:spPr>
+          <a:xfrm>
+            <a:off x="500034" y="642918"/>
+            <a:ext cx="7851648" cy="414326"/>
+          </a:xfrm>
+        </p:spPr>
+        <p:txBody>
+          <a:bodyPr>
+            <a:normAutofit fontScale="90000"/>
+          </a:bodyPr>
+          <a:lstStyle/>
+          <a:p>
+            <a:pPr algn="l"/>
+            <a:endParaRPr lang="en-US" sz="3600" dirty="0" smtClean="0"/>
+          </a:p>
+        </p:txBody>
+      </p:sp>
+      <p:sp>
+        <p:nvSpPr>
+          <p:cNvPr id="3" name="Subtitle 2"/>
+          <p:cNvSpPr>
+            <a:spLocks noGrp="1"/>
+          </p:cNvSpPr>
+          <p:nvPr>
+            <p:ph type="subTitle" idx="1"/>
+          </p:nvPr>
+        </p:nvSpPr>
+        <p:spPr>
+          <a:xfrm>
+            <a:off x="571472" y="1142984"/>
+            <a:ext cx="7816624" cy="4714908"/>
+          </a:xfrm>
+        </p:spPr>
+        <p:txBody>
+          <a:bodyPr>
+            <a:noAutofit/>
+          </a:bodyPr>
+          <a:lstStyle/>
+          <a:p>
+            <a:pPr algn="l"/>
+            <a:r>
+              <a:rPr lang="en-US" sz="1400" dirty="0" smtClean="0"/>
+              <a:t>Adding Array Elements</a:t>
+            </a:r>
+          </a:p>
+          <a:p>
+            <a:pPr algn="l"/>
+            <a:r>
+              <a:rPr lang="en-US" sz="1400" dirty="0" smtClean="0"/>
+              <a:t>The easiest way to add a new element to an array is using the push() method:</a:t>
+            </a:r>
+          </a:p>
+          <a:p>
+            <a:pPr algn="l"/>
+            <a:r>
+              <a:rPr lang="en-US" sz="1400" dirty="0" smtClean="0"/>
+              <a:t>Example</a:t>
+            </a:r>
+          </a:p>
+          <a:p>
+            <a:pPr algn="l"/>
+            <a:r>
+              <a:rPr lang="en-US" sz="1400" dirty="0" smtClean="0"/>
+              <a:t>const fruits = ["Banana", "Orange", "Apple"];</a:t>
+            </a:r>
+            <a:br>
+              <a:rPr lang="en-US" sz="1400" dirty="0" smtClean="0"/>
+            </a:br>
+            <a:r>
+              <a:rPr lang="en-US" sz="1400" dirty="0" err="1" smtClean="0"/>
+              <a:t>fruits.push</a:t>
+            </a:r>
+            <a:r>
+              <a:rPr lang="en-US" sz="1400" dirty="0" smtClean="0"/>
+              <a:t>("Lemon");  // Adds a new element (Lemon) to fruits</a:t>
+            </a:r>
+          </a:p>
+          <a:p>
+            <a:pPr algn="l"/>
+            <a:endParaRPr lang="en-US" sz="1400" dirty="0" smtClean="0"/>
+          </a:p>
+          <a:p>
+            <a:pPr algn="l"/>
+            <a:r>
+              <a:rPr lang="en-US" sz="1400" dirty="0" smtClean="0"/>
+              <a:t>Popping</a:t>
+            </a:r>
+          </a:p>
+          <a:p>
+            <a:pPr algn="l"/>
+            <a:r>
+              <a:rPr lang="en-US" sz="1400" dirty="0" smtClean="0"/>
+              <a:t>The pop() method removes the last element from an array:</a:t>
+            </a:r>
+          </a:p>
+          <a:p>
+            <a:pPr algn="l"/>
+            <a:r>
+              <a:rPr lang="en-US" sz="1400" dirty="0" smtClean="0"/>
+              <a:t>Example</a:t>
+            </a:r>
+          </a:p>
+          <a:p>
+            <a:pPr algn="l"/>
+            <a:r>
+              <a:rPr lang="en-US" sz="1400" dirty="0" smtClean="0"/>
+              <a:t>const fruits = ["Banana", "Orange", "Apple", "Mango"];</a:t>
+            </a:r>
+            <a:br>
+              <a:rPr lang="en-US" sz="1400" dirty="0" smtClean="0"/>
+            </a:br>
+            <a:r>
+              <a:rPr lang="en-US" sz="1400" dirty="0" smtClean="0"/>
+              <a:t>fruits.pop();  // Removes "Mango" from </a:t>
+            </a:r>
+            <a:r>
+              <a:rPr lang="en-US" sz="1400" dirty="0" smtClean="0"/>
+              <a:t>fruits</a:t>
+            </a:r>
+          </a:p>
+          <a:p>
+            <a:pPr algn="l"/>
+            <a:endParaRPr lang="en-US" sz="1400" dirty="0" smtClean="0"/>
+          </a:p>
+          <a:p>
+            <a:pPr algn="l"/>
+            <a:r>
+              <a:rPr lang="en-US" sz="1400" dirty="0" smtClean="0"/>
+              <a:t>Shifting Elements</a:t>
+            </a:r>
+          </a:p>
+          <a:p>
+            <a:pPr algn="l"/>
+            <a:r>
+              <a:rPr lang="en-US" sz="1400" dirty="0" smtClean="0"/>
+              <a:t>Shifting is equivalent to popping, working on the first element instead of the last.</a:t>
+            </a:r>
+          </a:p>
+          <a:p>
+            <a:pPr algn="l"/>
+            <a:r>
+              <a:rPr lang="en-US" sz="1400" dirty="0" smtClean="0"/>
+              <a:t>The shift() method removes the first array element and "shifts" all other elements to a lower index.</a:t>
+            </a:r>
+          </a:p>
+          <a:p>
+            <a:pPr algn="l"/>
+            <a:r>
+              <a:rPr lang="en-US" sz="1400" dirty="0" smtClean="0"/>
+              <a:t>Example</a:t>
+            </a:r>
+          </a:p>
+          <a:p>
+            <a:pPr algn="l"/>
+            <a:r>
+              <a:rPr lang="en-US" sz="1400" dirty="0" smtClean="0"/>
+              <a:t>const fruits = ["Banana", "Orange", "Apple", "Mango"];</a:t>
+            </a:r>
+            <a:br>
+              <a:rPr lang="en-US" sz="1400" dirty="0" smtClean="0"/>
+            </a:br>
+            <a:r>
+              <a:rPr lang="en-US" sz="1400" dirty="0" err="1" smtClean="0"/>
+              <a:t>fruits.shift</a:t>
+            </a:r>
+            <a:r>
+              <a:rPr lang="en-US" sz="1400" dirty="0" smtClean="0"/>
+              <a:t>();   // Removes "Banana" from fruits</a:t>
+            </a:r>
+          </a:p>
+          <a:p>
+            <a:pPr algn="l"/>
+            <a:endParaRPr lang="en-US" sz="1400" dirty="0" smtClean="0"/>
+          </a:p>
+          <a:p>
+            <a:pPr algn="l"/>
+            <a:r>
+              <a:rPr lang="en-US" sz="1200" dirty="0" smtClean="0"/>
+              <a:t>Deleting Elements</a:t>
+            </a:r>
+          </a:p>
+          <a:p>
+            <a:pPr algn="l"/>
+            <a:r>
+              <a:rPr lang="en-US" sz="1200" dirty="0" smtClean="0"/>
+              <a:t>Since JavaScript arrays are objects, elements can be deleted by using the JavaScript operator delete:</a:t>
+            </a:r>
+          </a:p>
+          <a:p>
+            <a:pPr algn="l"/>
+            <a:r>
+              <a:rPr lang="en-US" sz="1200" dirty="0" smtClean="0"/>
+              <a:t>Example</a:t>
+            </a:r>
+          </a:p>
+          <a:p>
+            <a:pPr algn="l"/>
+            <a:r>
+              <a:rPr lang="en-US" sz="1200" dirty="0" smtClean="0"/>
+              <a:t>const fruits = ["Banana", "Orange", "Apple", "Mango"];</a:t>
+            </a:r>
+            <a:br>
+              <a:rPr lang="en-US" sz="1200" dirty="0" smtClean="0"/>
+            </a:br>
+            <a:r>
+              <a:rPr lang="en-US" sz="1200" dirty="0" smtClean="0"/>
+              <a:t>delete fruits[0];        </a:t>
+            </a:r>
+          </a:p>
+          <a:p>
+            <a:pPr algn="l"/>
+            <a:r>
+              <a:rPr lang="en-US" sz="1400" dirty="0" smtClean="0"/>
+              <a:t/>
+            </a:r>
+            <a:br>
+              <a:rPr lang="en-US" sz="1400" dirty="0" smtClean="0"/>
+            </a:br>
+            <a:endParaRPr lang="en-US" sz="1400" dirty="0" smtClean="0"/>
+          </a:p>
+          <a:p>
+            <a:pPr algn="l"/>
+            <a:endParaRPr lang="en-US" sz="1400" dirty="0"/>
+          </a:p>
+        </p:txBody>
+      </p:sp>
+      <p:sp>
+        <p:nvSpPr>
+          <p:cNvPr id="4" name="Footer Placeholder 3"/>
+          <p:cNvSpPr>
+            <a:spLocks noGrp="1"/>
+          </p:cNvSpPr>
+          <p:nvPr>
+            <p:ph type="ftr" sz="quarter" idx="11"/>
+          </p:nvPr>
+        </p:nvSpPr>
+        <p:spPr/>
+        <p:txBody>
+          <a:bodyPr/>
+          <a:lstStyle/>
+          <a:p>
+            <a:r>
+              <a:rPr lang="en-US" smtClean="0"/>
+              <a:t>HTML Tutorial(RK)</a:t>
+            </a:r>
+            <a:endParaRPr lang="en-US"/>
+          </a:p>
+        </p:txBody>
+      </p:sp>
+      <p:sp>
+        <p:nvSpPr>
+          <p:cNvPr id="5" name="Slide Number Placeholder 4"/>
+          <p:cNvSpPr>
+            <a:spLocks noGrp="1"/>
+          </p:cNvSpPr>
+          <p:nvPr>
+            <p:ph type="sldNum" sz="quarter" idx="12"/>
+          </p:nvPr>
+        </p:nvSpPr>
+        <p:spPr/>
+        <p:txBody>
+          <a:bodyPr/>
+          <a:lstStyle/>
+          <a:p>
+            <a:fld id="{A764E606-9830-4F28-B8FF-27B179B08DB2}" type="slidenum">
+              <a:rPr lang="en-US" smtClean="0"/>
+              <a:pPr/>
+              <a:t>67</a:t>
+            </a:fld>
+            <a:endParaRPr lang="en-US"/>
+          </a:p>
+        </p:txBody>
+      </p:sp>
+    </p:spTree>
+  </p:cSld>
+  <p:clrMapOvr>
+    <a:masterClrMapping/>
+  </p:clrMapOvr>
+</p:sld>
+</file>
+
+<file path=ppt/slides/slide68.xml><?xml version="1.0" encoding="utf-8"?>
+<p:sld xmlns:a="http://schemas.openxmlformats.org/drawingml/2006/main" xmlns:r="http://schemas.openxmlformats.org/officeDocument/2006/relationships" xmlns:p="http://schemas.openxmlformats.org/presentationml/2006/main">
+  <p:cSld>
+    <p:spTree>
+      <p:nvGrpSpPr>
+        <p:cNvPr id="1" name=""/>
+        <p:cNvGrpSpPr/>
+        <p:nvPr/>
+      </p:nvGrpSpPr>
+      <p:grpSpPr>
+        <a:xfrm>
+          <a:off x="0" y="0"/>
+          <a:ext cx="0" cy="0"/>
+          <a:chOff x="0" y="0"/>
+          <a:chExt cx="0" cy="0"/>
+        </a:xfrm>
+      </p:grpSpPr>
+      <p:sp>
+        <p:nvSpPr>
+          <p:cNvPr id="2" name="Title 1"/>
+          <p:cNvSpPr>
+            <a:spLocks noGrp="1"/>
+          </p:cNvSpPr>
+          <p:nvPr>
+            <p:ph type="ctrTitle"/>
+          </p:nvPr>
+        </p:nvSpPr>
+        <p:spPr>
+          <a:xfrm>
+            <a:off x="500034" y="642918"/>
+            <a:ext cx="7851648" cy="414326"/>
+          </a:xfrm>
+        </p:spPr>
+        <p:txBody>
+          <a:bodyPr>
+            <a:normAutofit fontScale="90000"/>
+          </a:bodyPr>
+          <a:lstStyle/>
+          <a:p>
+            <a:pPr algn="l"/>
+            <a:endParaRPr lang="en-US" sz="3600" dirty="0" smtClean="0"/>
+          </a:p>
+        </p:txBody>
+      </p:sp>
+      <p:sp>
+        <p:nvSpPr>
+          <p:cNvPr id="3" name="Subtitle 2"/>
+          <p:cNvSpPr>
+            <a:spLocks noGrp="1"/>
+          </p:cNvSpPr>
+          <p:nvPr>
+            <p:ph type="subTitle" idx="1"/>
+          </p:nvPr>
+        </p:nvSpPr>
+        <p:spPr>
+          <a:xfrm>
+            <a:off x="571472" y="1142984"/>
+            <a:ext cx="7816624" cy="4714908"/>
+          </a:xfrm>
+        </p:spPr>
+        <p:txBody>
+          <a:bodyPr>
+            <a:normAutofit/>
+          </a:bodyPr>
+          <a:lstStyle/>
+          <a:p>
+            <a:pPr algn="l"/>
+            <a:r>
+              <a:rPr lang="en-US" sz="1600" dirty="0" smtClean="0"/>
+              <a:t>Splicing an Array</a:t>
+            </a:r>
+          </a:p>
+          <a:p>
+            <a:pPr algn="l"/>
+            <a:r>
+              <a:rPr lang="en-US" sz="1600" dirty="0" smtClean="0"/>
+              <a:t>The splice() method can be used to add new items to an array:</a:t>
+            </a:r>
+          </a:p>
+          <a:p>
+            <a:pPr algn="l"/>
+            <a:r>
+              <a:rPr lang="en-US" sz="1600" dirty="0" smtClean="0"/>
+              <a:t>Example</a:t>
+            </a:r>
+          </a:p>
+          <a:p>
+            <a:pPr algn="l"/>
+            <a:r>
+              <a:rPr lang="en-US" sz="1600" dirty="0" smtClean="0"/>
+              <a:t>const fruits = ["Banana", "Orange", "Apple", "Mango"];</a:t>
+            </a:r>
+            <a:br>
+              <a:rPr lang="en-US" sz="1600" dirty="0" smtClean="0"/>
+            </a:br>
+            <a:r>
+              <a:rPr lang="en-US" sz="1600" dirty="0" err="1" smtClean="0"/>
+              <a:t>fruits.splice</a:t>
+            </a:r>
+            <a:r>
+              <a:rPr lang="en-US" sz="1600" dirty="0" smtClean="0"/>
+              <a:t>(2, 0, "Lemon", "Kiwi");</a:t>
+            </a:r>
+          </a:p>
+          <a:p>
+            <a:pPr algn="l"/>
+            <a:endParaRPr lang="en-US" sz="1600" dirty="0" smtClean="0"/>
+          </a:p>
+          <a:p>
+            <a:pPr algn="l"/>
+            <a:r>
+              <a:rPr lang="en-US" sz="1600" dirty="0" smtClean="0"/>
+              <a:t>The first parameter (2) defines the position </a:t>
+            </a:r>
+            <a:r>
+              <a:rPr lang="en-US" sz="1600" b="1" dirty="0" smtClean="0"/>
+              <a:t>where</a:t>
+            </a:r>
+            <a:r>
+              <a:rPr lang="en-US" sz="1600" dirty="0" smtClean="0"/>
+              <a:t> new elements should be </a:t>
+            </a:r>
+            <a:r>
+              <a:rPr lang="en-US" sz="1600" b="1" dirty="0" smtClean="0"/>
+              <a:t>added</a:t>
+            </a:r>
+            <a:r>
+              <a:rPr lang="en-US" sz="1600" dirty="0" smtClean="0"/>
+              <a:t> (spliced in).</a:t>
+            </a:r>
+          </a:p>
+          <a:p>
+            <a:pPr algn="l"/>
+            <a:r>
+              <a:rPr lang="en-US" sz="1600" dirty="0" smtClean="0"/>
+              <a:t>The second parameter (0) defines </a:t>
+            </a:r>
+            <a:r>
+              <a:rPr lang="en-US" sz="1600" b="1" dirty="0" smtClean="0"/>
+              <a:t>how many</a:t>
+            </a:r>
+            <a:r>
+              <a:rPr lang="en-US" sz="1600" dirty="0" smtClean="0"/>
+              <a:t> elements should be </a:t>
+            </a:r>
+            <a:r>
+              <a:rPr lang="en-US" sz="1600" b="1" dirty="0" smtClean="0"/>
+              <a:t>removed</a:t>
+            </a:r>
+            <a:r>
+              <a:rPr lang="en-US" sz="1600" dirty="0" smtClean="0"/>
+              <a:t>.</a:t>
+            </a:r>
+          </a:p>
+          <a:p>
+            <a:pPr algn="l"/>
+            <a:r>
+              <a:rPr lang="en-US" sz="1600" dirty="0" smtClean="0"/>
+              <a:t>The rest of the parameters ("Lemon" , "Kiwi") define the new elements to be </a:t>
+            </a:r>
+            <a:r>
+              <a:rPr lang="en-US" sz="1600" b="1" dirty="0" smtClean="0"/>
+              <a:t>added</a:t>
+            </a:r>
+            <a:r>
+              <a:rPr lang="en-US" sz="1600" dirty="0" smtClean="0"/>
+              <a:t>.</a:t>
+            </a:r>
+          </a:p>
+          <a:p>
+            <a:pPr algn="l"/>
+            <a:r>
+              <a:rPr lang="en-US" sz="1600" dirty="0" smtClean="0"/>
+              <a:t>The splice() method returns an array with the deleted items:</a:t>
+            </a:r>
+          </a:p>
+          <a:p>
+            <a:pPr algn="l"/>
+            <a:endParaRPr lang="en-US" sz="1600" dirty="0"/>
+          </a:p>
+        </p:txBody>
+      </p:sp>
+      <p:sp>
+        <p:nvSpPr>
+          <p:cNvPr id="4" name="Footer Placeholder 3"/>
+          <p:cNvSpPr>
+            <a:spLocks noGrp="1"/>
+          </p:cNvSpPr>
+          <p:nvPr>
+            <p:ph type="ftr" sz="quarter" idx="11"/>
+          </p:nvPr>
+        </p:nvSpPr>
+        <p:spPr/>
+        <p:txBody>
+          <a:bodyPr/>
+          <a:lstStyle/>
+          <a:p>
+            <a:r>
+              <a:rPr lang="en-US" smtClean="0"/>
+              <a:t>HTML Tutorial(RK)</a:t>
+            </a:r>
+            <a:endParaRPr lang="en-US"/>
+          </a:p>
+        </p:txBody>
+      </p:sp>
+      <p:sp>
+        <p:nvSpPr>
+          <p:cNvPr id="5" name="Slide Number Placeholder 4"/>
+          <p:cNvSpPr>
+            <a:spLocks noGrp="1"/>
+          </p:cNvSpPr>
+          <p:nvPr>
+            <p:ph type="sldNum" sz="quarter" idx="12"/>
+          </p:nvPr>
+        </p:nvSpPr>
+        <p:spPr/>
+        <p:txBody>
+          <a:bodyPr/>
+          <a:lstStyle/>
+          <a:p>
+            <a:fld id="{A764E606-9830-4F28-B8FF-27B179B08DB2}" type="slidenum">
+              <a:rPr lang="en-US" smtClean="0"/>
+              <a:pPr/>
+              <a:t>68</a:t>
+            </a:fld>
+            <a:endParaRPr lang="en-US"/>
+          </a:p>
+        </p:txBody>
+      </p:sp>
+    </p:spTree>
+  </p:cSld>
+  <p:clrMapOvr>
+    <a:masterClrMapping/>
+  </p:clrMapOvr>
+</p:sld>
+</file>
+
+<file path=ppt/slides/slide69.xml><?xml version="1.0" encoding="utf-8"?>
+<p:sld xmlns:a="http://schemas.openxmlformats.org/drawingml/2006/main" xmlns:r="http://schemas.openxmlformats.org/officeDocument/2006/relationships" xmlns:p="http://schemas.openxmlformats.org/presentationml/2006/main">
+  <p:cSld>
+    <p:spTree>
+      <p:nvGrpSpPr>
+        <p:cNvPr id="1" name=""/>
+        <p:cNvGrpSpPr/>
+        <p:nvPr/>
+      </p:nvGrpSpPr>
+      <p:grpSpPr>
+        <a:xfrm>
+          <a:off x="0" y="0"/>
+          <a:ext cx="0" cy="0"/>
+          <a:chOff x="0" y="0"/>
+          <a:chExt cx="0" cy="0"/>
+        </a:xfrm>
+      </p:grpSpPr>
+      <p:sp>
+        <p:nvSpPr>
+          <p:cNvPr id="2" name="Title 1"/>
+          <p:cNvSpPr>
+            <a:spLocks noGrp="1"/>
+          </p:cNvSpPr>
+          <p:nvPr>
+            <p:ph type="ctrTitle"/>
+          </p:nvPr>
+        </p:nvSpPr>
+        <p:spPr>
+          <a:xfrm>
+            <a:off x="500034" y="642918"/>
+            <a:ext cx="7851648" cy="414326"/>
+          </a:xfrm>
+        </p:spPr>
+        <p:txBody>
+          <a:bodyPr>
+            <a:normAutofit fontScale="90000"/>
+          </a:bodyPr>
+          <a:lstStyle/>
+          <a:p>
+            <a:pPr algn="l"/>
+            <a:endParaRPr lang="en-US" sz="3600" dirty="0" smtClean="0"/>
+          </a:p>
+        </p:txBody>
+      </p:sp>
+      <p:sp>
+        <p:nvSpPr>
+          <p:cNvPr id="3" name="Subtitle 2"/>
+          <p:cNvSpPr>
+            <a:spLocks noGrp="1"/>
+          </p:cNvSpPr>
+          <p:nvPr>
+            <p:ph type="subTitle" idx="1"/>
+          </p:nvPr>
+        </p:nvSpPr>
+        <p:spPr>
+          <a:xfrm>
+            <a:off x="571472" y="1142984"/>
+            <a:ext cx="7816624" cy="4714908"/>
+          </a:xfrm>
+        </p:spPr>
+        <p:txBody>
+          <a:bodyPr>
+            <a:noAutofit/>
+          </a:bodyPr>
+          <a:lstStyle/>
+          <a:p>
+            <a:pPr algn="l"/>
+            <a:r>
+              <a:rPr lang="en-US" sz="2000" dirty="0" smtClean="0"/>
+              <a:t>Using splice() to Remove Elements</a:t>
+            </a:r>
+          </a:p>
+          <a:p>
+            <a:pPr algn="l"/>
+            <a:r>
+              <a:rPr lang="en-US" sz="2000" dirty="0" smtClean="0"/>
+              <a:t>With clever parameter setting, you can use splice() to remove elements without leaving "holes" in the array:</a:t>
+            </a:r>
+          </a:p>
+          <a:p>
+            <a:pPr algn="l"/>
+            <a:r>
+              <a:rPr lang="en-US" sz="2000" dirty="0" smtClean="0"/>
+              <a:t>Example</a:t>
+            </a:r>
+          </a:p>
+          <a:p>
+            <a:pPr algn="l"/>
+            <a:r>
+              <a:rPr lang="en-US" sz="2000" dirty="0" smtClean="0"/>
+              <a:t>const fruits = ["Banana", "Orange", "Apple", "Mango"];</a:t>
+            </a:r>
+            <a:br>
+              <a:rPr lang="en-US" sz="2000" dirty="0" smtClean="0"/>
+            </a:br>
+            <a:r>
+              <a:rPr lang="en-US" sz="2000" dirty="0" err="1" smtClean="0"/>
+              <a:t>fruits.splice</a:t>
+            </a:r>
+            <a:r>
+              <a:rPr lang="en-US" sz="2000" dirty="0" smtClean="0"/>
+              <a:t>(0, 1);   // Removes the first element</a:t>
+            </a:r>
+          </a:p>
+          <a:p>
+            <a:pPr algn="l"/>
+            <a:r>
+              <a:rPr lang="en-US" sz="2000" dirty="0" smtClean="0">
+                <a:hlinkClick r:id="rId2"/>
+              </a:rPr>
+              <a:t>Try it Yourself »</a:t>
+            </a:r>
+            <a:endParaRPr lang="en-US" sz="2000" dirty="0" smtClean="0"/>
+          </a:p>
+          <a:p>
+            <a:pPr algn="l"/>
+            <a:r>
+              <a:rPr lang="en-US" sz="2000" dirty="0" smtClean="0"/>
+              <a:t>The first parameter (0) defines the position where new elements should be </a:t>
+            </a:r>
+            <a:r>
+              <a:rPr lang="en-US" sz="2000" b="1" dirty="0" smtClean="0"/>
+              <a:t>added</a:t>
+            </a:r>
+            <a:r>
+              <a:rPr lang="en-US" sz="2000" dirty="0" smtClean="0"/>
+              <a:t> (spliced in).</a:t>
+            </a:r>
+          </a:p>
+          <a:p>
+            <a:pPr algn="l"/>
+            <a:r>
+              <a:rPr lang="en-US" sz="2000" dirty="0" smtClean="0"/>
+              <a:t>The second parameter (1) defines </a:t>
+            </a:r>
+            <a:r>
+              <a:rPr lang="en-US" sz="2000" b="1" dirty="0" smtClean="0"/>
+              <a:t>how many</a:t>
+            </a:r>
+            <a:r>
+              <a:rPr lang="en-US" sz="2000" dirty="0" smtClean="0"/>
+              <a:t> elements should be </a:t>
+            </a:r>
+            <a:r>
+              <a:rPr lang="en-US" sz="2000" b="1" dirty="0" smtClean="0"/>
+              <a:t>removed</a:t>
+            </a:r>
+            <a:r>
+              <a:rPr lang="en-US" sz="2000" dirty="0" smtClean="0"/>
+              <a:t>.</a:t>
+            </a:r>
+          </a:p>
+          <a:p>
+            <a:pPr algn="l"/>
+            <a:r>
+              <a:rPr lang="en-US" sz="2000" dirty="0" smtClean="0"/>
+              <a:t>The rest of the parameters are omitted. No new elements will be added.</a:t>
+            </a:r>
+          </a:p>
+          <a:p>
+            <a:pPr algn="l"/>
+            <a:r>
+              <a:rPr lang="en-US" sz="2000" dirty="0" smtClean="0"/>
+              <a:t>Merging (Concatenating) Arrays</a:t>
+            </a:r>
+          </a:p>
+          <a:p>
+            <a:pPr algn="l"/>
+            <a:r>
+              <a:rPr lang="en-US" sz="2000" dirty="0" smtClean="0"/>
+              <a:t>The </a:t>
+            </a:r>
+            <a:r>
+              <a:rPr lang="en-US" sz="2000" dirty="0" err="1" smtClean="0"/>
+              <a:t>concat</a:t>
+            </a:r>
+            <a:r>
+              <a:rPr lang="en-US" sz="2000" dirty="0" smtClean="0"/>
+              <a:t>() method creates a new array by merging (concatenating) existing arrays:</a:t>
+            </a:r>
+          </a:p>
+          <a:p>
+            <a:pPr algn="l"/>
+            <a:r>
+              <a:rPr lang="en-US" sz="2000" dirty="0" smtClean="0"/>
+              <a:t>Example (Merging Two Arrays)</a:t>
+            </a:r>
+          </a:p>
+          <a:p>
+            <a:pPr algn="l"/>
+            <a:r>
+              <a:rPr lang="en-US" sz="2000" dirty="0" smtClean="0"/>
+              <a:t>const </a:t>
+            </a:r>
+            <a:r>
+              <a:rPr lang="en-US" sz="2000" dirty="0" err="1" smtClean="0"/>
+              <a:t>myGirls</a:t>
+            </a:r>
+            <a:r>
+              <a:rPr lang="en-US" sz="2000" dirty="0" smtClean="0"/>
+              <a:t> = ["</a:t>
+            </a:r>
+            <a:r>
+              <a:rPr lang="en-US" sz="2000" dirty="0" err="1" smtClean="0"/>
+              <a:t>Cecilie</a:t>
+            </a:r>
+            <a:r>
+              <a:rPr lang="en-US" sz="2000" dirty="0" smtClean="0"/>
+              <a:t>", "Lone"];</a:t>
+            </a:r>
+            <a:br>
+              <a:rPr lang="en-US" sz="2000" dirty="0" smtClean="0"/>
+            </a:br>
+            <a:r>
+              <a:rPr lang="en-US" sz="2000" dirty="0" smtClean="0"/>
+              <a:t>const </a:t>
+            </a:r>
+            <a:r>
+              <a:rPr lang="en-US" sz="2000" dirty="0" err="1" smtClean="0"/>
+              <a:t>myBoys</a:t>
+            </a:r>
+            <a:r>
+              <a:rPr lang="en-US" sz="2000" dirty="0" smtClean="0"/>
+              <a:t> = ["Emil", "Tobias", "</a:t>
+            </a:r>
+            <a:r>
+              <a:rPr lang="en-US" sz="2000" dirty="0" err="1" smtClean="0"/>
+              <a:t>Linus</a:t>
+            </a:r>
+            <a:r>
+              <a:rPr lang="en-US" sz="2000" dirty="0" smtClean="0"/>
+              <a:t>"];</a:t>
+            </a:r>
+            <a:br>
+              <a:rPr lang="en-US" sz="2000" dirty="0" smtClean="0"/>
+            </a:br>
+            <a:r>
+              <a:rPr lang="en-US" sz="2000" dirty="0" smtClean="0"/>
+              <a:t/>
+            </a:r>
+            <a:br>
+              <a:rPr lang="en-US" sz="2000" dirty="0" smtClean="0"/>
+            </a:br>
+            <a:r>
+              <a:rPr lang="en-US" sz="2000" dirty="0" smtClean="0"/>
+              <a:t>// Concatenate (join) </a:t>
+            </a:r>
+            <a:r>
+              <a:rPr lang="en-US" sz="2000" dirty="0" err="1" smtClean="0"/>
+              <a:t>myGirls</a:t>
+            </a:r>
+            <a:r>
+              <a:rPr lang="en-US" sz="2000" dirty="0" smtClean="0"/>
+              <a:t> and </a:t>
+            </a:r>
+            <a:r>
+              <a:rPr lang="en-US" sz="2000" dirty="0" err="1" smtClean="0"/>
+              <a:t>myBoys</a:t>
+            </a:r>
+            <a:r>
+              <a:rPr lang="en-US" sz="2000" dirty="0" smtClean="0"/>
+              <a:t/>
+            </a:r>
+            <a:br>
+              <a:rPr lang="en-US" sz="2000" dirty="0" smtClean="0"/>
+            </a:br>
+            <a:r>
+              <a:rPr lang="en-US" sz="2000" dirty="0" smtClean="0"/>
+              <a:t>const </a:t>
+            </a:r>
+            <a:r>
+              <a:rPr lang="en-US" sz="2000" dirty="0" err="1" smtClean="0"/>
+              <a:t>myChildren</a:t>
+            </a:r>
+            <a:r>
+              <a:rPr lang="en-US" sz="2000" dirty="0" smtClean="0"/>
+              <a:t> = </a:t>
+            </a:r>
+            <a:r>
+              <a:rPr lang="en-US" sz="2000" dirty="0" err="1" smtClean="0"/>
+              <a:t>myGirls.concat</a:t>
+            </a:r>
+            <a:r>
+              <a:rPr lang="en-US" sz="2000" dirty="0" smtClean="0"/>
+              <a:t>(</a:t>
+            </a:r>
+            <a:r>
+              <a:rPr lang="en-US" sz="2000" dirty="0" err="1" smtClean="0"/>
+              <a:t>myBoys</a:t>
+            </a:r>
+            <a:r>
+              <a:rPr lang="en-US" sz="2000" dirty="0" smtClean="0"/>
+              <a:t>);  </a:t>
+            </a:r>
+          </a:p>
+          <a:p>
+            <a:pPr algn="l"/>
+            <a:r>
+              <a:rPr lang="en-US" sz="2000" dirty="0" smtClean="0">
+                <a:hlinkClick r:id="rId3"/>
+              </a:rPr>
+              <a:t>Try it Yourself »</a:t>
+            </a:r>
+            <a:endParaRPr lang="en-US" sz="2000" dirty="0" smtClean="0"/>
+          </a:p>
+          <a:p>
+            <a:pPr algn="l"/>
+            <a:r>
+              <a:rPr lang="en-US" sz="2000" dirty="0" smtClean="0"/>
+              <a:t>The </a:t>
+            </a:r>
+            <a:r>
+              <a:rPr lang="en-US" sz="2000" dirty="0" err="1" smtClean="0"/>
+              <a:t>concat</a:t>
+            </a:r>
+            <a:r>
+              <a:rPr lang="en-US" sz="2000" dirty="0" smtClean="0"/>
+              <a:t>() method does not change the existing arrays. It always returns a new array.</a:t>
+            </a:r>
+          </a:p>
+          <a:p>
+            <a:pPr algn="l"/>
+            <a:r>
+              <a:rPr lang="en-US" sz="2000" dirty="0" smtClean="0"/>
+              <a:t>The </a:t>
+            </a:r>
+            <a:r>
+              <a:rPr lang="en-US" sz="2000" dirty="0" err="1" smtClean="0"/>
+              <a:t>concat</a:t>
+            </a:r>
+            <a:r>
+              <a:rPr lang="en-US" sz="2000" dirty="0" smtClean="0"/>
+              <a:t>() method can take any number of array arguments:</a:t>
+            </a:r>
+          </a:p>
+          <a:p>
+            <a:pPr algn="l"/>
+            <a:r>
+              <a:rPr lang="en-US" sz="2000" dirty="0" smtClean="0"/>
+              <a:t>Example (Merging Three Arrays)</a:t>
+            </a:r>
+          </a:p>
+          <a:p>
+            <a:pPr algn="l"/>
+            <a:r>
+              <a:rPr lang="en-US" sz="2000" dirty="0" smtClean="0"/>
+              <a:t>const arr1 = ["</a:t>
+            </a:r>
+            <a:r>
+              <a:rPr lang="en-US" sz="2000" dirty="0" err="1" smtClean="0"/>
+              <a:t>Cecilie</a:t>
+            </a:r>
+            <a:r>
+              <a:rPr lang="en-US" sz="2000" dirty="0" smtClean="0"/>
+              <a:t>", "Lone"];</a:t>
+            </a:r>
+            <a:br>
+              <a:rPr lang="en-US" sz="2000" dirty="0" smtClean="0"/>
+            </a:br>
+            <a:r>
+              <a:rPr lang="en-US" sz="2000" dirty="0" smtClean="0"/>
+              <a:t>const arr2 = ["Emil", "Tobias", "</a:t>
+            </a:r>
+            <a:r>
+              <a:rPr lang="en-US" sz="2000" dirty="0" err="1" smtClean="0"/>
+              <a:t>Linus</a:t>
+            </a:r>
+            <a:r>
+              <a:rPr lang="en-US" sz="2000" dirty="0" smtClean="0"/>
+              <a:t>"];</a:t>
+            </a:r>
+            <a:br>
+              <a:rPr lang="en-US" sz="2000" dirty="0" smtClean="0"/>
+            </a:br>
+            <a:r>
+              <a:rPr lang="en-US" sz="2000" dirty="0" smtClean="0"/>
+              <a:t>const arr3 = ["Robin", "Morgan"];</a:t>
+            </a:r>
+            <a:br>
+              <a:rPr lang="en-US" sz="2000" dirty="0" smtClean="0"/>
+            </a:br>
+            <a:r>
+              <a:rPr lang="en-US" sz="2000" dirty="0" smtClean="0"/>
+              <a:t>const </a:t>
+            </a:r>
+            <a:r>
+              <a:rPr lang="en-US" sz="2000" dirty="0" err="1" smtClean="0"/>
+              <a:t>myChildren</a:t>
+            </a:r>
+            <a:r>
+              <a:rPr lang="en-US" sz="2000" dirty="0" smtClean="0"/>
+              <a:t> = arr1.concat(arr2, arr3);</a:t>
+            </a:r>
+          </a:p>
+          <a:p>
+            <a:pPr algn="l"/>
+            <a:r>
+              <a:rPr lang="en-US" sz="2000" dirty="0" smtClean="0">
+                <a:hlinkClick r:id="rId4"/>
+              </a:rPr>
+              <a:t>Try it Yourself »</a:t>
+            </a:r>
+            <a:endParaRPr lang="en-US" sz="2000" dirty="0" smtClean="0"/>
+          </a:p>
+          <a:p>
+            <a:pPr algn="l"/>
+            <a:r>
+              <a:rPr lang="en-US" sz="2000" dirty="0" smtClean="0"/>
+              <a:t>The </a:t>
+            </a:r>
+            <a:r>
+              <a:rPr lang="en-US" sz="2000" dirty="0" err="1" smtClean="0"/>
+              <a:t>concat</a:t>
+            </a:r>
+            <a:r>
+              <a:rPr lang="en-US" sz="2000" dirty="0" smtClean="0"/>
+              <a:t>() method can also take strings as arguments:</a:t>
+            </a:r>
+          </a:p>
+          <a:p>
+            <a:pPr algn="l"/>
+            <a:r>
+              <a:rPr lang="en-US" sz="2000" dirty="0" smtClean="0"/>
+              <a:t>Example (Merging an Array with Values)</a:t>
+            </a:r>
+          </a:p>
+          <a:p>
+            <a:pPr algn="l"/>
+            <a:r>
+              <a:rPr lang="en-US" sz="2000" dirty="0" smtClean="0"/>
+              <a:t>const arr1 = ["Emil", "Tobias", "</a:t>
+            </a:r>
+            <a:r>
+              <a:rPr lang="en-US" sz="2000" dirty="0" err="1" smtClean="0"/>
+              <a:t>Linus</a:t>
+            </a:r>
+            <a:r>
+              <a:rPr lang="en-US" sz="2000" dirty="0" smtClean="0"/>
+              <a:t>"];</a:t>
+            </a:r>
+            <a:br>
+              <a:rPr lang="en-US" sz="2000" dirty="0" smtClean="0"/>
+            </a:br>
+            <a:r>
+              <a:rPr lang="en-US" sz="2000" dirty="0" smtClean="0"/>
+              <a:t>const </a:t>
+            </a:r>
+            <a:r>
+              <a:rPr lang="en-US" sz="2000" dirty="0" err="1" smtClean="0"/>
+              <a:t>myChildren</a:t>
+            </a:r>
+            <a:r>
+              <a:rPr lang="en-US" sz="2000" dirty="0" smtClean="0"/>
+              <a:t> = arr1.concat("Peter"); </a:t>
+            </a:r>
+          </a:p>
+          <a:p>
+            <a:pPr algn="l"/>
+            <a:r>
+              <a:rPr lang="en-US" sz="2000" dirty="0" smtClean="0">
+                <a:hlinkClick r:id="rId5"/>
+              </a:rPr>
+              <a:t>Try it Yourself »</a:t>
+            </a:r>
+            <a:endParaRPr lang="en-US" sz="2000" dirty="0" smtClean="0"/>
+          </a:p>
+          <a:p>
+            <a:pPr algn="l"/>
+            <a:r>
+              <a:rPr lang="en-US" sz="2000" dirty="0" smtClean="0"/>
+              <a:t>Slicing an Array</a:t>
+            </a:r>
+          </a:p>
+          <a:p>
+            <a:pPr algn="l"/>
+            <a:r>
+              <a:rPr lang="en-US" sz="2000" dirty="0" smtClean="0"/>
+              <a:t>The slice() method slices out a piece of an array into a new array.</a:t>
+            </a:r>
+          </a:p>
+          <a:p>
+            <a:pPr algn="l"/>
+            <a:r>
+              <a:rPr lang="en-US" sz="2000" dirty="0" smtClean="0"/>
+              <a:t>This example slices out a part of an array starting from array element 1 ("Orange"):</a:t>
+            </a:r>
+          </a:p>
+          <a:p>
+            <a:pPr algn="l"/>
+            <a:r>
+              <a:rPr lang="en-US" sz="2000" dirty="0" smtClean="0"/>
+              <a:t>Example</a:t>
+            </a:r>
+          </a:p>
+          <a:p>
+            <a:pPr algn="l"/>
+            <a:r>
+              <a:rPr lang="en-US" sz="2000" dirty="0" smtClean="0"/>
+              <a:t>const fruits = ["Banana", "Orange", "Lemon", "Apple", "Mango"];</a:t>
+            </a:r>
+            <a:br>
+              <a:rPr lang="en-US" sz="2000" dirty="0" smtClean="0"/>
+            </a:br>
+            <a:r>
+              <a:rPr lang="en-US" sz="2000" dirty="0" smtClean="0"/>
+              <a:t>const citrus = </a:t>
+            </a:r>
+            <a:r>
+              <a:rPr lang="en-US" sz="2000" dirty="0" err="1" smtClean="0"/>
+              <a:t>fruits.slice</a:t>
+            </a:r>
+            <a:r>
+              <a:rPr lang="en-US" sz="2000" dirty="0" smtClean="0"/>
+              <a:t>(1);</a:t>
+            </a:r>
+          </a:p>
+          <a:p>
+            <a:pPr algn="l"/>
+            <a:r>
+              <a:rPr lang="en-US" sz="2000" dirty="0" smtClean="0">
+                <a:hlinkClick r:id="rId6"/>
+              </a:rPr>
+              <a:t>Try it Yourself »</a:t>
+            </a:r>
+            <a:endParaRPr lang="en-US" sz="2000" dirty="0" smtClean="0"/>
+          </a:p>
+          <a:p>
+            <a:pPr algn="l"/>
+            <a:r>
+              <a:rPr lang="en-US" sz="2000" dirty="0" smtClean="0"/>
+              <a:t>The slice() method creates a new array. It does not remove any elements from the source array.</a:t>
+            </a:r>
+          </a:p>
+          <a:p>
+            <a:pPr algn="l"/>
+            <a:r>
+              <a:rPr lang="en-US" sz="2000" dirty="0" smtClean="0"/>
+              <a:t>This example slices out a part of an array starting from array element 3 ("Apple"):</a:t>
+            </a:r>
+          </a:p>
+          <a:p>
+            <a:pPr algn="l"/>
+            <a:r>
+              <a:rPr lang="en-US" sz="2000" dirty="0" smtClean="0"/>
+              <a:t>Example</a:t>
+            </a:r>
+          </a:p>
+          <a:p>
+            <a:pPr algn="l"/>
+            <a:r>
+              <a:rPr lang="en-US" sz="2000" dirty="0" smtClean="0"/>
+              <a:t>const fruits = ["Banana", "Orange", "Lemon", "Apple", "Mango"];</a:t>
+            </a:r>
+            <a:br>
+              <a:rPr lang="en-US" sz="2000" dirty="0" smtClean="0"/>
+            </a:br>
+            <a:r>
+              <a:rPr lang="en-US" sz="2000" dirty="0" smtClean="0"/>
+              <a:t>const citrus = </a:t>
+            </a:r>
+            <a:r>
+              <a:rPr lang="en-US" sz="2000" dirty="0" err="1" smtClean="0"/>
+              <a:t>fruits.slice</a:t>
+            </a:r>
+            <a:r>
+              <a:rPr lang="en-US" sz="2000" dirty="0" smtClean="0"/>
+              <a:t>(3);</a:t>
+            </a:r>
+          </a:p>
+          <a:p>
+            <a:pPr algn="l"/>
+            <a:r>
+              <a:rPr lang="en-US" sz="2000" dirty="0" smtClean="0">
+                <a:hlinkClick r:id="rId7"/>
+              </a:rPr>
+              <a:t>Try it Yourself »</a:t>
+            </a:r>
+            <a:endParaRPr lang="en-US" sz="2000" dirty="0" smtClean="0"/>
+          </a:p>
+          <a:p>
+            <a:pPr algn="l"/>
+            <a:r>
+              <a:rPr lang="en-US" sz="2000" dirty="0" smtClean="0"/>
+              <a:t>The slice() method can take two arguments like slice(1, 3).</a:t>
+            </a:r>
+          </a:p>
+          <a:p>
+            <a:pPr algn="l"/>
+            <a:r>
+              <a:rPr lang="en-US" sz="2000" dirty="0" smtClean="0"/>
+              <a:t>The method then selects elements from the start argument, and up to (but not including) the end argument.</a:t>
+            </a:r>
+          </a:p>
+          <a:p>
+            <a:pPr algn="l"/>
+            <a:r>
+              <a:rPr lang="en-US" sz="2000" dirty="0" smtClean="0"/>
+              <a:t>Example</a:t>
+            </a:r>
+          </a:p>
+          <a:p>
+            <a:pPr algn="l"/>
+            <a:r>
+              <a:rPr lang="en-US" sz="2000" dirty="0" smtClean="0"/>
+              <a:t>const fruits = ["Banana", "Orange", "Lemon", "Apple", "Mango"];</a:t>
+            </a:r>
+            <a:br>
+              <a:rPr lang="en-US" sz="2000" dirty="0" smtClean="0"/>
+            </a:br>
+            <a:r>
+              <a:rPr lang="en-US" sz="2000" dirty="0" smtClean="0"/>
+              <a:t>const citrus = </a:t>
+            </a:r>
+            <a:r>
+              <a:rPr lang="en-US" sz="2000" dirty="0" err="1" smtClean="0"/>
+              <a:t>fruits.slice</a:t>
+            </a:r>
+            <a:r>
+              <a:rPr lang="en-US" sz="2000" dirty="0" smtClean="0"/>
+              <a:t>(1, 3);</a:t>
+            </a:r>
+          </a:p>
+          <a:p>
+            <a:pPr algn="l"/>
+            <a:r>
+              <a:rPr lang="en-US" sz="2000" dirty="0" smtClean="0">
+                <a:hlinkClick r:id="rId8"/>
+              </a:rPr>
+              <a:t>Try it Yourself »</a:t>
+            </a:r>
+            <a:endParaRPr lang="en-US" sz="2000" dirty="0" smtClean="0"/>
+          </a:p>
+          <a:p>
+            <a:pPr algn="l"/>
+            <a:r>
+              <a:rPr lang="en-US" sz="2000" dirty="0" smtClean="0"/>
+              <a:t>If the end argument is omitted, like in the first examples, the slice() method slices out the rest of the array.</a:t>
+            </a:r>
+          </a:p>
+          <a:p>
+            <a:pPr algn="l"/>
+            <a:r>
+              <a:rPr lang="en-US" sz="2000" dirty="0" smtClean="0"/>
+              <a:t>Example</a:t>
+            </a:r>
+          </a:p>
+          <a:p>
+            <a:pPr algn="l"/>
+            <a:r>
+              <a:rPr lang="en-US" sz="2000" dirty="0" smtClean="0"/>
+              <a:t>const fruits = ["Banana", "Orange", "Lemon", "Apple", "Mango"];</a:t>
+            </a:r>
+            <a:br>
+              <a:rPr lang="en-US" sz="2000" dirty="0" smtClean="0"/>
+            </a:br>
+            <a:r>
+              <a:rPr lang="en-US" sz="2000" dirty="0" smtClean="0"/>
+              <a:t>const citrus = </a:t>
+            </a:r>
+            <a:r>
+              <a:rPr lang="en-US" sz="2000" dirty="0" err="1" smtClean="0"/>
+              <a:t>fruits.slice</a:t>
+            </a:r>
+            <a:r>
+              <a:rPr lang="en-US" sz="2000" dirty="0" smtClean="0"/>
+              <a:t>(2);</a:t>
+            </a:r>
+          </a:p>
+          <a:p>
+            <a:pPr algn="l"/>
+            <a:r>
+              <a:rPr lang="en-US" sz="2000" dirty="0" smtClean="0">
+                <a:hlinkClick r:id="rId9"/>
+              </a:rPr>
+              <a:t>Try it Yourself »</a:t>
+            </a:r>
+            <a:endParaRPr lang="en-US" sz="2000" dirty="0" smtClean="0"/>
+          </a:p>
+          <a:p>
+            <a:pPr algn="l"/>
+            <a:r>
+              <a:rPr lang="en-US" sz="2000" dirty="0" smtClean="0"/>
+              <a:t>Automatic </a:t>
+            </a:r>
+            <a:r>
+              <a:rPr lang="en-US" sz="2000" dirty="0" err="1" smtClean="0"/>
+              <a:t>toString</a:t>
+            </a:r>
+            <a:r>
+              <a:rPr lang="en-US" sz="2000" dirty="0" smtClean="0"/>
+              <a:t>()</a:t>
+            </a:r>
+          </a:p>
+          <a:p>
+            <a:pPr algn="l"/>
+            <a:r>
+              <a:rPr lang="en-US" sz="2000" dirty="0" smtClean="0"/>
+              <a:t>JavaScript automatically converts an array to a comma separated string when a primitive value is expected.</a:t>
+            </a:r>
+          </a:p>
+          <a:p>
+            <a:pPr algn="l"/>
+            <a:r>
+              <a:rPr lang="en-US" sz="2000" dirty="0" smtClean="0"/>
+              <a:t>This is always the case when you try to output an array.</a:t>
+            </a:r>
+          </a:p>
+          <a:p>
+            <a:pPr algn="l"/>
+            <a:r>
+              <a:rPr lang="en-US" sz="2000" dirty="0" smtClean="0"/>
+              <a:t>These two examples will produce the same result:</a:t>
+            </a:r>
+          </a:p>
+          <a:p>
+            <a:pPr algn="l"/>
+            <a:r>
+              <a:rPr lang="en-US" sz="2000" dirty="0" smtClean="0"/>
+              <a:t>Example</a:t>
+            </a:r>
+          </a:p>
+          <a:p>
+            <a:pPr algn="l"/>
+            <a:r>
+              <a:rPr lang="en-US" sz="2000" dirty="0" smtClean="0"/>
+              <a:t>const fruits = ["Banana", "Orange", "Apple", "Mango"];</a:t>
+            </a:r>
+            <a:br>
+              <a:rPr lang="en-US" sz="2000" dirty="0" smtClean="0"/>
+            </a:br>
+            <a:r>
+              <a:rPr lang="en-US" sz="2000" dirty="0" err="1" smtClean="0"/>
+              <a:t>document.getElementById</a:t>
+            </a:r>
+            <a:r>
+              <a:rPr lang="en-US" sz="2000" dirty="0" smtClean="0"/>
+              <a:t>("demo").</a:t>
+            </a:r>
+            <a:r>
+              <a:rPr lang="en-US" sz="2000" dirty="0" err="1" smtClean="0"/>
+              <a:t>innerHTML</a:t>
+            </a:r>
+            <a:r>
+              <a:rPr lang="en-US" sz="2000" dirty="0" smtClean="0"/>
+              <a:t> = </a:t>
+            </a:r>
+            <a:r>
+              <a:rPr lang="en-US" sz="2000" dirty="0" err="1" smtClean="0"/>
+              <a:t>fruits.toString</a:t>
+            </a:r>
+            <a:r>
+              <a:rPr lang="en-US" sz="2000" dirty="0" smtClean="0"/>
+              <a:t>();</a:t>
+            </a:r>
+          </a:p>
+          <a:p>
+            <a:pPr algn="l"/>
+            <a:r>
+              <a:rPr lang="en-US" sz="2000" dirty="0" smtClean="0">
+                <a:hlinkClick r:id="rId10"/>
+              </a:rPr>
+              <a:t>Try it Yourself »</a:t>
+            </a:r>
+            <a:endParaRPr lang="en-US" sz="2000" dirty="0" smtClean="0"/>
+          </a:p>
+          <a:p>
+            <a:pPr algn="l"/>
+            <a:r>
+              <a:rPr lang="en-US" sz="2000" dirty="0" smtClean="0"/>
+              <a:t>Example</a:t>
+            </a:r>
+          </a:p>
+          <a:p>
+            <a:pPr algn="l"/>
+            <a:r>
+              <a:rPr lang="en-US" sz="2000" dirty="0" smtClean="0"/>
+              <a:t>const fruits = ["Banana", "Orange", "Apple", "Mango"];</a:t>
+            </a:r>
+            <a:br>
+              <a:rPr lang="en-US" sz="2000" dirty="0" smtClean="0"/>
+            </a:br>
+            <a:r>
+              <a:rPr lang="en-US" sz="2000" dirty="0" err="1" smtClean="0"/>
+              <a:t>document.getElementById</a:t>
+            </a:r>
+            <a:r>
+              <a:rPr lang="en-US" sz="2000" dirty="0" smtClean="0"/>
+              <a:t>("demo").</a:t>
+            </a:r>
+            <a:r>
+              <a:rPr lang="en-US" sz="2000" dirty="0" err="1" smtClean="0"/>
+              <a:t>innerHTML</a:t>
+            </a:r>
+            <a:r>
+              <a:rPr lang="en-US" sz="2000" dirty="0" smtClean="0"/>
+              <a:t> = fruits;</a:t>
+            </a:r>
+          </a:p>
+          <a:p>
+            <a:pPr algn="l"/>
+            <a:r>
+              <a:rPr lang="en-US" sz="2000" dirty="0" smtClean="0">
+                <a:hlinkClick r:id="rId11"/>
+              </a:rPr>
+              <a:t>Try it Yourself »</a:t>
+            </a:r>
+            <a:endParaRPr lang="en-US" sz="2000" dirty="0" smtClean="0"/>
+          </a:p>
+          <a:p>
+            <a:pPr algn="l"/>
+            <a:r>
+              <a:rPr lang="en-US" sz="2000" dirty="0" smtClean="0"/>
+              <a:t>All JavaScript objects have a </a:t>
+            </a:r>
+            <a:r>
+              <a:rPr lang="en-US" sz="2000" dirty="0" err="1" smtClean="0"/>
+              <a:t>toString</a:t>
+            </a:r>
+            <a:r>
+              <a:rPr lang="en-US" sz="2000" dirty="0" smtClean="0"/>
+              <a:t>() method.</a:t>
+            </a:r>
+          </a:p>
+          <a:p>
+            <a:pPr algn="l"/>
+            <a:r>
+              <a:rPr lang="en-US" sz="2000" dirty="0" smtClean="0"/>
+              <a:t>Finding Max and Min Values in an Array</a:t>
+            </a:r>
+          </a:p>
+          <a:p>
+            <a:pPr algn="l"/>
+            <a:r>
+              <a:rPr lang="en-US" sz="2000" dirty="0" smtClean="0"/>
+              <a:t>There are no built-in functions for finding the highest or lowest value in a JavaScript array.</a:t>
+            </a:r>
+          </a:p>
+          <a:p>
+            <a:pPr algn="l"/>
+            <a:r>
+              <a:rPr lang="en-US" sz="2000" dirty="0" smtClean="0"/>
+              <a:t>You will learn how you solve this problem in the next chapter of this tutorial.</a:t>
+            </a:r>
+          </a:p>
+          <a:p>
+            <a:pPr algn="l"/>
+            <a:endParaRPr lang="en-US" sz="2000" dirty="0"/>
+          </a:p>
+        </p:txBody>
+      </p:sp>
+      <p:sp>
+        <p:nvSpPr>
+          <p:cNvPr id="4" name="Footer Placeholder 3"/>
+          <p:cNvSpPr>
+            <a:spLocks noGrp="1"/>
+          </p:cNvSpPr>
+          <p:nvPr>
+            <p:ph type="ftr" sz="quarter" idx="11"/>
+          </p:nvPr>
+        </p:nvSpPr>
+        <p:spPr/>
+        <p:txBody>
+          <a:bodyPr/>
+          <a:lstStyle/>
+          <a:p>
+            <a:r>
+              <a:rPr lang="en-US" smtClean="0"/>
+              <a:t>HTML Tutorial(RK)</a:t>
+            </a:r>
+            <a:endParaRPr lang="en-US"/>
+          </a:p>
+        </p:txBody>
+      </p:sp>
+      <p:sp>
+        <p:nvSpPr>
+          <p:cNvPr id="5" name="Slide Number Placeholder 4"/>
+          <p:cNvSpPr>
+            <a:spLocks noGrp="1"/>
+          </p:cNvSpPr>
+          <p:nvPr>
+            <p:ph type="sldNum" sz="quarter" idx="12"/>
+          </p:nvPr>
+        </p:nvSpPr>
+        <p:spPr/>
+        <p:txBody>
+          <a:bodyPr/>
+          <a:lstStyle/>
+          <a:p>
+            <a:fld id="{A764E606-9830-4F28-B8FF-27B179B08DB2}" type="slidenum">
+              <a:rPr lang="en-US" smtClean="0"/>
+              <a:pPr/>
+              <a:t>69</a:t>
             </a:fld>
             <a:endParaRPr lang="en-US"/>
           </a:p>
@@ -21027,6 +24006,1266 @@
 </p:sld>
 </file>
 
+<file path=ppt/slides/slide70.xml><?xml version="1.0" encoding="utf-8"?>
+<p:sld xmlns:a="http://schemas.openxmlformats.org/drawingml/2006/main" xmlns:r="http://schemas.openxmlformats.org/officeDocument/2006/relationships" xmlns:p="http://schemas.openxmlformats.org/presentationml/2006/main">
+  <p:cSld>
+    <p:spTree>
+      <p:nvGrpSpPr>
+        <p:cNvPr id="1" name=""/>
+        <p:cNvGrpSpPr/>
+        <p:nvPr/>
+      </p:nvGrpSpPr>
+      <p:grpSpPr>
+        <a:xfrm>
+          <a:off x="0" y="0"/>
+          <a:ext cx="0" cy="0"/>
+          <a:chOff x="0" y="0"/>
+          <a:chExt cx="0" cy="0"/>
+        </a:xfrm>
+      </p:grpSpPr>
+      <p:sp>
+        <p:nvSpPr>
+          <p:cNvPr id="2" name="Title 1"/>
+          <p:cNvSpPr>
+            <a:spLocks noGrp="1"/>
+          </p:cNvSpPr>
+          <p:nvPr>
+            <p:ph type="ctrTitle"/>
+          </p:nvPr>
+        </p:nvSpPr>
+        <p:spPr>
+          <a:xfrm>
+            <a:off x="500034" y="642918"/>
+            <a:ext cx="7851648" cy="414326"/>
+          </a:xfrm>
+        </p:spPr>
+        <p:txBody>
+          <a:bodyPr>
+            <a:normAutofit fontScale="90000"/>
+          </a:bodyPr>
+          <a:lstStyle/>
+          <a:p>
+            <a:pPr algn="l"/>
+            <a:endParaRPr lang="en-US" sz="3600" dirty="0" smtClean="0"/>
+          </a:p>
+        </p:txBody>
+      </p:sp>
+      <p:sp>
+        <p:nvSpPr>
+          <p:cNvPr id="3" name="Subtitle 2"/>
+          <p:cNvSpPr>
+            <a:spLocks noGrp="1"/>
+          </p:cNvSpPr>
+          <p:nvPr>
+            <p:ph type="subTitle" idx="1"/>
+          </p:nvPr>
+        </p:nvSpPr>
+        <p:spPr>
+          <a:xfrm>
+            <a:off x="571472" y="1142984"/>
+            <a:ext cx="7816624" cy="4714908"/>
+          </a:xfrm>
+        </p:spPr>
+        <p:txBody>
+          <a:bodyPr>
+            <a:normAutofit/>
+          </a:bodyPr>
+          <a:lstStyle/>
+          <a:p>
+            <a:pPr algn="l"/>
+            <a:endParaRPr lang="en-US" sz="1600" dirty="0"/>
+          </a:p>
+        </p:txBody>
+      </p:sp>
+      <p:sp>
+        <p:nvSpPr>
+          <p:cNvPr id="4" name="Footer Placeholder 3"/>
+          <p:cNvSpPr>
+            <a:spLocks noGrp="1"/>
+          </p:cNvSpPr>
+          <p:nvPr>
+            <p:ph type="ftr" sz="quarter" idx="11"/>
+          </p:nvPr>
+        </p:nvSpPr>
+        <p:spPr/>
+        <p:txBody>
+          <a:bodyPr/>
+          <a:lstStyle/>
+          <a:p>
+            <a:r>
+              <a:rPr lang="en-US" smtClean="0"/>
+              <a:t>HTML Tutorial(RK)</a:t>
+            </a:r>
+            <a:endParaRPr lang="en-US"/>
+          </a:p>
+        </p:txBody>
+      </p:sp>
+      <p:sp>
+        <p:nvSpPr>
+          <p:cNvPr id="5" name="Slide Number Placeholder 4"/>
+          <p:cNvSpPr>
+            <a:spLocks noGrp="1"/>
+          </p:cNvSpPr>
+          <p:nvPr>
+            <p:ph type="sldNum" sz="quarter" idx="12"/>
+          </p:nvPr>
+        </p:nvSpPr>
+        <p:spPr/>
+        <p:txBody>
+          <a:bodyPr/>
+          <a:lstStyle/>
+          <a:p>
+            <a:fld id="{A764E606-9830-4F28-B8FF-27B179B08DB2}" type="slidenum">
+              <a:rPr lang="en-US" smtClean="0"/>
+              <a:pPr/>
+              <a:t>70</a:t>
+            </a:fld>
+            <a:endParaRPr lang="en-US"/>
+          </a:p>
+        </p:txBody>
+      </p:sp>
+    </p:spTree>
+  </p:cSld>
+  <p:clrMapOvr>
+    <a:masterClrMapping/>
+  </p:clrMapOvr>
+</p:sld>
+</file>
+
+<file path=ppt/slides/slide71.xml><?xml version="1.0" encoding="utf-8"?>
+<p:sld xmlns:a="http://schemas.openxmlformats.org/drawingml/2006/main" xmlns:r="http://schemas.openxmlformats.org/officeDocument/2006/relationships" xmlns:p="http://schemas.openxmlformats.org/presentationml/2006/main">
+  <p:cSld>
+    <p:spTree>
+      <p:nvGrpSpPr>
+        <p:cNvPr id="1" name=""/>
+        <p:cNvGrpSpPr/>
+        <p:nvPr/>
+      </p:nvGrpSpPr>
+      <p:grpSpPr>
+        <a:xfrm>
+          <a:off x="0" y="0"/>
+          <a:ext cx="0" cy="0"/>
+          <a:chOff x="0" y="0"/>
+          <a:chExt cx="0" cy="0"/>
+        </a:xfrm>
+      </p:grpSpPr>
+      <p:sp>
+        <p:nvSpPr>
+          <p:cNvPr id="2" name="Title 1"/>
+          <p:cNvSpPr>
+            <a:spLocks noGrp="1"/>
+          </p:cNvSpPr>
+          <p:nvPr>
+            <p:ph type="ctrTitle"/>
+          </p:nvPr>
+        </p:nvSpPr>
+        <p:spPr>
+          <a:xfrm>
+            <a:off x="500034" y="642918"/>
+            <a:ext cx="7851648" cy="414326"/>
+          </a:xfrm>
+        </p:spPr>
+        <p:txBody>
+          <a:bodyPr>
+            <a:normAutofit fontScale="90000"/>
+          </a:bodyPr>
+          <a:lstStyle/>
+          <a:p>
+            <a:pPr algn="l"/>
+            <a:endParaRPr lang="en-US" sz="3600" dirty="0" smtClean="0"/>
+          </a:p>
+        </p:txBody>
+      </p:sp>
+      <p:sp>
+        <p:nvSpPr>
+          <p:cNvPr id="3" name="Subtitle 2"/>
+          <p:cNvSpPr>
+            <a:spLocks noGrp="1"/>
+          </p:cNvSpPr>
+          <p:nvPr>
+            <p:ph type="subTitle" idx="1"/>
+          </p:nvPr>
+        </p:nvSpPr>
+        <p:spPr>
+          <a:xfrm>
+            <a:off x="571472" y="1142984"/>
+            <a:ext cx="7816624" cy="4714908"/>
+          </a:xfrm>
+        </p:spPr>
+        <p:txBody>
+          <a:bodyPr>
+            <a:normAutofit/>
+          </a:bodyPr>
+          <a:lstStyle/>
+          <a:p>
+            <a:pPr algn="l"/>
+            <a:endParaRPr lang="en-US" sz="1600" dirty="0"/>
+          </a:p>
+        </p:txBody>
+      </p:sp>
+      <p:sp>
+        <p:nvSpPr>
+          <p:cNvPr id="4" name="Footer Placeholder 3"/>
+          <p:cNvSpPr>
+            <a:spLocks noGrp="1"/>
+          </p:cNvSpPr>
+          <p:nvPr>
+            <p:ph type="ftr" sz="quarter" idx="11"/>
+          </p:nvPr>
+        </p:nvSpPr>
+        <p:spPr/>
+        <p:txBody>
+          <a:bodyPr/>
+          <a:lstStyle/>
+          <a:p>
+            <a:r>
+              <a:rPr lang="en-US" smtClean="0"/>
+              <a:t>HTML Tutorial(RK)</a:t>
+            </a:r>
+            <a:endParaRPr lang="en-US"/>
+          </a:p>
+        </p:txBody>
+      </p:sp>
+      <p:sp>
+        <p:nvSpPr>
+          <p:cNvPr id="5" name="Slide Number Placeholder 4"/>
+          <p:cNvSpPr>
+            <a:spLocks noGrp="1"/>
+          </p:cNvSpPr>
+          <p:nvPr>
+            <p:ph type="sldNum" sz="quarter" idx="12"/>
+          </p:nvPr>
+        </p:nvSpPr>
+        <p:spPr/>
+        <p:txBody>
+          <a:bodyPr/>
+          <a:lstStyle/>
+          <a:p>
+            <a:fld id="{A764E606-9830-4F28-B8FF-27B179B08DB2}" type="slidenum">
+              <a:rPr lang="en-US" smtClean="0"/>
+              <a:pPr/>
+              <a:t>71</a:t>
+            </a:fld>
+            <a:endParaRPr lang="en-US"/>
+          </a:p>
+        </p:txBody>
+      </p:sp>
+    </p:spTree>
+  </p:cSld>
+  <p:clrMapOvr>
+    <a:masterClrMapping/>
+  </p:clrMapOvr>
+</p:sld>
+</file>
+
+<file path=ppt/slides/slide72.xml><?xml version="1.0" encoding="utf-8"?>
+<p:sld xmlns:a="http://schemas.openxmlformats.org/drawingml/2006/main" xmlns:r="http://schemas.openxmlformats.org/officeDocument/2006/relationships" xmlns:p="http://schemas.openxmlformats.org/presentationml/2006/main">
+  <p:cSld>
+    <p:spTree>
+      <p:nvGrpSpPr>
+        <p:cNvPr id="1" name=""/>
+        <p:cNvGrpSpPr/>
+        <p:nvPr/>
+      </p:nvGrpSpPr>
+      <p:grpSpPr>
+        <a:xfrm>
+          <a:off x="0" y="0"/>
+          <a:ext cx="0" cy="0"/>
+          <a:chOff x="0" y="0"/>
+          <a:chExt cx="0" cy="0"/>
+        </a:xfrm>
+      </p:grpSpPr>
+      <p:sp>
+        <p:nvSpPr>
+          <p:cNvPr id="2" name="Title 1"/>
+          <p:cNvSpPr>
+            <a:spLocks noGrp="1"/>
+          </p:cNvSpPr>
+          <p:nvPr>
+            <p:ph type="ctrTitle"/>
+          </p:nvPr>
+        </p:nvSpPr>
+        <p:spPr>
+          <a:xfrm>
+            <a:off x="500034" y="642918"/>
+            <a:ext cx="7851648" cy="414326"/>
+          </a:xfrm>
+        </p:spPr>
+        <p:txBody>
+          <a:bodyPr>
+            <a:normAutofit fontScale="90000"/>
+          </a:bodyPr>
+          <a:lstStyle/>
+          <a:p>
+            <a:pPr algn="l"/>
+            <a:endParaRPr lang="en-US" sz="3600" dirty="0" smtClean="0"/>
+          </a:p>
+        </p:txBody>
+      </p:sp>
+      <p:sp>
+        <p:nvSpPr>
+          <p:cNvPr id="3" name="Subtitle 2"/>
+          <p:cNvSpPr>
+            <a:spLocks noGrp="1"/>
+          </p:cNvSpPr>
+          <p:nvPr>
+            <p:ph type="subTitle" idx="1"/>
+          </p:nvPr>
+        </p:nvSpPr>
+        <p:spPr>
+          <a:xfrm>
+            <a:off x="571472" y="1142984"/>
+            <a:ext cx="7816624" cy="4714908"/>
+          </a:xfrm>
+        </p:spPr>
+        <p:txBody>
+          <a:bodyPr>
+            <a:normAutofit/>
+          </a:bodyPr>
+          <a:lstStyle/>
+          <a:p>
+            <a:pPr algn="l"/>
+            <a:endParaRPr lang="en-US" sz="1600" dirty="0"/>
+          </a:p>
+        </p:txBody>
+      </p:sp>
+      <p:sp>
+        <p:nvSpPr>
+          <p:cNvPr id="4" name="Footer Placeholder 3"/>
+          <p:cNvSpPr>
+            <a:spLocks noGrp="1"/>
+          </p:cNvSpPr>
+          <p:nvPr>
+            <p:ph type="ftr" sz="quarter" idx="11"/>
+          </p:nvPr>
+        </p:nvSpPr>
+        <p:spPr/>
+        <p:txBody>
+          <a:bodyPr/>
+          <a:lstStyle/>
+          <a:p>
+            <a:r>
+              <a:rPr lang="en-US" smtClean="0"/>
+              <a:t>HTML Tutorial(RK)</a:t>
+            </a:r>
+            <a:endParaRPr lang="en-US"/>
+          </a:p>
+        </p:txBody>
+      </p:sp>
+      <p:sp>
+        <p:nvSpPr>
+          <p:cNvPr id="5" name="Slide Number Placeholder 4"/>
+          <p:cNvSpPr>
+            <a:spLocks noGrp="1"/>
+          </p:cNvSpPr>
+          <p:nvPr>
+            <p:ph type="sldNum" sz="quarter" idx="12"/>
+          </p:nvPr>
+        </p:nvSpPr>
+        <p:spPr/>
+        <p:txBody>
+          <a:bodyPr/>
+          <a:lstStyle/>
+          <a:p>
+            <a:fld id="{A764E606-9830-4F28-B8FF-27B179B08DB2}" type="slidenum">
+              <a:rPr lang="en-US" smtClean="0"/>
+              <a:pPr/>
+              <a:t>72</a:t>
+            </a:fld>
+            <a:endParaRPr lang="en-US"/>
+          </a:p>
+        </p:txBody>
+      </p:sp>
+    </p:spTree>
+  </p:cSld>
+  <p:clrMapOvr>
+    <a:masterClrMapping/>
+  </p:clrMapOvr>
+</p:sld>
+</file>
+
+<file path=ppt/slides/slide73.xml><?xml version="1.0" encoding="utf-8"?>
+<p:sld xmlns:a="http://schemas.openxmlformats.org/drawingml/2006/main" xmlns:r="http://schemas.openxmlformats.org/officeDocument/2006/relationships" xmlns:p="http://schemas.openxmlformats.org/presentationml/2006/main">
+  <p:cSld>
+    <p:spTree>
+      <p:nvGrpSpPr>
+        <p:cNvPr id="1" name=""/>
+        <p:cNvGrpSpPr/>
+        <p:nvPr/>
+      </p:nvGrpSpPr>
+      <p:grpSpPr>
+        <a:xfrm>
+          <a:off x="0" y="0"/>
+          <a:ext cx="0" cy="0"/>
+          <a:chOff x="0" y="0"/>
+          <a:chExt cx="0" cy="0"/>
+        </a:xfrm>
+      </p:grpSpPr>
+      <p:sp>
+        <p:nvSpPr>
+          <p:cNvPr id="2" name="Title 1"/>
+          <p:cNvSpPr>
+            <a:spLocks noGrp="1"/>
+          </p:cNvSpPr>
+          <p:nvPr>
+            <p:ph type="ctrTitle"/>
+          </p:nvPr>
+        </p:nvSpPr>
+        <p:spPr>
+          <a:xfrm>
+            <a:off x="500034" y="642918"/>
+            <a:ext cx="7851648" cy="414326"/>
+          </a:xfrm>
+        </p:spPr>
+        <p:txBody>
+          <a:bodyPr>
+            <a:normAutofit fontScale="90000"/>
+          </a:bodyPr>
+          <a:lstStyle/>
+          <a:p>
+            <a:pPr algn="l"/>
+            <a:endParaRPr lang="en-US" sz="3600" dirty="0" smtClean="0"/>
+          </a:p>
+        </p:txBody>
+      </p:sp>
+      <p:sp>
+        <p:nvSpPr>
+          <p:cNvPr id="3" name="Subtitle 2"/>
+          <p:cNvSpPr>
+            <a:spLocks noGrp="1"/>
+          </p:cNvSpPr>
+          <p:nvPr>
+            <p:ph type="subTitle" idx="1"/>
+          </p:nvPr>
+        </p:nvSpPr>
+        <p:spPr>
+          <a:xfrm>
+            <a:off x="571472" y="1142984"/>
+            <a:ext cx="7816624" cy="4714908"/>
+          </a:xfrm>
+        </p:spPr>
+        <p:txBody>
+          <a:bodyPr>
+            <a:normAutofit/>
+          </a:bodyPr>
+          <a:lstStyle/>
+          <a:p>
+            <a:pPr algn="l"/>
+            <a:endParaRPr lang="en-US" sz="1600" dirty="0"/>
+          </a:p>
+        </p:txBody>
+      </p:sp>
+      <p:sp>
+        <p:nvSpPr>
+          <p:cNvPr id="4" name="Footer Placeholder 3"/>
+          <p:cNvSpPr>
+            <a:spLocks noGrp="1"/>
+          </p:cNvSpPr>
+          <p:nvPr>
+            <p:ph type="ftr" sz="quarter" idx="11"/>
+          </p:nvPr>
+        </p:nvSpPr>
+        <p:spPr/>
+        <p:txBody>
+          <a:bodyPr/>
+          <a:lstStyle/>
+          <a:p>
+            <a:r>
+              <a:rPr lang="en-US" smtClean="0"/>
+              <a:t>HTML Tutorial(RK)</a:t>
+            </a:r>
+            <a:endParaRPr lang="en-US"/>
+          </a:p>
+        </p:txBody>
+      </p:sp>
+      <p:sp>
+        <p:nvSpPr>
+          <p:cNvPr id="5" name="Slide Number Placeholder 4"/>
+          <p:cNvSpPr>
+            <a:spLocks noGrp="1"/>
+          </p:cNvSpPr>
+          <p:nvPr>
+            <p:ph type="sldNum" sz="quarter" idx="12"/>
+          </p:nvPr>
+        </p:nvSpPr>
+        <p:spPr/>
+        <p:txBody>
+          <a:bodyPr/>
+          <a:lstStyle/>
+          <a:p>
+            <a:fld id="{A764E606-9830-4F28-B8FF-27B179B08DB2}" type="slidenum">
+              <a:rPr lang="en-US" smtClean="0"/>
+              <a:pPr/>
+              <a:t>73</a:t>
+            </a:fld>
+            <a:endParaRPr lang="en-US"/>
+          </a:p>
+        </p:txBody>
+      </p:sp>
+    </p:spTree>
+  </p:cSld>
+  <p:clrMapOvr>
+    <a:masterClrMapping/>
+  </p:clrMapOvr>
+</p:sld>
+</file>
+
+<file path=ppt/slides/slide74.xml><?xml version="1.0" encoding="utf-8"?>
+<p:sld xmlns:a="http://schemas.openxmlformats.org/drawingml/2006/main" xmlns:r="http://schemas.openxmlformats.org/officeDocument/2006/relationships" xmlns:p="http://schemas.openxmlformats.org/presentationml/2006/main">
+  <p:cSld>
+    <p:spTree>
+      <p:nvGrpSpPr>
+        <p:cNvPr id="1" name=""/>
+        <p:cNvGrpSpPr/>
+        <p:nvPr/>
+      </p:nvGrpSpPr>
+      <p:grpSpPr>
+        <a:xfrm>
+          <a:off x="0" y="0"/>
+          <a:ext cx="0" cy="0"/>
+          <a:chOff x="0" y="0"/>
+          <a:chExt cx="0" cy="0"/>
+        </a:xfrm>
+      </p:grpSpPr>
+      <p:sp>
+        <p:nvSpPr>
+          <p:cNvPr id="2" name="Title 1"/>
+          <p:cNvSpPr>
+            <a:spLocks noGrp="1"/>
+          </p:cNvSpPr>
+          <p:nvPr>
+            <p:ph type="ctrTitle"/>
+          </p:nvPr>
+        </p:nvSpPr>
+        <p:spPr>
+          <a:xfrm>
+            <a:off x="500034" y="642918"/>
+            <a:ext cx="7851648" cy="414326"/>
+          </a:xfrm>
+        </p:spPr>
+        <p:txBody>
+          <a:bodyPr>
+            <a:normAutofit fontScale="90000"/>
+          </a:bodyPr>
+          <a:lstStyle/>
+          <a:p>
+            <a:pPr algn="l"/>
+            <a:endParaRPr lang="en-US" sz="3600" dirty="0" smtClean="0"/>
+          </a:p>
+        </p:txBody>
+      </p:sp>
+      <p:sp>
+        <p:nvSpPr>
+          <p:cNvPr id="3" name="Subtitle 2"/>
+          <p:cNvSpPr>
+            <a:spLocks noGrp="1"/>
+          </p:cNvSpPr>
+          <p:nvPr>
+            <p:ph type="subTitle" idx="1"/>
+          </p:nvPr>
+        </p:nvSpPr>
+        <p:spPr>
+          <a:xfrm>
+            <a:off x="571472" y="1142984"/>
+            <a:ext cx="7816624" cy="4714908"/>
+          </a:xfrm>
+        </p:spPr>
+        <p:txBody>
+          <a:bodyPr>
+            <a:normAutofit/>
+          </a:bodyPr>
+          <a:lstStyle/>
+          <a:p>
+            <a:pPr algn="l"/>
+            <a:endParaRPr lang="en-US" sz="1600" dirty="0"/>
+          </a:p>
+        </p:txBody>
+      </p:sp>
+      <p:sp>
+        <p:nvSpPr>
+          <p:cNvPr id="4" name="Footer Placeholder 3"/>
+          <p:cNvSpPr>
+            <a:spLocks noGrp="1"/>
+          </p:cNvSpPr>
+          <p:nvPr>
+            <p:ph type="ftr" sz="quarter" idx="11"/>
+          </p:nvPr>
+        </p:nvSpPr>
+        <p:spPr/>
+        <p:txBody>
+          <a:bodyPr/>
+          <a:lstStyle/>
+          <a:p>
+            <a:r>
+              <a:rPr lang="en-US" smtClean="0"/>
+              <a:t>HTML Tutorial(RK)</a:t>
+            </a:r>
+            <a:endParaRPr lang="en-US"/>
+          </a:p>
+        </p:txBody>
+      </p:sp>
+      <p:sp>
+        <p:nvSpPr>
+          <p:cNvPr id="5" name="Slide Number Placeholder 4"/>
+          <p:cNvSpPr>
+            <a:spLocks noGrp="1"/>
+          </p:cNvSpPr>
+          <p:nvPr>
+            <p:ph type="sldNum" sz="quarter" idx="12"/>
+          </p:nvPr>
+        </p:nvSpPr>
+        <p:spPr/>
+        <p:txBody>
+          <a:bodyPr/>
+          <a:lstStyle/>
+          <a:p>
+            <a:fld id="{A764E606-9830-4F28-B8FF-27B179B08DB2}" type="slidenum">
+              <a:rPr lang="en-US" smtClean="0"/>
+              <a:pPr/>
+              <a:t>74</a:t>
+            </a:fld>
+            <a:endParaRPr lang="en-US"/>
+          </a:p>
+        </p:txBody>
+      </p:sp>
+    </p:spTree>
+  </p:cSld>
+  <p:clrMapOvr>
+    <a:masterClrMapping/>
+  </p:clrMapOvr>
+</p:sld>
+</file>
+
+<file path=ppt/slides/slide75.xml><?xml version="1.0" encoding="utf-8"?>
+<p:sld xmlns:a="http://schemas.openxmlformats.org/drawingml/2006/main" xmlns:r="http://schemas.openxmlformats.org/officeDocument/2006/relationships" xmlns:p="http://schemas.openxmlformats.org/presentationml/2006/main">
+  <p:cSld>
+    <p:spTree>
+      <p:nvGrpSpPr>
+        <p:cNvPr id="1" name=""/>
+        <p:cNvGrpSpPr/>
+        <p:nvPr/>
+      </p:nvGrpSpPr>
+      <p:grpSpPr>
+        <a:xfrm>
+          <a:off x="0" y="0"/>
+          <a:ext cx="0" cy="0"/>
+          <a:chOff x="0" y="0"/>
+          <a:chExt cx="0" cy="0"/>
+        </a:xfrm>
+      </p:grpSpPr>
+      <p:sp>
+        <p:nvSpPr>
+          <p:cNvPr id="2" name="Title 1"/>
+          <p:cNvSpPr>
+            <a:spLocks noGrp="1"/>
+          </p:cNvSpPr>
+          <p:nvPr>
+            <p:ph type="ctrTitle"/>
+          </p:nvPr>
+        </p:nvSpPr>
+        <p:spPr>
+          <a:xfrm>
+            <a:off x="500034" y="642918"/>
+            <a:ext cx="7851648" cy="414326"/>
+          </a:xfrm>
+        </p:spPr>
+        <p:txBody>
+          <a:bodyPr>
+            <a:normAutofit fontScale="90000"/>
+          </a:bodyPr>
+          <a:lstStyle/>
+          <a:p>
+            <a:pPr algn="l"/>
+            <a:endParaRPr lang="en-US" sz="3600" dirty="0" smtClean="0"/>
+          </a:p>
+        </p:txBody>
+      </p:sp>
+      <p:sp>
+        <p:nvSpPr>
+          <p:cNvPr id="3" name="Subtitle 2"/>
+          <p:cNvSpPr>
+            <a:spLocks noGrp="1"/>
+          </p:cNvSpPr>
+          <p:nvPr>
+            <p:ph type="subTitle" idx="1"/>
+          </p:nvPr>
+        </p:nvSpPr>
+        <p:spPr>
+          <a:xfrm>
+            <a:off x="571472" y="1142984"/>
+            <a:ext cx="7816624" cy="4714908"/>
+          </a:xfrm>
+        </p:spPr>
+        <p:txBody>
+          <a:bodyPr>
+            <a:normAutofit/>
+          </a:bodyPr>
+          <a:lstStyle/>
+          <a:p>
+            <a:pPr algn="l"/>
+            <a:endParaRPr lang="en-US" sz="1600" dirty="0"/>
+          </a:p>
+        </p:txBody>
+      </p:sp>
+      <p:sp>
+        <p:nvSpPr>
+          <p:cNvPr id="4" name="Footer Placeholder 3"/>
+          <p:cNvSpPr>
+            <a:spLocks noGrp="1"/>
+          </p:cNvSpPr>
+          <p:nvPr>
+            <p:ph type="ftr" sz="quarter" idx="11"/>
+          </p:nvPr>
+        </p:nvSpPr>
+        <p:spPr/>
+        <p:txBody>
+          <a:bodyPr/>
+          <a:lstStyle/>
+          <a:p>
+            <a:r>
+              <a:rPr lang="en-US" smtClean="0"/>
+              <a:t>HTML Tutorial(RK)</a:t>
+            </a:r>
+            <a:endParaRPr lang="en-US"/>
+          </a:p>
+        </p:txBody>
+      </p:sp>
+      <p:sp>
+        <p:nvSpPr>
+          <p:cNvPr id="5" name="Slide Number Placeholder 4"/>
+          <p:cNvSpPr>
+            <a:spLocks noGrp="1"/>
+          </p:cNvSpPr>
+          <p:nvPr>
+            <p:ph type="sldNum" sz="quarter" idx="12"/>
+          </p:nvPr>
+        </p:nvSpPr>
+        <p:spPr/>
+        <p:txBody>
+          <a:bodyPr/>
+          <a:lstStyle/>
+          <a:p>
+            <a:fld id="{A764E606-9830-4F28-B8FF-27B179B08DB2}" type="slidenum">
+              <a:rPr lang="en-US" smtClean="0"/>
+              <a:pPr/>
+              <a:t>75</a:t>
+            </a:fld>
+            <a:endParaRPr lang="en-US"/>
+          </a:p>
+        </p:txBody>
+      </p:sp>
+    </p:spTree>
+  </p:cSld>
+  <p:clrMapOvr>
+    <a:masterClrMapping/>
+  </p:clrMapOvr>
+</p:sld>
+</file>
+
+<file path=ppt/slides/slide76.xml><?xml version="1.0" encoding="utf-8"?>
+<p:sld xmlns:a="http://schemas.openxmlformats.org/drawingml/2006/main" xmlns:r="http://schemas.openxmlformats.org/officeDocument/2006/relationships" xmlns:p="http://schemas.openxmlformats.org/presentationml/2006/main">
+  <p:cSld>
+    <p:spTree>
+      <p:nvGrpSpPr>
+        <p:cNvPr id="1" name=""/>
+        <p:cNvGrpSpPr/>
+        <p:nvPr/>
+      </p:nvGrpSpPr>
+      <p:grpSpPr>
+        <a:xfrm>
+          <a:off x="0" y="0"/>
+          <a:ext cx="0" cy="0"/>
+          <a:chOff x="0" y="0"/>
+          <a:chExt cx="0" cy="0"/>
+        </a:xfrm>
+      </p:grpSpPr>
+      <p:sp>
+        <p:nvSpPr>
+          <p:cNvPr id="2" name="Title 1"/>
+          <p:cNvSpPr>
+            <a:spLocks noGrp="1"/>
+          </p:cNvSpPr>
+          <p:nvPr>
+            <p:ph type="ctrTitle"/>
+          </p:nvPr>
+        </p:nvSpPr>
+        <p:spPr>
+          <a:xfrm>
+            <a:off x="500034" y="642918"/>
+            <a:ext cx="7851648" cy="414326"/>
+          </a:xfrm>
+        </p:spPr>
+        <p:txBody>
+          <a:bodyPr>
+            <a:normAutofit fontScale="90000"/>
+          </a:bodyPr>
+          <a:lstStyle/>
+          <a:p>
+            <a:pPr algn="l"/>
+            <a:endParaRPr lang="en-US" sz="3600" dirty="0" smtClean="0"/>
+          </a:p>
+        </p:txBody>
+      </p:sp>
+      <p:sp>
+        <p:nvSpPr>
+          <p:cNvPr id="3" name="Subtitle 2"/>
+          <p:cNvSpPr>
+            <a:spLocks noGrp="1"/>
+          </p:cNvSpPr>
+          <p:nvPr>
+            <p:ph type="subTitle" idx="1"/>
+          </p:nvPr>
+        </p:nvSpPr>
+        <p:spPr>
+          <a:xfrm>
+            <a:off x="571472" y="1142984"/>
+            <a:ext cx="7816624" cy="4714908"/>
+          </a:xfrm>
+        </p:spPr>
+        <p:txBody>
+          <a:bodyPr>
+            <a:normAutofit/>
+          </a:bodyPr>
+          <a:lstStyle/>
+          <a:p>
+            <a:pPr algn="l"/>
+            <a:endParaRPr lang="en-US" sz="1600" dirty="0"/>
+          </a:p>
+        </p:txBody>
+      </p:sp>
+      <p:sp>
+        <p:nvSpPr>
+          <p:cNvPr id="4" name="Footer Placeholder 3"/>
+          <p:cNvSpPr>
+            <a:spLocks noGrp="1"/>
+          </p:cNvSpPr>
+          <p:nvPr>
+            <p:ph type="ftr" sz="quarter" idx="11"/>
+          </p:nvPr>
+        </p:nvSpPr>
+        <p:spPr/>
+        <p:txBody>
+          <a:bodyPr/>
+          <a:lstStyle/>
+          <a:p>
+            <a:r>
+              <a:rPr lang="en-US" smtClean="0"/>
+              <a:t>HTML Tutorial(RK)</a:t>
+            </a:r>
+            <a:endParaRPr lang="en-US"/>
+          </a:p>
+        </p:txBody>
+      </p:sp>
+      <p:sp>
+        <p:nvSpPr>
+          <p:cNvPr id="5" name="Slide Number Placeholder 4"/>
+          <p:cNvSpPr>
+            <a:spLocks noGrp="1"/>
+          </p:cNvSpPr>
+          <p:nvPr>
+            <p:ph type="sldNum" sz="quarter" idx="12"/>
+          </p:nvPr>
+        </p:nvSpPr>
+        <p:spPr/>
+        <p:txBody>
+          <a:bodyPr/>
+          <a:lstStyle/>
+          <a:p>
+            <a:fld id="{A764E606-9830-4F28-B8FF-27B179B08DB2}" type="slidenum">
+              <a:rPr lang="en-US" smtClean="0"/>
+              <a:pPr/>
+              <a:t>76</a:t>
+            </a:fld>
+            <a:endParaRPr lang="en-US"/>
+          </a:p>
+        </p:txBody>
+      </p:sp>
+    </p:spTree>
+  </p:cSld>
+  <p:clrMapOvr>
+    <a:masterClrMapping/>
+  </p:clrMapOvr>
+</p:sld>
+</file>
+
+<file path=ppt/slides/slide77.xml><?xml version="1.0" encoding="utf-8"?>
+<p:sld xmlns:a="http://schemas.openxmlformats.org/drawingml/2006/main" xmlns:r="http://schemas.openxmlformats.org/officeDocument/2006/relationships" xmlns:p="http://schemas.openxmlformats.org/presentationml/2006/main">
+  <p:cSld>
+    <p:spTree>
+      <p:nvGrpSpPr>
+        <p:cNvPr id="1" name=""/>
+        <p:cNvGrpSpPr/>
+        <p:nvPr/>
+      </p:nvGrpSpPr>
+      <p:grpSpPr>
+        <a:xfrm>
+          <a:off x="0" y="0"/>
+          <a:ext cx="0" cy="0"/>
+          <a:chOff x="0" y="0"/>
+          <a:chExt cx="0" cy="0"/>
+        </a:xfrm>
+      </p:grpSpPr>
+      <p:sp>
+        <p:nvSpPr>
+          <p:cNvPr id="2" name="Title 1"/>
+          <p:cNvSpPr>
+            <a:spLocks noGrp="1"/>
+          </p:cNvSpPr>
+          <p:nvPr>
+            <p:ph type="ctrTitle"/>
+          </p:nvPr>
+        </p:nvSpPr>
+        <p:spPr>
+          <a:xfrm>
+            <a:off x="500034" y="642918"/>
+            <a:ext cx="7851648" cy="414326"/>
+          </a:xfrm>
+        </p:spPr>
+        <p:txBody>
+          <a:bodyPr>
+            <a:normAutofit fontScale="90000"/>
+          </a:bodyPr>
+          <a:lstStyle/>
+          <a:p>
+            <a:pPr algn="l"/>
+            <a:endParaRPr lang="en-US" sz="3600" dirty="0" smtClean="0"/>
+          </a:p>
+        </p:txBody>
+      </p:sp>
+      <p:sp>
+        <p:nvSpPr>
+          <p:cNvPr id="3" name="Subtitle 2"/>
+          <p:cNvSpPr>
+            <a:spLocks noGrp="1"/>
+          </p:cNvSpPr>
+          <p:nvPr>
+            <p:ph type="subTitle" idx="1"/>
+          </p:nvPr>
+        </p:nvSpPr>
+        <p:spPr>
+          <a:xfrm>
+            <a:off x="571472" y="1142984"/>
+            <a:ext cx="7816624" cy="4714908"/>
+          </a:xfrm>
+        </p:spPr>
+        <p:txBody>
+          <a:bodyPr>
+            <a:normAutofit/>
+          </a:bodyPr>
+          <a:lstStyle/>
+          <a:p>
+            <a:pPr algn="l"/>
+            <a:endParaRPr lang="en-US" sz="1600" dirty="0"/>
+          </a:p>
+        </p:txBody>
+      </p:sp>
+      <p:sp>
+        <p:nvSpPr>
+          <p:cNvPr id="4" name="Footer Placeholder 3"/>
+          <p:cNvSpPr>
+            <a:spLocks noGrp="1"/>
+          </p:cNvSpPr>
+          <p:nvPr>
+            <p:ph type="ftr" sz="quarter" idx="11"/>
+          </p:nvPr>
+        </p:nvSpPr>
+        <p:spPr/>
+        <p:txBody>
+          <a:bodyPr/>
+          <a:lstStyle/>
+          <a:p>
+            <a:r>
+              <a:rPr lang="en-US" smtClean="0"/>
+              <a:t>HTML Tutorial(RK)</a:t>
+            </a:r>
+            <a:endParaRPr lang="en-US"/>
+          </a:p>
+        </p:txBody>
+      </p:sp>
+      <p:sp>
+        <p:nvSpPr>
+          <p:cNvPr id="5" name="Slide Number Placeholder 4"/>
+          <p:cNvSpPr>
+            <a:spLocks noGrp="1"/>
+          </p:cNvSpPr>
+          <p:nvPr>
+            <p:ph type="sldNum" sz="quarter" idx="12"/>
+          </p:nvPr>
+        </p:nvSpPr>
+        <p:spPr/>
+        <p:txBody>
+          <a:bodyPr/>
+          <a:lstStyle/>
+          <a:p>
+            <a:fld id="{A764E606-9830-4F28-B8FF-27B179B08DB2}" type="slidenum">
+              <a:rPr lang="en-US" smtClean="0"/>
+              <a:pPr/>
+              <a:t>77</a:t>
+            </a:fld>
+            <a:endParaRPr lang="en-US"/>
+          </a:p>
+        </p:txBody>
+      </p:sp>
+    </p:spTree>
+  </p:cSld>
+  <p:clrMapOvr>
+    <a:masterClrMapping/>
+  </p:clrMapOvr>
+</p:sld>
+</file>
+
+<file path=ppt/slides/slide78.xml><?xml version="1.0" encoding="utf-8"?>
+<p:sld xmlns:a="http://schemas.openxmlformats.org/drawingml/2006/main" xmlns:r="http://schemas.openxmlformats.org/officeDocument/2006/relationships" xmlns:p="http://schemas.openxmlformats.org/presentationml/2006/main">
+  <p:cSld>
+    <p:spTree>
+      <p:nvGrpSpPr>
+        <p:cNvPr id="1" name=""/>
+        <p:cNvGrpSpPr/>
+        <p:nvPr/>
+      </p:nvGrpSpPr>
+      <p:grpSpPr>
+        <a:xfrm>
+          <a:off x="0" y="0"/>
+          <a:ext cx="0" cy="0"/>
+          <a:chOff x="0" y="0"/>
+          <a:chExt cx="0" cy="0"/>
+        </a:xfrm>
+      </p:grpSpPr>
+      <p:sp>
+        <p:nvSpPr>
+          <p:cNvPr id="2" name="Title 1"/>
+          <p:cNvSpPr>
+            <a:spLocks noGrp="1"/>
+          </p:cNvSpPr>
+          <p:nvPr>
+            <p:ph type="ctrTitle"/>
+          </p:nvPr>
+        </p:nvSpPr>
+        <p:spPr>
+          <a:xfrm>
+            <a:off x="500034" y="642918"/>
+            <a:ext cx="7851648" cy="414326"/>
+          </a:xfrm>
+        </p:spPr>
+        <p:txBody>
+          <a:bodyPr>
+            <a:normAutofit fontScale="90000"/>
+          </a:bodyPr>
+          <a:lstStyle/>
+          <a:p>
+            <a:pPr algn="l"/>
+            <a:endParaRPr lang="en-US" sz="3600" dirty="0" smtClean="0"/>
+          </a:p>
+        </p:txBody>
+      </p:sp>
+      <p:sp>
+        <p:nvSpPr>
+          <p:cNvPr id="3" name="Subtitle 2"/>
+          <p:cNvSpPr>
+            <a:spLocks noGrp="1"/>
+          </p:cNvSpPr>
+          <p:nvPr>
+            <p:ph type="subTitle" idx="1"/>
+          </p:nvPr>
+        </p:nvSpPr>
+        <p:spPr>
+          <a:xfrm>
+            <a:off x="571472" y="1142984"/>
+            <a:ext cx="7816624" cy="4714908"/>
+          </a:xfrm>
+        </p:spPr>
+        <p:txBody>
+          <a:bodyPr>
+            <a:normAutofit/>
+          </a:bodyPr>
+          <a:lstStyle/>
+          <a:p>
+            <a:pPr algn="l"/>
+            <a:endParaRPr lang="en-US" sz="1600" dirty="0"/>
+          </a:p>
+        </p:txBody>
+      </p:sp>
+      <p:sp>
+        <p:nvSpPr>
+          <p:cNvPr id="4" name="Footer Placeholder 3"/>
+          <p:cNvSpPr>
+            <a:spLocks noGrp="1"/>
+          </p:cNvSpPr>
+          <p:nvPr>
+            <p:ph type="ftr" sz="quarter" idx="11"/>
+          </p:nvPr>
+        </p:nvSpPr>
+        <p:spPr/>
+        <p:txBody>
+          <a:bodyPr/>
+          <a:lstStyle/>
+          <a:p>
+            <a:r>
+              <a:rPr lang="en-US" smtClean="0"/>
+              <a:t>HTML Tutorial(RK)</a:t>
+            </a:r>
+            <a:endParaRPr lang="en-US"/>
+          </a:p>
+        </p:txBody>
+      </p:sp>
+      <p:sp>
+        <p:nvSpPr>
+          <p:cNvPr id="5" name="Slide Number Placeholder 4"/>
+          <p:cNvSpPr>
+            <a:spLocks noGrp="1"/>
+          </p:cNvSpPr>
+          <p:nvPr>
+            <p:ph type="sldNum" sz="quarter" idx="12"/>
+          </p:nvPr>
+        </p:nvSpPr>
+        <p:spPr/>
+        <p:txBody>
+          <a:bodyPr/>
+          <a:lstStyle/>
+          <a:p>
+            <a:fld id="{A764E606-9830-4F28-B8FF-27B179B08DB2}" type="slidenum">
+              <a:rPr lang="en-US" smtClean="0"/>
+              <a:pPr/>
+              <a:t>78</a:t>
+            </a:fld>
+            <a:endParaRPr lang="en-US"/>
+          </a:p>
+        </p:txBody>
+      </p:sp>
+    </p:spTree>
+  </p:cSld>
+  <p:clrMapOvr>
+    <a:masterClrMapping/>
+  </p:clrMapOvr>
+</p:sld>
+</file>
+
+<file path=ppt/slides/slide79.xml><?xml version="1.0" encoding="utf-8"?>
+<p:sld xmlns:a="http://schemas.openxmlformats.org/drawingml/2006/main" xmlns:r="http://schemas.openxmlformats.org/officeDocument/2006/relationships" xmlns:p="http://schemas.openxmlformats.org/presentationml/2006/main">
+  <p:cSld>
+    <p:spTree>
+      <p:nvGrpSpPr>
+        <p:cNvPr id="1" name=""/>
+        <p:cNvGrpSpPr/>
+        <p:nvPr/>
+      </p:nvGrpSpPr>
+      <p:grpSpPr>
+        <a:xfrm>
+          <a:off x="0" y="0"/>
+          <a:ext cx="0" cy="0"/>
+          <a:chOff x="0" y="0"/>
+          <a:chExt cx="0" cy="0"/>
+        </a:xfrm>
+      </p:grpSpPr>
+      <p:sp>
+        <p:nvSpPr>
+          <p:cNvPr id="2" name="Title 1"/>
+          <p:cNvSpPr>
+            <a:spLocks noGrp="1"/>
+          </p:cNvSpPr>
+          <p:nvPr>
+            <p:ph type="ctrTitle"/>
+          </p:nvPr>
+        </p:nvSpPr>
+        <p:spPr>
+          <a:xfrm>
+            <a:off x="500034" y="642918"/>
+            <a:ext cx="7851648" cy="414326"/>
+          </a:xfrm>
+        </p:spPr>
+        <p:txBody>
+          <a:bodyPr>
+            <a:normAutofit fontScale="90000"/>
+          </a:bodyPr>
+          <a:lstStyle/>
+          <a:p>
+            <a:pPr algn="l"/>
+            <a:endParaRPr lang="en-US" sz="3600" dirty="0" smtClean="0"/>
+          </a:p>
+        </p:txBody>
+      </p:sp>
+      <p:sp>
+        <p:nvSpPr>
+          <p:cNvPr id="3" name="Subtitle 2"/>
+          <p:cNvSpPr>
+            <a:spLocks noGrp="1"/>
+          </p:cNvSpPr>
+          <p:nvPr>
+            <p:ph type="subTitle" idx="1"/>
+          </p:nvPr>
+        </p:nvSpPr>
+        <p:spPr>
+          <a:xfrm>
+            <a:off x="571472" y="1142984"/>
+            <a:ext cx="7816624" cy="4714908"/>
+          </a:xfrm>
+        </p:spPr>
+        <p:txBody>
+          <a:bodyPr>
+            <a:normAutofit/>
+          </a:bodyPr>
+          <a:lstStyle/>
+          <a:p>
+            <a:pPr algn="l"/>
+            <a:endParaRPr lang="en-US" sz="1600" dirty="0"/>
+          </a:p>
+        </p:txBody>
+      </p:sp>
+      <p:sp>
+        <p:nvSpPr>
+          <p:cNvPr id="4" name="Footer Placeholder 3"/>
+          <p:cNvSpPr>
+            <a:spLocks noGrp="1"/>
+          </p:cNvSpPr>
+          <p:nvPr>
+            <p:ph type="ftr" sz="quarter" idx="11"/>
+          </p:nvPr>
+        </p:nvSpPr>
+        <p:spPr/>
+        <p:txBody>
+          <a:bodyPr/>
+          <a:lstStyle/>
+          <a:p>
+            <a:r>
+              <a:rPr lang="en-US" smtClean="0"/>
+              <a:t>HTML Tutorial(RK)</a:t>
+            </a:r>
+            <a:endParaRPr lang="en-US"/>
+          </a:p>
+        </p:txBody>
+      </p:sp>
+      <p:sp>
+        <p:nvSpPr>
+          <p:cNvPr id="5" name="Slide Number Placeholder 4"/>
+          <p:cNvSpPr>
+            <a:spLocks noGrp="1"/>
+          </p:cNvSpPr>
+          <p:nvPr>
+            <p:ph type="sldNum" sz="quarter" idx="12"/>
+          </p:nvPr>
+        </p:nvSpPr>
+        <p:spPr/>
+        <p:txBody>
+          <a:bodyPr/>
+          <a:lstStyle/>
+          <a:p>
+            <a:fld id="{A764E606-9830-4F28-B8FF-27B179B08DB2}" type="slidenum">
+              <a:rPr lang="en-US" smtClean="0"/>
+              <a:pPr/>
+              <a:t>79</a:t>
+            </a:fld>
+            <a:endParaRPr lang="en-US"/>
+          </a:p>
+        </p:txBody>
+      </p:sp>
+    </p:spTree>
+  </p:cSld>
+  <p:clrMapOvr>
+    <a:masterClrMapping/>
+  </p:clrMapOvr>
+</p:sld>
+</file>
+
 <file path=ppt/slides/slide8.xml><?xml version="1.0" encoding="utf-8"?>
 <p:sld xmlns:a="http://schemas.openxmlformats.org/drawingml/2006/main" xmlns:r="http://schemas.openxmlformats.org/officeDocument/2006/relationships" xmlns:p="http://schemas.openxmlformats.org/presentationml/2006/main">
   <p:cSld>
@@ -21219,6 +25458,1266 @@
               <a:rPr lang="en-US" smtClean="0"/>
               <a:pPr/>
               <a:t>8</a:t>
+            </a:fld>
+            <a:endParaRPr lang="en-US"/>
+          </a:p>
+        </p:txBody>
+      </p:sp>
+    </p:spTree>
+  </p:cSld>
+  <p:clrMapOvr>
+    <a:masterClrMapping/>
+  </p:clrMapOvr>
+</p:sld>
+</file>
+
+<file path=ppt/slides/slide80.xml><?xml version="1.0" encoding="utf-8"?>
+<p:sld xmlns:a="http://schemas.openxmlformats.org/drawingml/2006/main" xmlns:r="http://schemas.openxmlformats.org/officeDocument/2006/relationships" xmlns:p="http://schemas.openxmlformats.org/presentationml/2006/main">
+  <p:cSld>
+    <p:spTree>
+      <p:nvGrpSpPr>
+        <p:cNvPr id="1" name=""/>
+        <p:cNvGrpSpPr/>
+        <p:nvPr/>
+      </p:nvGrpSpPr>
+      <p:grpSpPr>
+        <a:xfrm>
+          <a:off x="0" y="0"/>
+          <a:ext cx="0" cy="0"/>
+          <a:chOff x="0" y="0"/>
+          <a:chExt cx="0" cy="0"/>
+        </a:xfrm>
+      </p:grpSpPr>
+      <p:sp>
+        <p:nvSpPr>
+          <p:cNvPr id="2" name="Title 1"/>
+          <p:cNvSpPr>
+            <a:spLocks noGrp="1"/>
+          </p:cNvSpPr>
+          <p:nvPr>
+            <p:ph type="ctrTitle"/>
+          </p:nvPr>
+        </p:nvSpPr>
+        <p:spPr>
+          <a:xfrm>
+            <a:off x="500034" y="642918"/>
+            <a:ext cx="7851648" cy="414326"/>
+          </a:xfrm>
+        </p:spPr>
+        <p:txBody>
+          <a:bodyPr>
+            <a:normAutofit fontScale="90000"/>
+          </a:bodyPr>
+          <a:lstStyle/>
+          <a:p>
+            <a:pPr algn="l"/>
+            <a:endParaRPr lang="en-US" sz="3600" dirty="0" smtClean="0"/>
+          </a:p>
+        </p:txBody>
+      </p:sp>
+      <p:sp>
+        <p:nvSpPr>
+          <p:cNvPr id="3" name="Subtitle 2"/>
+          <p:cNvSpPr>
+            <a:spLocks noGrp="1"/>
+          </p:cNvSpPr>
+          <p:nvPr>
+            <p:ph type="subTitle" idx="1"/>
+          </p:nvPr>
+        </p:nvSpPr>
+        <p:spPr>
+          <a:xfrm>
+            <a:off x="571472" y="1142984"/>
+            <a:ext cx="7816624" cy="4714908"/>
+          </a:xfrm>
+        </p:spPr>
+        <p:txBody>
+          <a:bodyPr>
+            <a:normAutofit/>
+          </a:bodyPr>
+          <a:lstStyle/>
+          <a:p>
+            <a:pPr algn="l"/>
+            <a:endParaRPr lang="en-US" sz="1600" dirty="0"/>
+          </a:p>
+        </p:txBody>
+      </p:sp>
+      <p:sp>
+        <p:nvSpPr>
+          <p:cNvPr id="4" name="Footer Placeholder 3"/>
+          <p:cNvSpPr>
+            <a:spLocks noGrp="1"/>
+          </p:cNvSpPr>
+          <p:nvPr>
+            <p:ph type="ftr" sz="quarter" idx="11"/>
+          </p:nvPr>
+        </p:nvSpPr>
+        <p:spPr/>
+        <p:txBody>
+          <a:bodyPr/>
+          <a:lstStyle/>
+          <a:p>
+            <a:r>
+              <a:rPr lang="en-US" smtClean="0"/>
+              <a:t>HTML Tutorial(RK)</a:t>
+            </a:r>
+            <a:endParaRPr lang="en-US"/>
+          </a:p>
+        </p:txBody>
+      </p:sp>
+      <p:sp>
+        <p:nvSpPr>
+          <p:cNvPr id="5" name="Slide Number Placeholder 4"/>
+          <p:cNvSpPr>
+            <a:spLocks noGrp="1"/>
+          </p:cNvSpPr>
+          <p:nvPr>
+            <p:ph type="sldNum" sz="quarter" idx="12"/>
+          </p:nvPr>
+        </p:nvSpPr>
+        <p:spPr/>
+        <p:txBody>
+          <a:bodyPr/>
+          <a:lstStyle/>
+          <a:p>
+            <a:fld id="{A764E606-9830-4F28-B8FF-27B179B08DB2}" type="slidenum">
+              <a:rPr lang="en-US" smtClean="0"/>
+              <a:pPr/>
+              <a:t>80</a:t>
+            </a:fld>
+            <a:endParaRPr lang="en-US"/>
+          </a:p>
+        </p:txBody>
+      </p:sp>
+    </p:spTree>
+  </p:cSld>
+  <p:clrMapOvr>
+    <a:masterClrMapping/>
+  </p:clrMapOvr>
+</p:sld>
+</file>
+
+<file path=ppt/slides/slide81.xml><?xml version="1.0" encoding="utf-8"?>
+<p:sld xmlns:a="http://schemas.openxmlformats.org/drawingml/2006/main" xmlns:r="http://schemas.openxmlformats.org/officeDocument/2006/relationships" xmlns:p="http://schemas.openxmlformats.org/presentationml/2006/main">
+  <p:cSld>
+    <p:spTree>
+      <p:nvGrpSpPr>
+        <p:cNvPr id="1" name=""/>
+        <p:cNvGrpSpPr/>
+        <p:nvPr/>
+      </p:nvGrpSpPr>
+      <p:grpSpPr>
+        <a:xfrm>
+          <a:off x="0" y="0"/>
+          <a:ext cx="0" cy="0"/>
+          <a:chOff x="0" y="0"/>
+          <a:chExt cx="0" cy="0"/>
+        </a:xfrm>
+      </p:grpSpPr>
+      <p:sp>
+        <p:nvSpPr>
+          <p:cNvPr id="2" name="Title 1"/>
+          <p:cNvSpPr>
+            <a:spLocks noGrp="1"/>
+          </p:cNvSpPr>
+          <p:nvPr>
+            <p:ph type="ctrTitle"/>
+          </p:nvPr>
+        </p:nvSpPr>
+        <p:spPr>
+          <a:xfrm>
+            <a:off x="500034" y="642918"/>
+            <a:ext cx="7851648" cy="414326"/>
+          </a:xfrm>
+        </p:spPr>
+        <p:txBody>
+          <a:bodyPr>
+            <a:normAutofit fontScale="90000"/>
+          </a:bodyPr>
+          <a:lstStyle/>
+          <a:p>
+            <a:pPr algn="l"/>
+            <a:endParaRPr lang="en-US" sz="3600" dirty="0" smtClean="0"/>
+          </a:p>
+        </p:txBody>
+      </p:sp>
+      <p:sp>
+        <p:nvSpPr>
+          <p:cNvPr id="3" name="Subtitle 2"/>
+          <p:cNvSpPr>
+            <a:spLocks noGrp="1"/>
+          </p:cNvSpPr>
+          <p:nvPr>
+            <p:ph type="subTitle" idx="1"/>
+          </p:nvPr>
+        </p:nvSpPr>
+        <p:spPr>
+          <a:xfrm>
+            <a:off x="571472" y="1142984"/>
+            <a:ext cx="7816624" cy="4714908"/>
+          </a:xfrm>
+        </p:spPr>
+        <p:txBody>
+          <a:bodyPr>
+            <a:normAutofit/>
+          </a:bodyPr>
+          <a:lstStyle/>
+          <a:p>
+            <a:pPr algn="l"/>
+            <a:endParaRPr lang="en-US" sz="1600" dirty="0"/>
+          </a:p>
+        </p:txBody>
+      </p:sp>
+      <p:sp>
+        <p:nvSpPr>
+          <p:cNvPr id="4" name="Footer Placeholder 3"/>
+          <p:cNvSpPr>
+            <a:spLocks noGrp="1"/>
+          </p:cNvSpPr>
+          <p:nvPr>
+            <p:ph type="ftr" sz="quarter" idx="11"/>
+          </p:nvPr>
+        </p:nvSpPr>
+        <p:spPr/>
+        <p:txBody>
+          <a:bodyPr/>
+          <a:lstStyle/>
+          <a:p>
+            <a:r>
+              <a:rPr lang="en-US" smtClean="0"/>
+              <a:t>HTML Tutorial(RK)</a:t>
+            </a:r>
+            <a:endParaRPr lang="en-US"/>
+          </a:p>
+        </p:txBody>
+      </p:sp>
+      <p:sp>
+        <p:nvSpPr>
+          <p:cNvPr id="5" name="Slide Number Placeholder 4"/>
+          <p:cNvSpPr>
+            <a:spLocks noGrp="1"/>
+          </p:cNvSpPr>
+          <p:nvPr>
+            <p:ph type="sldNum" sz="quarter" idx="12"/>
+          </p:nvPr>
+        </p:nvSpPr>
+        <p:spPr/>
+        <p:txBody>
+          <a:bodyPr/>
+          <a:lstStyle/>
+          <a:p>
+            <a:fld id="{A764E606-9830-4F28-B8FF-27B179B08DB2}" type="slidenum">
+              <a:rPr lang="en-US" smtClean="0"/>
+              <a:pPr/>
+              <a:t>81</a:t>
+            </a:fld>
+            <a:endParaRPr lang="en-US"/>
+          </a:p>
+        </p:txBody>
+      </p:sp>
+    </p:spTree>
+  </p:cSld>
+  <p:clrMapOvr>
+    <a:masterClrMapping/>
+  </p:clrMapOvr>
+</p:sld>
+</file>
+
+<file path=ppt/slides/slide82.xml><?xml version="1.0" encoding="utf-8"?>
+<p:sld xmlns:a="http://schemas.openxmlformats.org/drawingml/2006/main" xmlns:r="http://schemas.openxmlformats.org/officeDocument/2006/relationships" xmlns:p="http://schemas.openxmlformats.org/presentationml/2006/main">
+  <p:cSld>
+    <p:spTree>
+      <p:nvGrpSpPr>
+        <p:cNvPr id="1" name=""/>
+        <p:cNvGrpSpPr/>
+        <p:nvPr/>
+      </p:nvGrpSpPr>
+      <p:grpSpPr>
+        <a:xfrm>
+          <a:off x="0" y="0"/>
+          <a:ext cx="0" cy="0"/>
+          <a:chOff x="0" y="0"/>
+          <a:chExt cx="0" cy="0"/>
+        </a:xfrm>
+      </p:grpSpPr>
+      <p:sp>
+        <p:nvSpPr>
+          <p:cNvPr id="2" name="Title 1"/>
+          <p:cNvSpPr>
+            <a:spLocks noGrp="1"/>
+          </p:cNvSpPr>
+          <p:nvPr>
+            <p:ph type="ctrTitle"/>
+          </p:nvPr>
+        </p:nvSpPr>
+        <p:spPr>
+          <a:xfrm>
+            <a:off x="500034" y="642918"/>
+            <a:ext cx="7851648" cy="414326"/>
+          </a:xfrm>
+        </p:spPr>
+        <p:txBody>
+          <a:bodyPr>
+            <a:normAutofit fontScale="90000"/>
+          </a:bodyPr>
+          <a:lstStyle/>
+          <a:p>
+            <a:pPr algn="l"/>
+            <a:endParaRPr lang="en-US" sz="3600" dirty="0" smtClean="0"/>
+          </a:p>
+        </p:txBody>
+      </p:sp>
+      <p:sp>
+        <p:nvSpPr>
+          <p:cNvPr id="3" name="Subtitle 2"/>
+          <p:cNvSpPr>
+            <a:spLocks noGrp="1"/>
+          </p:cNvSpPr>
+          <p:nvPr>
+            <p:ph type="subTitle" idx="1"/>
+          </p:nvPr>
+        </p:nvSpPr>
+        <p:spPr>
+          <a:xfrm>
+            <a:off x="571472" y="1142984"/>
+            <a:ext cx="7816624" cy="4714908"/>
+          </a:xfrm>
+        </p:spPr>
+        <p:txBody>
+          <a:bodyPr>
+            <a:normAutofit/>
+          </a:bodyPr>
+          <a:lstStyle/>
+          <a:p>
+            <a:pPr algn="l"/>
+            <a:endParaRPr lang="en-US" sz="1600" dirty="0"/>
+          </a:p>
+        </p:txBody>
+      </p:sp>
+      <p:sp>
+        <p:nvSpPr>
+          <p:cNvPr id="4" name="Footer Placeholder 3"/>
+          <p:cNvSpPr>
+            <a:spLocks noGrp="1"/>
+          </p:cNvSpPr>
+          <p:nvPr>
+            <p:ph type="ftr" sz="quarter" idx="11"/>
+          </p:nvPr>
+        </p:nvSpPr>
+        <p:spPr/>
+        <p:txBody>
+          <a:bodyPr/>
+          <a:lstStyle/>
+          <a:p>
+            <a:r>
+              <a:rPr lang="en-US" smtClean="0"/>
+              <a:t>HTML Tutorial(RK)</a:t>
+            </a:r>
+            <a:endParaRPr lang="en-US"/>
+          </a:p>
+        </p:txBody>
+      </p:sp>
+      <p:sp>
+        <p:nvSpPr>
+          <p:cNvPr id="5" name="Slide Number Placeholder 4"/>
+          <p:cNvSpPr>
+            <a:spLocks noGrp="1"/>
+          </p:cNvSpPr>
+          <p:nvPr>
+            <p:ph type="sldNum" sz="quarter" idx="12"/>
+          </p:nvPr>
+        </p:nvSpPr>
+        <p:spPr/>
+        <p:txBody>
+          <a:bodyPr/>
+          <a:lstStyle/>
+          <a:p>
+            <a:fld id="{A764E606-9830-4F28-B8FF-27B179B08DB2}" type="slidenum">
+              <a:rPr lang="en-US" smtClean="0"/>
+              <a:pPr/>
+              <a:t>82</a:t>
+            </a:fld>
+            <a:endParaRPr lang="en-US"/>
+          </a:p>
+        </p:txBody>
+      </p:sp>
+    </p:spTree>
+  </p:cSld>
+  <p:clrMapOvr>
+    <a:masterClrMapping/>
+  </p:clrMapOvr>
+</p:sld>
+</file>
+
+<file path=ppt/slides/slide83.xml><?xml version="1.0" encoding="utf-8"?>
+<p:sld xmlns:a="http://schemas.openxmlformats.org/drawingml/2006/main" xmlns:r="http://schemas.openxmlformats.org/officeDocument/2006/relationships" xmlns:p="http://schemas.openxmlformats.org/presentationml/2006/main">
+  <p:cSld>
+    <p:spTree>
+      <p:nvGrpSpPr>
+        <p:cNvPr id="1" name=""/>
+        <p:cNvGrpSpPr/>
+        <p:nvPr/>
+      </p:nvGrpSpPr>
+      <p:grpSpPr>
+        <a:xfrm>
+          <a:off x="0" y="0"/>
+          <a:ext cx="0" cy="0"/>
+          <a:chOff x="0" y="0"/>
+          <a:chExt cx="0" cy="0"/>
+        </a:xfrm>
+      </p:grpSpPr>
+      <p:sp>
+        <p:nvSpPr>
+          <p:cNvPr id="2" name="Title 1"/>
+          <p:cNvSpPr>
+            <a:spLocks noGrp="1"/>
+          </p:cNvSpPr>
+          <p:nvPr>
+            <p:ph type="ctrTitle"/>
+          </p:nvPr>
+        </p:nvSpPr>
+        <p:spPr>
+          <a:xfrm>
+            <a:off x="500034" y="642918"/>
+            <a:ext cx="7851648" cy="414326"/>
+          </a:xfrm>
+        </p:spPr>
+        <p:txBody>
+          <a:bodyPr>
+            <a:normAutofit fontScale="90000"/>
+          </a:bodyPr>
+          <a:lstStyle/>
+          <a:p>
+            <a:pPr algn="l"/>
+            <a:endParaRPr lang="en-US" sz="3600" dirty="0" smtClean="0"/>
+          </a:p>
+        </p:txBody>
+      </p:sp>
+      <p:sp>
+        <p:nvSpPr>
+          <p:cNvPr id="3" name="Subtitle 2"/>
+          <p:cNvSpPr>
+            <a:spLocks noGrp="1"/>
+          </p:cNvSpPr>
+          <p:nvPr>
+            <p:ph type="subTitle" idx="1"/>
+          </p:nvPr>
+        </p:nvSpPr>
+        <p:spPr>
+          <a:xfrm>
+            <a:off x="571472" y="1142984"/>
+            <a:ext cx="7816624" cy="4714908"/>
+          </a:xfrm>
+        </p:spPr>
+        <p:txBody>
+          <a:bodyPr>
+            <a:normAutofit/>
+          </a:bodyPr>
+          <a:lstStyle/>
+          <a:p>
+            <a:pPr algn="l"/>
+            <a:endParaRPr lang="en-US" sz="1600" dirty="0"/>
+          </a:p>
+        </p:txBody>
+      </p:sp>
+      <p:sp>
+        <p:nvSpPr>
+          <p:cNvPr id="4" name="Footer Placeholder 3"/>
+          <p:cNvSpPr>
+            <a:spLocks noGrp="1"/>
+          </p:cNvSpPr>
+          <p:nvPr>
+            <p:ph type="ftr" sz="quarter" idx="11"/>
+          </p:nvPr>
+        </p:nvSpPr>
+        <p:spPr/>
+        <p:txBody>
+          <a:bodyPr/>
+          <a:lstStyle/>
+          <a:p>
+            <a:r>
+              <a:rPr lang="en-US" smtClean="0"/>
+              <a:t>HTML Tutorial(RK)</a:t>
+            </a:r>
+            <a:endParaRPr lang="en-US"/>
+          </a:p>
+        </p:txBody>
+      </p:sp>
+      <p:sp>
+        <p:nvSpPr>
+          <p:cNvPr id="5" name="Slide Number Placeholder 4"/>
+          <p:cNvSpPr>
+            <a:spLocks noGrp="1"/>
+          </p:cNvSpPr>
+          <p:nvPr>
+            <p:ph type="sldNum" sz="quarter" idx="12"/>
+          </p:nvPr>
+        </p:nvSpPr>
+        <p:spPr/>
+        <p:txBody>
+          <a:bodyPr/>
+          <a:lstStyle/>
+          <a:p>
+            <a:fld id="{A764E606-9830-4F28-B8FF-27B179B08DB2}" type="slidenum">
+              <a:rPr lang="en-US" smtClean="0"/>
+              <a:pPr/>
+              <a:t>83</a:t>
+            </a:fld>
+            <a:endParaRPr lang="en-US"/>
+          </a:p>
+        </p:txBody>
+      </p:sp>
+    </p:spTree>
+  </p:cSld>
+  <p:clrMapOvr>
+    <a:masterClrMapping/>
+  </p:clrMapOvr>
+</p:sld>
+</file>
+
+<file path=ppt/slides/slide84.xml><?xml version="1.0" encoding="utf-8"?>
+<p:sld xmlns:a="http://schemas.openxmlformats.org/drawingml/2006/main" xmlns:r="http://schemas.openxmlformats.org/officeDocument/2006/relationships" xmlns:p="http://schemas.openxmlformats.org/presentationml/2006/main">
+  <p:cSld>
+    <p:spTree>
+      <p:nvGrpSpPr>
+        <p:cNvPr id="1" name=""/>
+        <p:cNvGrpSpPr/>
+        <p:nvPr/>
+      </p:nvGrpSpPr>
+      <p:grpSpPr>
+        <a:xfrm>
+          <a:off x="0" y="0"/>
+          <a:ext cx="0" cy="0"/>
+          <a:chOff x="0" y="0"/>
+          <a:chExt cx="0" cy="0"/>
+        </a:xfrm>
+      </p:grpSpPr>
+      <p:sp>
+        <p:nvSpPr>
+          <p:cNvPr id="2" name="Title 1"/>
+          <p:cNvSpPr>
+            <a:spLocks noGrp="1"/>
+          </p:cNvSpPr>
+          <p:nvPr>
+            <p:ph type="ctrTitle"/>
+          </p:nvPr>
+        </p:nvSpPr>
+        <p:spPr>
+          <a:xfrm>
+            <a:off x="500034" y="642918"/>
+            <a:ext cx="7851648" cy="414326"/>
+          </a:xfrm>
+        </p:spPr>
+        <p:txBody>
+          <a:bodyPr>
+            <a:normAutofit fontScale="90000"/>
+          </a:bodyPr>
+          <a:lstStyle/>
+          <a:p>
+            <a:pPr algn="l"/>
+            <a:endParaRPr lang="en-US" sz="3600" dirty="0" smtClean="0"/>
+          </a:p>
+        </p:txBody>
+      </p:sp>
+      <p:sp>
+        <p:nvSpPr>
+          <p:cNvPr id="3" name="Subtitle 2"/>
+          <p:cNvSpPr>
+            <a:spLocks noGrp="1"/>
+          </p:cNvSpPr>
+          <p:nvPr>
+            <p:ph type="subTitle" idx="1"/>
+          </p:nvPr>
+        </p:nvSpPr>
+        <p:spPr>
+          <a:xfrm>
+            <a:off x="571472" y="1142984"/>
+            <a:ext cx="7816624" cy="4714908"/>
+          </a:xfrm>
+        </p:spPr>
+        <p:txBody>
+          <a:bodyPr>
+            <a:normAutofit/>
+          </a:bodyPr>
+          <a:lstStyle/>
+          <a:p>
+            <a:pPr algn="l"/>
+            <a:endParaRPr lang="en-US" sz="1600" dirty="0"/>
+          </a:p>
+        </p:txBody>
+      </p:sp>
+      <p:sp>
+        <p:nvSpPr>
+          <p:cNvPr id="4" name="Footer Placeholder 3"/>
+          <p:cNvSpPr>
+            <a:spLocks noGrp="1"/>
+          </p:cNvSpPr>
+          <p:nvPr>
+            <p:ph type="ftr" sz="quarter" idx="11"/>
+          </p:nvPr>
+        </p:nvSpPr>
+        <p:spPr/>
+        <p:txBody>
+          <a:bodyPr/>
+          <a:lstStyle/>
+          <a:p>
+            <a:r>
+              <a:rPr lang="en-US" smtClean="0"/>
+              <a:t>HTML Tutorial(RK)</a:t>
+            </a:r>
+            <a:endParaRPr lang="en-US"/>
+          </a:p>
+        </p:txBody>
+      </p:sp>
+      <p:sp>
+        <p:nvSpPr>
+          <p:cNvPr id="5" name="Slide Number Placeholder 4"/>
+          <p:cNvSpPr>
+            <a:spLocks noGrp="1"/>
+          </p:cNvSpPr>
+          <p:nvPr>
+            <p:ph type="sldNum" sz="quarter" idx="12"/>
+          </p:nvPr>
+        </p:nvSpPr>
+        <p:spPr/>
+        <p:txBody>
+          <a:bodyPr/>
+          <a:lstStyle/>
+          <a:p>
+            <a:fld id="{A764E606-9830-4F28-B8FF-27B179B08DB2}" type="slidenum">
+              <a:rPr lang="en-US" smtClean="0"/>
+              <a:pPr/>
+              <a:t>84</a:t>
+            </a:fld>
+            <a:endParaRPr lang="en-US"/>
+          </a:p>
+        </p:txBody>
+      </p:sp>
+    </p:spTree>
+  </p:cSld>
+  <p:clrMapOvr>
+    <a:masterClrMapping/>
+  </p:clrMapOvr>
+</p:sld>
+</file>
+
+<file path=ppt/slides/slide85.xml><?xml version="1.0" encoding="utf-8"?>
+<p:sld xmlns:a="http://schemas.openxmlformats.org/drawingml/2006/main" xmlns:r="http://schemas.openxmlformats.org/officeDocument/2006/relationships" xmlns:p="http://schemas.openxmlformats.org/presentationml/2006/main">
+  <p:cSld>
+    <p:spTree>
+      <p:nvGrpSpPr>
+        <p:cNvPr id="1" name=""/>
+        <p:cNvGrpSpPr/>
+        <p:nvPr/>
+      </p:nvGrpSpPr>
+      <p:grpSpPr>
+        <a:xfrm>
+          <a:off x="0" y="0"/>
+          <a:ext cx="0" cy="0"/>
+          <a:chOff x="0" y="0"/>
+          <a:chExt cx="0" cy="0"/>
+        </a:xfrm>
+      </p:grpSpPr>
+      <p:sp>
+        <p:nvSpPr>
+          <p:cNvPr id="2" name="Title 1"/>
+          <p:cNvSpPr>
+            <a:spLocks noGrp="1"/>
+          </p:cNvSpPr>
+          <p:nvPr>
+            <p:ph type="ctrTitle"/>
+          </p:nvPr>
+        </p:nvSpPr>
+        <p:spPr>
+          <a:xfrm>
+            <a:off x="500034" y="642918"/>
+            <a:ext cx="7851648" cy="414326"/>
+          </a:xfrm>
+        </p:spPr>
+        <p:txBody>
+          <a:bodyPr>
+            <a:normAutofit fontScale="90000"/>
+          </a:bodyPr>
+          <a:lstStyle/>
+          <a:p>
+            <a:pPr algn="l"/>
+            <a:endParaRPr lang="en-US" sz="3600" dirty="0" smtClean="0"/>
+          </a:p>
+        </p:txBody>
+      </p:sp>
+      <p:sp>
+        <p:nvSpPr>
+          <p:cNvPr id="3" name="Subtitle 2"/>
+          <p:cNvSpPr>
+            <a:spLocks noGrp="1"/>
+          </p:cNvSpPr>
+          <p:nvPr>
+            <p:ph type="subTitle" idx="1"/>
+          </p:nvPr>
+        </p:nvSpPr>
+        <p:spPr>
+          <a:xfrm>
+            <a:off x="571472" y="1142984"/>
+            <a:ext cx="7816624" cy="4714908"/>
+          </a:xfrm>
+        </p:spPr>
+        <p:txBody>
+          <a:bodyPr>
+            <a:normAutofit/>
+          </a:bodyPr>
+          <a:lstStyle/>
+          <a:p>
+            <a:pPr algn="l"/>
+            <a:endParaRPr lang="en-US" sz="1600" dirty="0"/>
+          </a:p>
+        </p:txBody>
+      </p:sp>
+      <p:sp>
+        <p:nvSpPr>
+          <p:cNvPr id="4" name="Footer Placeholder 3"/>
+          <p:cNvSpPr>
+            <a:spLocks noGrp="1"/>
+          </p:cNvSpPr>
+          <p:nvPr>
+            <p:ph type="ftr" sz="quarter" idx="11"/>
+          </p:nvPr>
+        </p:nvSpPr>
+        <p:spPr/>
+        <p:txBody>
+          <a:bodyPr/>
+          <a:lstStyle/>
+          <a:p>
+            <a:r>
+              <a:rPr lang="en-US" smtClean="0"/>
+              <a:t>HTML Tutorial(RK)</a:t>
+            </a:r>
+            <a:endParaRPr lang="en-US"/>
+          </a:p>
+        </p:txBody>
+      </p:sp>
+      <p:sp>
+        <p:nvSpPr>
+          <p:cNvPr id="5" name="Slide Number Placeholder 4"/>
+          <p:cNvSpPr>
+            <a:spLocks noGrp="1"/>
+          </p:cNvSpPr>
+          <p:nvPr>
+            <p:ph type="sldNum" sz="quarter" idx="12"/>
+          </p:nvPr>
+        </p:nvSpPr>
+        <p:spPr/>
+        <p:txBody>
+          <a:bodyPr/>
+          <a:lstStyle/>
+          <a:p>
+            <a:fld id="{A764E606-9830-4F28-B8FF-27B179B08DB2}" type="slidenum">
+              <a:rPr lang="en-US" smtClean="0"/>
+              <a:pPr/>
+              <a:t>85</a:t>
+            </a:fld>
+            <a:endParaRPr lang="en-US"/>
+          </a:p>
+        </p:txBody>
+      </p:sp>
+    </p:spTree>
+  </p:cSld>
+  <p:clrMapOvr>
+    <a:masterClrMapping/>
+  </p:clrMapOvr>
+</p:sld>
+</file>
+
+<file path=ppt/slides/slide86.xml><?xml version="1.0" encoding="utf-8"?>
+<p:sld xmlns:a="http://schemas.openxmlformats.org/drawingml/2006/main" xmlns:r="http://schemas.openxmlformats.org/officeDocument/2006/relationships" xmlns:p="http://schemas.openxmlformats.org/presentationml/2006/main">
+  <p:cSld>
+    <p:spTree>
+      <p:nvGrpSpPr>
+        <p:cNvPr id="1" name=""/>
+        <p:cNvGrpSpPr/>
+        <p:nvPr/>
+      </p:nvGrpSpPr>
+      <p:grpSpPr>
+        <a:xfrm>
+          <a:off x="0" y="0"/>
+          <a:ext cx="0" cy="0"/>
+          <a:chOff x="0" y="0"/>
+          <a:chExt cx="0" cy="0"/>
+        </a:xfrm>
+      </p:grpSpPr>
+      <p:sp>
+        <p:nvSpPr>
+          <p:cNvPr id="2" name="Title 1"/>
+          <p:cNvSpPr>
+            <a:spLocks noGrp="1"/>
+          </p:cNvSpPr>
+          <p:nvPr>
+            <p:ph type="ctrTitle"/>
+          </p:nvPr>
+        </p:nvSpPr>
+        <p:spPr>
+          <a:xfrm>
+            <a:off x="500034" y="642918"/>
+            <a:ext cx="7851648" cy="414326"/>
+          </a:xfrm>
+        </p:spPr>
+        <p:txBody>
+          <a:bodyPr>
+            <a:normAutofit fontScale="90000"/>
+          </a:bodyPr>
+          <a:lstStyle/>
+          <a:p>
+            <a:pPr algn="l"/>
+            <a:endParaRPr lang="en-US" sz="3600" dirty="0" smtClean="0"/>
+          </a:p>
+        </p:txBody>
+      </p:sp>
+      <p:sp>
+        <p:nvSpPr>
+          <p:cNvPr id="3" name="Subtitle 2"/>
+          <p:cNvSpPr>
+            <a:spLocks noGrp="1"/>
+          </p:cNvSpPr>
+          <p:nvPr>
+            <p:ph type="subTitle" idx="1"/>
+          </p:nvPr>
+        </p:nvSpPr>
+        <p:spPr>
+          <a:xfrm>
+            <a:off x="571472" y="1142984"/>
+            <a:ext cx="7816624" cy="4714908"/>
+          </a:xfrm>
+        </p:spPr>
+        <p:txBody>
+          <a:bodyPr>
+            <a:normAutofit/>
+          </a:bodyPr>
+          <a:lstStyle/>
+          <a:p>
+            <a:pPr algn="l"/>
+            <a:endParaRPr lang="en-US" sz="1600" dirty="0"/>
+          </a:p>
+        </p:txBody>
+      </p:sp>
+      <p:sp>
+        <p:nvSpPr>
+          <p:cNvPr id="4" name="Footer Placeholder 3"/>
+          <p:cNvSpPr>
+            <a:spLocks noGrp="1"/>
+          </p:cNvSpPr>
+          <p:nvPr>
+            <p:ph type="ftr" sz="quarter" idx="11"/>
+          </p:nvPr>
+        </p:nvSpPr>
+        <p:spPr/>
+        <p:txBody>
+          <a:bodyPr/>
+          <a:lstStyle/>
+          <a:p>
+            <a:r>
+              <a:rPr lang="en-US" smtClean="0"/>
+              <a:t>HTML Tutorial(RK)</a:t>
+            </a:r>
+            <a:endParaRPr lang="en-US"/>
+          </a:p>
+        </p:txBody>
+      </p:sp>
+      <p:sp>
+        <p:nvSpPr>
+          <p:cNvPr id="5" name="Slide Number Placeholder 4"/>
+          <p:cNvSpPr>
+            <a:spLocks noGrp="1"/>
+          </p:cNvSpPr>
+          <p:nvPr>
+            <p:ph type="sldNum" sz="quarter" idx="12"/>
+          </p:nvPr>
+        </p:nvSpPr>
+        <p:spPr/>
+        <p:txBody>
+          <a:bodyPr/>
+          <a:lstStyle/>
+          <a:p>
+            <a:fld id="{A764E606-9830-4F28-B8FF-27B179B08DB2}" type="slidenum">
+              <a:rPr lang="en-US" smtClean="0"/>
+              <a:pPr/>
+              <a:t>86</a:t>
+            </a:fld>
+            <a:endParaRPr lang="en-US"/>
+          </a:p>
+        </p:txBody>
+      </p:sp>
+    </p:spTree>
+  </p:cSld>
+  <p:clrMapOvr>
+    <a:masterClrMapping/>
+  </p:clrMapOvr>
+</p:sld>
+</file>
+
+<file path=ppt/slides/slide87.xml><?xml version="1.0" encoding="utf-8"?>
+<p:sld xmlns:a="http://schemas.openxmlformats.org/drawingml/2006/main" xmlns:r="http://schemas.openxmlformats.org/officeDocument/2006/relationships" xmlns:p="http://schemas.openxmlformats.org/presentationml/2006/main">
+  <p:cSld>
+    <p:spTree>
+      <p:nvGrpSpPr>
+        <p:cNvPr id="1" name=""/>
+        <p:cNvGrpSpPr/>
+        <p:nvPr/>
+      </p:nvGrpSpPr>
+      <p:grpSpPr>
+        <a:xfrm>
+          <a:off x="0" y="0"/>
+          <a:ext cx="0" cy="0"/>
+          <a:chOff x="0" y="0"/>
+          <a:chExt cx="0" cy="0"/>
+        </a:xfrm>
+      </p:grpSpPr>
+      <p:sp>
+        <p:nvSpPr>
+          <p:cNvPr id="2" name="Title 1"/>
+          <p:cNvSpPr>
+            <a:spLocks noGrp="1"/>
+          </p:cNvSpPr>
+          <p:nvPr>
+            <p:ph type="ctrTitle"/>
+          </p:nvPr>
+        </p:nvSpPr>
+        <p:spPr>
+          <a:xfrm>
+            <a:off x="500034" y="642918"/>
+            <a:ext cx="7851648" cy="414326"/>
+          </a:xfrm>
+        </p:spPr>
+        <p:txBody>
+          <a:bodyPr>
+            <a:normAutofit fontScale="90000"/>
+          </a:bodyPr>
+          <a:lstStyle/>
+          <a:p>
+            <a:pPr algn="l"/>
+            <a:endParaRPr lang="en-US" sz="3600" dirty="0" smtClean="0"/>
+          </a:p>
+        </p:txBody>
+      </p:sp>
+      <p:sp>
+        <p:nvSpPr>
+          <p:cNvPr id="3" name="Subtitle 2"/>
+          <p:cNvSpPr>
+            <a:spLocks noGrp="1"/>
+          </p:cNvSpPr>
+          <p:nvPr>
+            <p:ph type="subTitle" idx="1"/>
+          </p:nvPr>
+        </p:nvSpPr>
+        <p:spPr>
+          <a:xfrm>
+            <a:off x="571472" y="1142984"/>
+            <a:ext cx="7816624" cy="4714908"/>
+          </a:xfrm>
+        </p:spPr>
+        <p:txBody>
+          <a:bodyPr>
+            <a:normAutofit/>
+          </a:bodyPr>
+          <a:lstStyle/>
+          <a:p>
+            <a:pPr algn="l"/>
+            <a:endParaRPr lang="en-US" sz="1600" dirty="0"/>
+          </a:p>
+        </p:txBody>
+      </p:sp>
+      <p:sp>
+        <p:nvSpPr>
+          <p:cNvPr id="4" name="Footer Placeholder 3"/>
+          <p:cNvSpPr>
+            <a:spLocks noGrp="1"/>
+          </p:cNvSpPr>
+          <p:nvPr>
+            <p:ph type="ftr" sz="quarter" idx="11"/>
+          </p:nvPr>
+        </p:nvSpPr>
+        <p:spPr/>
+        <p:txBody>
+          <a:bodyPr/>
+          <a:lstStyle/>
+          <a:p>
+            <a:r>
+              <a:rPr lang="en-US" smtClean="0"/>
+              <a:t>HTML Tutorial(RK)</a:t>
+            </a:r>
+            <a:endParaRPr lang="en-US"/>
+          </a:p>
+        </p:txBody>
+      </p:sp>
+      <p:sp>
+        <p:nvSpPr>
+          <p:cNvPr id="5" name="Slide Number Placeholder 4"/>
+          <p:cNvSpPr>
+            <a:spLocks noGrp="1"/>
+          </p:cNvSpPr>
+          <p:nvPr>
+            <p:ph type="sldNum" sz="quarter" idx="12"/>
+          </p:nvPr>
+        </p:nvSpPr>
+        <p:spPr/>
+        <p:txBody>
+          <a:bodyPr/>
+          <a:lstStyle/>
+          <a:p>
+            <a:fld id="{A764E606-9830-4F28-B8FF-27B179B08DB2}" type="slidenum">
+              <a:rPr lang="en-US" smtClean="0"/>
+              <a:pPr/>
+              <a:t>87</a:t>
+            </a:fld>
+            <a:endParaRPr lang="en-US"/>
+          </a:p>
+        </p:txBody>
+      </p:sp>
+    </p:spTree>
+  </p:cSld>
+  <p:clrMapOvr>
+    <a:masterClrMapping/>
+  </p:clrMapOvr>
+</p:sld>
+</file>
+
+<file path=ppt/slides/slide88.xml><?xml version="1.0" encoding="utf-8"?>
+<p:sld xmlns:a="http://schemas.openxmlformats.org/drawingml/2006/main" xmlns:r="http://schemas.openxmlformats.org/officeDocument/2006/relationships" xmlns:p="http://schemas.openxmlformats.org/presentationml/2006/main">
+  <p:cSld>
+    <p:spTree>
+      <p:nvGrpSpPr>
+        <p:cNvPr id="1" name=""/>
+        <p:cNvGrpSpPr/>
+        <p:nvPr/>
+      </p:nvGrpSpPr>
+      <p:grpSpPr>
+        <a:xfrm>
+          <a:off x="0" y="0"/>
+          <a:ext cx="0" cy="0"/>
+          <a:chOff x="0" y="0"/>
+          <a:chExt cx="0" cy="0"/>
+        </a:xfrm>
+      </p:grpSpPr>
+      <p:sp>
+        <p:nvSpPr>
+          <p:cNvPr id="2" name="Title 1"/>
+          <p:cNvSpPr>
+            <a:spLocks noGrp="1"/>
+          </p:cNvSpPr>
+          <p:nvPr>
+            <p:ph type="ctrTitle"/>
+          </p:nvPr>
+        </p:nvSpPr>
+        <p:spPr>
+          <a:xfrm>
+            <a:off x="500034" y="642918"/>
+            <a:ext cx="7851648" cy="414326"/>
+          </a:xfrm>
+        </p:spPr>
+        <p:txBody>
+          <a:bodyPr>
+            <a:normAutofit fontScale="90000"/>
+          </a:bodyPr>
+          <a:lstStyle/>
+          <a:p>
+            <a:pPr algn="l"/>
+            <a:endParaRPr lang="en-US" sz="3600" dirty="0" smtClean="0"/>
+          </a:p>
+        </p:txBody>
+      </p:sp>
+      <p:sp>
+        <p:nvSpPr>
+          <p:cNvPr id="3" name="Subtitle 2"/>
+          <p:cNvSpPr>
+            <a:spLocks noGrp="1"/>
+          </p:cNvSpPr>
+          <p:nvPr>
+            <p:ph type="subTitle" idx="1"/>
+          </p:nvPr>
+        </p:nvSpPr>
+        <p:spPr>
+          <a:xfrm>
+            <a:off x="571472" y="1142984"/>
+            <a:ext cx="7816624" cy="4714908"/>
+          </a:xfrm>
+        </p:spPr>
+        <p:txBody>
+          <a:bodyPr>
+            <a:normAutofit/>
+          </a:bodyPr>
+          <a:lstStyle/>
+          <a:p>
+            <a:pPr algn="l"/>
+            <a:endParaRPr lang="en-US" sz="1600" dirty="0"/>
+          </a:p>
+        </p:txBody>
+      </p:sp>
+      <p:sp>
+        <p:nvSpPr>
+          <p:cNvPr id="4" name="Footer Placeholder 3"/>
+          <p:cNvSpPr>
+            <a:spLocks noGrp="1"/>
+          </p:cNvSpPr>
+          <p:nvPr>
+            <p:ph type="ftr" sz="quarter" idx="11"/>
+          </p:nvPr>
+        </p:nvSpPr>
+        <p:spPr/>
+        <p:txBody>
+          <a:bodyPr/>
+          <a:lstStyle/>
+          <a:p>
+            <a:r>
+              <a:rPr lang="en-US" smtClean="0"/>
+              <a:t>HTML Tutorial(RK)</a:t>
+            </a:r>
+            <a:endParaRPr lang="en-US"/>
+          </a:p>
+        </p:txBody>
+      </p:sp>
+      <p:sp>
+        <p:nvSpPr>
+          <p:cNvPr id="5" name="Slide Number Placeholder 4"/>
+          <p:cNvSpPr>
+            <a:spLocks noGrp="1"/>
+          </p:cNvSpPr>
+          <p:nvPr>
+            <p:ph type="sldNum" sz="quarter" idx="12"/>
+          </p:nvPr>
+        </p:nvSpPr>
+        <p:spPr/>
+        <p:txBody>
+          <a:bodyPr/>
+          <a:lstStyle/>
+          <a:p>
+            <a:fld id="{A764E606-9830-4F28-B8FF-27B179B08DB2}" type="slidenum">
+              <a:rPr lang="en-US" smtClean="0"/>
+              <a:pPr/>
+              <a:t>88</a:t>
+            </a:fld>
+            <a:endParaRPr lang="en-US"/>
+          </a:p>
+        </p:txBody>
+      </p:sp>
+    </p:spTree>
+  </p:cSld>
+  <p:clrMapOvr>
+    <a:masterClrMapping/>
+  </p:clrMapOvr>
+</p:sld>
+</file>
+
+<file path=ppt/slides/slide89.xml><?xml version="1.0" encoding="utf-8"?>
+<p:sld xmlns:a="http://schemas.openxmlformats.org/drawingml/2006/main" xmlns:r="http://schemas.openxmlformats.org/officeDocument/2006/relationships" xmlns:p="http://schemas.openxmlformats.org/presentationml/2006/main">
+  <p:cSld>
+    <p:spTree>
+      <p:nvGrpSpPr>
+        <p:cNvPr id="1" name=""/>
+        <p:cNvGrpSpPr/>
+        <p:nvPr/>
+      </p:nvGrpSpPr>
+      <p:grpSpPr>
+        <a:xfrm>
+          <a:off x="0" y="0"/>
+          <a:ext cx="0" cy="0"/>
+          <a:chOff x="0" y="0"/>
+          <a:chExt cx="0" cy="0"/>
+        </a:xfrm>
+      </p:grpSpPr>
+      <p:sp>
+        <p:nvSpPr>
+          <p:cNvPr id="2" name="Title 1"/>
+          <p:cNvSpPr>
+            <a:spLocks noGrp="1"/>
+          </p:cNvSpPr>
+          <p:nvPr>
+            <p:ph type="ctrTitle"/>
+          </p:nvPr>
+        </p:nvSpPr>
+        <p:spPr>
+          <a:xfrm>
+            <a:off x="500034" y="642918"/>
+            <a:ext cx="7851648" cy="414326"/>
+          </a:xfrm>
+        </p:spPr>
+        <p:txBody>
+          <a:bodyPr>
+            <a:normAutofit fontScale="90000"/>
+          </a:bodyPr>
+          <a:lstStyle/>
+          <a:p>
+            <a:pPr algn="l"/>
+            <a:endParaRPr lang="en-US" sz="3600" dirty="0" smtClean="0"/>
+          </a:p>
+        </p:txBody>
+      </p:sp>
+      <p:sp>
+        <p:nvSpPr>
+          <p:cNvPr id="3" name="Subtitle 2"/>
+          <p:cNvSpPr>
+            <a:spLocks noGrp="1"/>
+          </p:cNvSpPr>
+          <p:nvPr>
+            <p:ph type="subTitle" idx="1"/>
+          </p:nvPr>
+        </p:nvSpPr>
+        <p:spPr>
+          <a:xfrm>
+            <a:off x="571472" y="1142984"/>
+            <a:ext cx="7816624" cy="4714908"/>
+          </a:xfrm>
+        </p:spPr>
+        <p:txBody>
+          <a:bodyPr>
+            <a:normAutofit/>
+          </a:bodyPr>
+          <a:lstStyle/>
+          <a:p>
+            <a:pPr algn="l"/>
+            <a:endParaRPr lang="en-US" sz="1600" dirty="0"/>
+          </a:p>
+        </p:txBody>
+      </p:sp>
+      <p:sp>
+        <p:nvSpPr>
+          <p:cNvPr id="4" name="Footer Placeholder 3"/>
+          <p:cNvSpPr>
+            <a:spLocks noGrp="1"/>
+          </p:cNvSpPr>
+          <p:nvPr>
+            <p:ph type="ftr" sz="quarter" idx="11"/>
+          </p:nvPr>
+        </p:nvSpPr>
+        <p:spPr/>
+        <p:txBody>
+          <a:bodyPr/>
+          <a:lstStyle/>
+          <a:p>
+            <a:r>
+              <a:rPr lang="en-US" smtClean="0"/>
+              <a:t>HTML Tutorial(RK)</a:t>
+            </a:r>
+            <a:endParaRPr lang="en-US"/>
+          </a:p>
+        </p:txBody>
+      </p:sp>
+      <p:sp>
+        <p:nvSpPr>
+          <p:cNvPr id="5" name="Slide Number Placeholder 4"/>
+          <p:cNvSpPr>
+            <a:spLocks noGrp="1"/>
+          </p:cNvSpPr>
+          <p:nvPr>
+            <p:ph type="sldNum" sz="quarter" idx="12"/>
+          </p:nvPr>
+        </p:nvSpPr>
+        <p:spPr/>
+        <p:txBody>
+          <a:bodyPr/>
+          <a:lstStyle/>
+          <a:p>
+            <a:fld id="{A764E606-9830-4F28-B8FF-27B179B08DB2}" type="slidenum">
+              <a:rPr lang="en-US" smtClean="0"/>
+              <a:pPr/>
+              <a:t>89</a:t>
             </a:fld>
             <a:endParaRPr lang="en-US"/>
           </a:p>
@@ -21424,6 +26923,746 @@
               <a:rPr lang="en-US" smtClean="0"/>
               <a:pPr/>
               <a:t>9</a:t>
+            </a:fld>
+            <a:endParaRPr lang="en-US"/>
+          </a:p>
+        </p:txBody>
+      </p:sp>
+    </p:spTree>
+  </p:cSld>
+  <p:clrMapOvr>
+    <a:masterClrMapping/>
+  </p:clrMapOvr>
+</p:sld>
+</file>
+
+<file path=ppt/slides/slide90.xml><?xml version="1.0" encoding="utf-8"?>
+<p:sld xmlns:a="http://schemas.openxmlformats.org/drawingml/2006/main" xmlns:r="http://schemas.openxmlformats.org/officeDocument/2006/relationships" xmlns:p="http://schemas.openxmlformats.org/presentationml/2006/main">
+  <p:cSld>
+    <p:spTree>
+      <p:nvGrpSpPr>
+        <p:cNvPr id="1" name=""/>
+        <p:cNvGrpSpPr/>
+        <p:nvPr/>
+      </p:nvGrpSpPr>
+      <p:grpSpPr>
+        <a:xfrm>
+          <a:off x="0" y="0"/>
+          <a:ext cx="0" cy="0"/>
+          <a:chOff x="0" y="0"/>
+          <a:chExt cx="0" cy="0"/>
+        </a:xfrm>
+      </p:grpSpPr>
+      <p:sp>
+        <p:nvSpPr>
+          <p:cNvPr id="2" name="Title 1"/>
+          <p:cNvSpPr>
+            <a:spLocks noGrp="1"/>
+          </p:cNvSpPr>
+          <p:nvPr>
+            <p:ph type="ctrTitle"/>
+          </p:nvPr>
+        </p:nvSpPr>
+        <p:spPr>
+          <a:xfrm>
+            <a:off x="500034" y="642918"/>
+            <a:ext cx="7851648" cy="414326"/>
+          </a:xfrm>
+        </p:spPr>
+        <p:txBody>
+          <a:bodyPr>
+            <a:normAutofit fontScale="90000"/>
+          </a:bodyPr>
+          <a:lstStyle/>
+          <a:p>
+            <a:pPr algn="l"/>
+            <a:endParaRPr lang="en-US" sz="3600" dirty="0" smtClean="0"/>
+          </a:p>
+        </p:txBody>
+      </p:sp>
+      <p:sp>
+        <p:nvSpPr>
+          <p:cNvPr id="3" name="Subtitle 2"/>
+          <p:cNvSpPr>
+            <a:spLocks noGrp="1"/>
+          </p:cNvSpPr>
+          <p:nvPr>
+            <p:ph type="subTitle" idx="1"/>
+          </p:nvPr>
+        </p:nvSpPr>
+        <p:spPr>
+          <a:xfrm>
+            <a:off x="571472" y="1142984"/>
+            <a:ext cx="7816624" cy="4714908"/>
+          </a:xfrm>
+        </p:spPr>
+        <p:txBody>
+          <a:bodyPr>
+            <a:normAutofit/>
+          </a:bodyPr>
+          <a:lstStyle/>
+          <a:p>
+            <a:pPr algn="l"/>
+            <a:endParaRPr lang="en-US" sz="1600" dirty="0"/>
+          </a:p>
+        </p:txBody>
+      </p:sp>
+      <p:sp>
+        <p:nvSpPr>
+          <p:cNvPr id="4" name="Footer Placeholder 3"/>
+          <p:cNvSpPr>
+            <a:spLocks noGrp="1"/>
+          </p:cNvSpPr>
+          <p:nvPr>
+            <p:ph type="ftr" sz="quarter" idx="11"/>
+          </p:nvPr>
+        </p:nvSpPr>
+        <p:spPr/>
+        <p:txBody>
+          <a:bodyPr/>
+          <a:lstStyle/>
+          <a:p>
+            <a:r>
+              <a:rPr lang="en-US" smtClean="0"/>
+              <a:t>HTML Tutorial(RK)</a:t>
+            </a:r>
+            <a:endParaRPr lang="en-US"/>
+          </a:p>
+        </p:txBody>
+      </p:sp>
+      <p:sp>
+        <p:nvSpPr>
+          <p:cNvPr id="5" name="Slide Number Placeholder 4"/>
+          <p:cNvSpPr>
+            <a:spLocks noGrp="1"/>
+          </p:cNvSpPr>
+          <p:nvPr>
+            <p:ph type="sldNum" sz="quarter" idx="12"/>
+          </p:nvPr>
+        </p:nvSpPr>
+        <p:spPr/>
+        <p:txBody>
+          <a:bodyPr/>
+          <a:lstStyle/>
+          <a:p>
+            <a:fld id="{A764E606-9830-4F28-B8FF-27B179B08DB2}" type="slidenum">
+              <a:rPr lang="en-US" smtClean="0"/>
+              <a:pPr/>
+              <a:t>90</a:t>
+            </a:fld>
+            <a:endParaRPr lang="en-US"/>
+          </a:p>
+        </p:txBody>
+      </p:sp>
+    </p:spTree>
+  </p:cSld>
+  <p:clrMapOvr>
+    <a:masterClrMapping/>
+  </p:clrMapOvr>
+</p:sld>
+</file>
+
+<file path=ppt/slides/slide91.xml><?xml version="1.0" encoding="utf-8"?>
+<p:sld xmlns:a="http://schemas.openxmlformats.org/drawingml/2006/main" xmlns:r="http://schemas.openxmlformats.org/officeDocument/2006/relationships" xmlns:p="http://schemas.openxmlformats.org/presentationml/2006/main">
+  <p:cSld>
+    <p:spTree>
+      <p:nvGrpSpPr>
+        <p:cNvPr id="1" name=""/>
+        <p:cNvGrpSpPr/>
+        <p:nvPr/>
+      </p:nvGrpSpPr>
+      <p:grpSpPr>
+        <a:xfrm>
+          <a:off x="0" y="0"/>
+          <a:ext cx="0" cy="0"/>
+          <a:chOff x="0" y="0"/>
+          <a:chExt cx="0" cy="0"/>
+        </a:xfrm>
+      </p:grpSpPr>
+      <p:sp>
+        <p:nvSpPr>
+          <p:cNvPr id="2" name="Title 1"/>
+          <p:cNvSpPr>
+            <a:spLocks noGrp="1"/>
+          </p:cNvSpPr>
+          <p:nvPr>
+            <p:ph type="ctrTitle"/>
+          </p:nvPr>
+        </p:nvSpPr>
+        <p:spPr>
+          <a:xfrm>
+            <a:off x="500034" y="642918"/>
+            <a:ext cx="7851648" cy="414326"/>
+          </a:xfrm>
+        </p:spPr>
+        <p:txBody>
+          <a:bodyPr>
+            <a:normAutofit fontScale="90000"/>
+          </a:bodyPr>
+          <a:lstStyle/>
+          <a:p>
+            <a:pPr algn="l"/>
+            <a:endParaRPr lang="en-US" sz="3600" dirty="0" smtClean="0"/>
+          </a:p>
+        </p:txBody>
+      </p:sp>
+      <p:sp>
+        <p:nvSpPr>
+          <p:cNvPr id="3" name="Subtitle 2"/>
+          <p:cNvSpPr>
+            <a:spLocks noGrp="1"/>
+          </p:cNvSpPr>
+          <p:nvPr>
+            <p:ph type="subTitle" idx="1"/>
+          </p:nvPr>
+        </p:nvSpPr>
+        <p:spPr>
+          <a:xfrm>
+            <a:off x="571472" y="1142984"/>
+            <a:ext cx="7816624" cy="4714908"/>
+          </a:xfrm>
+        </p:spPr>
+        <p:txBody>
+          <a:bodyPr>
+            <a:normAutofit/>
+          </a:bodyPr>
+          <a:lstStyle/>
+          <a:p>
+            <a:pPr algn="l"/>
+            <a:endParaRPr lang="en-US" sz="1600" dirty="0"/>
+          </a:p>
+        </p:txBody>
+      </p:sp>
+      <p:sp>
+        <p:nvSpPr>
+          <p:cNvPr id="4" name="Footer Placeholder 3"/>
+          <p:cNvSpPr>
+            <a:spLocks noGrp="1"/>
+          </p:cNvSpPr>
+          <p:nvPr>
+            <p:ph type="ftr" sz="quarter" idx="11"/>
+          </p:nvPr>
+        </p:nvSpPr>
+        <p:spPr/>
+        <p:txBody>
+          <a:bodyPr/>
+          <a:lstStyle/>
+          <a:p>
+            <a:r>
+              <a:rPr lang="en-US" smtClean="0"/>
+              <a:t>HTML Tutorial(RK)</a:t>
+            </a:r>
+            <a:endParaRPr lang="en-US"/>
+          </a:p>
+        </p:txBody>
+      </p:sp>
+      <p:sp>
+        <p:nvSpPr>
+          <p:cNvPr id="5" name="Slide Number Placeholder 4"/>
+          <p:cNvSpPr>
+            <a:spLocks noGrp="1"/>
+          </p:cNvSpPr>
+          <p:nvPr>
+            <p:ph type="sldNum" sz="quarter" idx="12"/>
+          </p:nvPr>
+        </p:nvSpPr>
+        <p:spPr/>
+        <p:txBody>
+          <a:bodyPr/>
+          <a:lstStyle/>
+          <a:p>
+            <a:fld id="{A764E606-9830-4F28-B8FF-27B179B08DB2}" type="slidenum">
+              <a:rPr lang="en-US" smtClean="0"/>
+              <a:pPr/>
+              <a:t>91</a:t>
+            </a:fld>
+            <a:endParaRPr lang="en-US"/>
+          </a:p>
+        </p:txBody>
+      </p:sp>
+    </p:spTree>
+  </p:cSld>
+  <p:clrMapOvr>
+    <a:masterClrMapping/>
+  </p:clrMapOvr>
+</p:sld>
+</file>
+
+<file path=ppt/slides/slide92.xml><?xml version="1.0" encoding="utf-8"?>
+<p:sld xmlns:a="http://schemas.openxmlformats.org/drawingml/2006/main" xmlns:r="http://schemas.openxmlformats.org/officeDocument/2006/relationships" xmlns:p="http://schemas.openxmlformats.org/presentationml/2006/main">
+  <p:cSld>
+    <p:spTree>
+      <p:nvGrpSpPr>
+        <p:cNvPr id="1" name=""/>
+        <p:cNvGrpSpPr/>
+        <p:nvPr/>
+      </p:nvGrpSpPr>
+      <p:grpSpPr>
+        <a:xfrm>
+          <a:off x="0" y="0"/>
+          <a:ext cx="0" cy="0"/>
+          <a:chOff x="0" y="0"/>
+          <a:chExt cx="0" cy="0"/>
+        </a:xfrm>
+      </p:grpSpPr>
+      <p:sp>
+        <p:nvSpPr>
+          <p:cNvPr id="2" name="Title 1"/>
+          <p:cNvSpPr>
+            <a:spLocks noGrp="1"/>
+          </p:cNvSpPr>
+          <p:nvPr>
+            <p:ph type="ctrTitle"/>
+          </p:nvPr>
+        </p:nvSpPr>
+        <p:spPr>
+          <a:xfrm>
+            <a:off x="500034" y="642918"/>
+            <a:ext cx="7851648" cy="414326"/>
+          </a:xfrm>
+        </p:spPr>
+        <p:txBody>
+          <a:bodyPr>
+            <a:normAutofit fontScale="90000"/>
+          </a:bodyPr>
+          <a:lstStyle/>
+          <a:p>
+            <a:pPr algn="l"/>
+            <a:endParaRPr lang="en-US" sz="3600" dirty="0" smtClean="0"/>
+          </a:p>
+        </p:txBody>
+      </p:sp>
+      <p:sp>
+        <p:nvSpPr>
+          <p:cNvPr id="3" name="Subtitle 2"/>
+          <p:cNvSpPr>
+            <a:spLocks noGrp="1"/>
+          </p:cNvSpPr>
+          <p:nvPr>
+            <p:ph type="subTitle" idx="1"/>
+          </p:nvPr>
+        </p:nvSpPr>
+        <p:spPr>
+          <a:xfrm>
+            <a:off x="571472" y="1142984"/>
+            <a:ext cx="7816624" cy="4714908"/>
+          </a:xfrm>
+        </p:spPr>
+        <p:txBody>
+          <a:bodyPr>
+            <a:normAutofit/>
+          </a:bodyPr>
+          <a:lstStyle/>
+          <a:p>
+            <a:pPr algn="l"/>
+            <a:endParaRPr lang="en-US" sz="1600" dirty="0"/>
+          </a:p>
+        </p:txBody>
+      </p:sp>
+      <p:sp>
+        <p:nvSpPr>
+          <p:cNvPr id="4" name="Footer Placeholder 3"/>
+          <p:cNvSpPr>
+            <a:spLocks noGrp="1"/>
+          </p:cNvSpPr>
+          <p:nvPr>
+            <p:ph type="ftr" sz="quarter" idx="11"/>
+          </p:nvPr>
+        </p:nvSpPr>
+        <p:spPr/>
+        <p:txBody>
+          <a:bodyPr/>
+          <a:lstStyle/>
+          <a:p>
+            <a:r>
+              <a:rPr lang="en-US" smtClean="0"/>
+              <a:t>HTML Tutorial(RK)</a:t>
+            </a:r>
+            <a:endParaRPr lang="en-US"/>
+          </a:p>
+        </p:txBody>
+      </p:sp>
+      <p:sp>
+        <p:nvSpPr>
+          <p:cNvPr id="5" name="Slide Number Placeholder 4"/>
+          <p:cNvSpPr>
+            <a:spLocks noGrp="1"/>
+          </p:cNvSpPr>
+          <p:nvPr>
+            <p:ph type="sldNum" sz="quarter" idx="12"/>
+          </p:nvPr>
+        </p:nvSpPr>
+        <p:spPr/>
+        <p:txBody>
+          <a:bodyPr/>
+          <a:lstStyle/>
+          <a:p>
+            <a:fld id="{A764E606-9830-4F28-B8FF-27B179B08DB2}" type="slidenum">
+              <a:rPr lang="en-US" smtClean="0"/>
+              <a:pPr/>
+              <a:t>92</a:t>
+            </a:fld>
+            <a:endParaRPr lang="en-US"/>
+          </a:p>
+        </p:txBody>
+      </p:sp>
+    </p:spTree>
+  </p:cSld>
+  <p:clrMapOvr>
+    <a:masterClrMapping/>
+  </p:clrMapOvr>
+</p:sld>
+</file>
+
+<file path=ppt/slides/slide93.xml><?xml version="1.0" encoding="utf-8"?>
+<p:sld xmlns:a="http://schemas.openxmlformats.org/drawingml/2006/main" xmlns:r="http://schemas.openxmlformats.org/officeDocument/2006/relationships" xmlns:p="http://schemas.openxmlformats.org/presentationml/2006/main">
+  <p:cSld>
+    <p:spTree>
+      <p:nvGrpSpPr>
+        <p:cNvPr id="1" name=""/>
+        <p:cNvGrpSpPr/>
+        <p:nvPr/>
+      </p:nvGrpSpPr>
+      <p:grpSpPr>
+        <a:xfrm>
+          <a:off x="0" y="0"/>
+          <a:ext cx="0" cy="0"/>
+          <a:chOff x="0" y="0"/>
+          <a:chExt cx="0" cy="0"/>
+        </a:xfrm>
+      </p:grpSpPr>
+      <p:sp>
+        <p:nvSpPr>
+          <p:cNvPr id="2" name="Title 1"/>
+          <p:cNvSpPr>
+            <a:spLocks noGrp="1"/>
+          </p:cNvSpPr>
+          <p:nvPr>
+            <p:ph type="ctrTitle"/>
+          </p:nvPr>
+        </p:nvSpPr>
+        <p:spPr>
+          <a:xfrm>
+            <a:off x="500034" y="642918"/>
+            <a:ext cx="7851648" cy="414326"/>
+          </a:xfrm>
+        </p:spPr>
+        <p:txBody>
+          <a:bodyPr>
+            <a:normAutofit fontScale="90000"/>
+          </a:bodyPr>
+          <a:lstStyle/>
+          <a:p>
+            <a:pPr algn="l"/>
+            <a:endParaRPr lang="en-US" sz="3600" dirty="0" smtClean="0"/>
+          </a:p>
+        </p:txBody>
+      </p:sp>
+      <p:sp>
+        <p:nvSpPr>
+          <p:cNvPr id="3" name="Subtitle 2"/>
+          <p:cNvSpPr>
+            <a:spLocks noGrp="1"/>
+          </p:cNvSpPr>
+          <p:nvPr>
+            <p:ph type="subTitle" idx="1"/>
+          </p:nvPr>
+        </p:nvSpPr>
+        <p:spPr>
+          <a:xfrm>
+            <a:off x="571472" y="1142984"/>
+            <a:ext cx="7816624" cy="4714908"/>
+          </a:xfrm>
+        </p:spPr>
+        <p:txBody>
+          <a:bodyPr>
+            <a:normAutofit/>
+          </a:bodyPr>
+          <a:lstStyle/>
+          <a:p>
+            <a:pPr algn="l"/>
+            <a:endParaRPr lang="en-US" sz="1600" dirty="0"/>
+          </a:p>
+        </p:txBody>
+      </p:sp>
+      <p:sp>
+        <p:nvSpPr>
+          <p:cNvPr id="4" name="Footer Placeholder 3"/>
+          <p:cNvSpPr>
+            <a:spLocks noGrp="1"/>
+          </p:cNvSpPr>
+          <p:nvPr>
+            <p:ph type="ftr" sz="quarter" idx="11"/>
+          </p:nvPr>
+        </p:nvSpPr>
+        <p:spPr/>
+        <p:txBody>
+          <a:bodyPr/>
+          <a:lstStyle/>
+          <a:p>
+            <a:r>
+              <a:rPr lang="en-US" smtClean="0"/>
+              <a:t>HTML Tutorial(RK)</a:t>
+            </a:r>
+            <a:endParaRPr lang="en-US"/>
+          </a:p>
+        </p:txBody>
+      </p:sp>
+      <p:sp>
+        <p:nvSpPr>
+          <p:cNvPr id="5" name="Slide Number Placeholder 4"/>
+          <p:cNvSpPr>
+            <a:spLocks noGrp="1"/>
+          </p:cNvSpPr>
+          <p:nvPr>
+            <p:ph type="sldNum" sz="quarter" idx="12"/>
+          </p:nvPr>
+        </p:nvSpPr>
+        <p:spPr/>
+        <p:txBody>
+          <a:bodyPr/>
+          <a:lstStyle/>
+          <a:p>
+            <a:fld id="{A764E606-9830-4F28-B8FF-27B179B08DB2}" type="slidenum">
+              <a:rPr lang="en-US" smtClean="0"/>
+              <a:pPr/>
+              <a:t>93</a:t>
+            </a:fld>
+            <a:endParaRPr lang="en-US"/>
+          </a:p>
+        </p:txBody>
+      </p:sp>
+    </p:spTree>
+  </p:cSld>
+  <p:clrMapOvr>
+    <a:masterClrMapping/>
+  </p:clrMapOvr>
+</p:sld>
+</file>
+
+<file path=ppt/slides/slide94.xml><?xml version="1.0" encoding="utf-8"?>
+<p:sld xmlns:a="http://schemas.openxmlformats.org/drawingml/2006/main" xmlns:r="http://schemas.openxmlformats.org/officeDocument/2006/relationships" xmlns:p="http://schemas.openxmlformats.org/presentationml/2006/main">
+  <p:cSld>
+    <p:spTree>
+      <p:nvGrpSpPr>
+        <p:cNvPr id="1" name=""/>
+        <p:cNvGrpSpPr/>
+        <p:nvPr/>
+      </p:nvGrpSpPr>
+      <p:grpSpPr>
+        <a:xfrm>
+          <a:off x="0" y="0"/>
+          <a:ext cx="0" cy="0"/>
+          <a:chOff x="0" y="0"/>
+          <a:chExt cx="0" cy="0"/>
+        </a:xfrm>
+      </p:grpSpPr>
+      <p:sp>
+        <p:nvSpPr>
+          <p:cNvPr id="2" name="Title 1"/>
+          <p:cNvSpPr>
+            <a:spLocks noGrp="1"/>
+          </p:cNvSpPr>
+          <p:nvPr>
+            <p:ph type="ctrTitle"/>
+          </p:nvPr>
+        </p:nvSpPr>
+        <p:spPr>
+          <a:xfrm>
+            <a:off x="500034" y="642918"/>
+            <a:ext cx="7851648" cy="414326"/>
+          </a:xfrm>
+        </p:spPr>
+        <p:txBody>
+          <a:bodyPr>
+            <a:normAutofit fontScale="90000"/>
+          </a:bodyPr>
+          <a:lstStyle/>
+          <a:p>
+            <a:pPr algn="l"/>
+            <a:endParaRPr lang="en-US" sz="3600" dirty="0" smtClean="0"/>
+          </a:p>
+        </p:txBody>
+      </p:sp>
+      <p:sp>
+        <p:nvSpPr>
+          <p:cNvPr id="3" name="Subtitle 2"/>
+          <p:cNvSpPr>
+            <a:spLocks noGrp="1"/>
+          </p:cNvSpPr>
+          <p:nvPr>
+            <p:ph type="subTitle" idx="1"/>
+          </p:nvPr>
+        </p:nvSpPr>
+        <p:spPr>
+          <a:xfrm>
+            <a:off x="571472" y="1142984"/>
+            <a:ext cx="7816624" cy="4714908"/>
+          </a:xfrm>
+        </p:spPr>
+        <p:txBody>
+          <a:bodyPr>
+            <a:normAutofit/>
+          </a:bodyPr>
+          <a:lstStyle/>
+          <a:p>
+            <a:pPr algn="l"/>
+            <a:endParaRPr lang="en-US" sz="1600" dirty="0"/>
+          </a:p>
+        </p:txBody>
+      </p:sp>
+      <p:sp>
+        <p:nvSpPr>
+          <p:cNvPr id="4" name="Footer Placeholder 3"/>
+          <p:cNvSpPr>
+            <a:spLocks noGrp="1"/>
+          </p:cNvSpPr>
+          <p:nvPr>
+            <p:ph type="ftr" sz="quarter" idx="11"/>
+          </p:nvPr>
+        </p:nvSpPr>
+        <p:spPr/>
+        <p:txBody>
+          <a:bodyPr/>
+          <a:lstStyle/>
+          <a:p>
+            <a:r>
+              <a:rPr lang="en-US" smtClean="0"/>
+              <a:t>HTML Tutorial(RK)</a:t>
+            </a:r>
+            <a:endParaRPr lang="en-US"/>
+          </a:p>
+        </p:txBody>
+      </p:sp>
+      <p:sp>
+        <p:nvSpPr>
+          <p:cNvPr id="5" name="Slide Number Placeholder 4"/>
+          <p:cNvSpPr>
+            <a:spLocks noGrp="1"/>
+          </p:cNvSpPr>
+          <p:nvPr>
+            <p:ph type="sldNum" sz="quarter" idx="12"/>
+          </p:nvPr>
+        </p:nvSpPr>
+        <p:spPr/>
+        <p:txBody>
+          <a:bodyPr/>
+          <a:lstStyle/>
+          <a:p>
+            <a:fld id="{A764E606-9830-4F28-B8FF-27B179B08DB2}" type="slidenum">
+              <a:rPr lang="en-US" smtClean="0"/>
+              <a:pPr/>
+              <a:t>94</a:t>
+            </a:fld>
+            <a:endParaRPr lang="en-US"/>
+          </a:p>
+        </p:txBody>
+      </p:sp>
+    </p:spTree>
+  </p:cSld>
+  <p:clrMapOvr>
+    <a:masterClrMapping/>
+  </p:clrMapOvr>
+</p:sld>
+</file>
+
+<file path=ppt/slides/slide95.xml><?xml version="1.0" encoding="utf-8"?>
+<p:sld xmlns:a="http://schemas.openxmlformats.org/drawingml/2006/main" xmlns:r="http://schemas.openxmlformats.org/officeDocument/2006/relationships" xmlns:p="http://schemas.openxmlformats.org/presentationml/2006/main">
+  <p:cSld>
+    <p:spTree>
+      <p:nvGrpSpPr>
+        <p:cNvPr id="1" name=""/>
+        <p:cNvGrpSpPr/>
+        <p:nvPr/>
+      </p:nvGrpSpPr>
+      <p:grpSpPr>
+        <a:xfrm>
+          <a:off x="0" y="0"/>
+          <a:ext cx="0" cy="0"/>
+          <a:chOff x="0" y="0"/>
+          <a:chExt cx="0" cy="0"/>
+        </a:xfrm>
+      </p:grpSpPr>
+      <p:sp>
+        <p:nvSpPr>
+          <p:cNvPr id="2" name="Title 1"/>
+          <p:cNvSpPr>
+            <a:spLocks noGrp="1"/>
+          </p:cNvSpPr>
+          <p:nvPr>
+            <p:ph type="title"/>
+          </p:nvPr>
+        </p:nvSpPr>
+        <p:spPr/>
+        <p:txBody>
+          <a:bodyPr/>
+          <a:lstStyle/>
+          <a:p>
+            <a:endParaRPr lang="en-US"/>
+          </a:p>
+        </p:txBody>
+      </p:sp>
+      <p:sp>
+        <p:nvSpPr>
+          <p:cNvPr id="3" name="Content Placeholder 2"/>
+          <p:cNvSpPr>
+            <a:spLocks noGrp="1"/>
+          </p:cNvSpPr>
+          <p:nvPr>
+            <p:ph idx="1"/>
+          </p:nvPr>
+        </p:nvSpPr>
+        <p:spPr/>
+        <p:txBody>
+          <a:bodyPr/>
+          <a:lstStyle/>
+          <a:p>
+            <a:endParaRPr lang="en-US" dirty="0"/>
+          </a:p>
+        </p:txBody>
+      </p:sp>
+      <p:sp>
+        <p:nvSpPr>
+          <p:cNvPr id="4" name="Footer Placeholder 3"/>
+          <p:cNvSpPr>
+            <a:spLocks noGrp="1"/>
+          </p:cNvSpPr>
+          <p:nvPr>
+            <p:ph type="ftr" sz="quarter" idx="11"/>
+          </p:nvPr>
+        </p:nvSpPr>
+        <p:spPr/>
+        <p:txBody>
+          <a:bodyPr/>
+          <a:lstStyle/>
+          <a:p>
+            <a:r>
+              <a:rPr lang="en-US" smtClean="0"/>
+              <a:t>HTML Tutorial(RK)</a:t>
+            </a:r>
+            <a:endParaRPr lang="en-US"/>
+          </a:p>
+        </p:txBody>
+      </p:sp>
+      <p:sp>
+        <p:nvSpPr>
+          <p:cNvPr id="5" name="Slide Number Placeholder 4"/>
+          <p:cNvSpPr>
+            <a:spLocks noGrp="1"/>
+          </p:cNvSpPr>
+          <p:nvPr>
+            <p:ph type="sldNum" sz="quarter" idx="12"/>
+          </p:nvPr>
+        </p:nvSpPr>
+        <p:spPr/>
+        <p:txBody>
+          <a:bodyPr/>
+          <a:lstStyle/>
+          <a:p>
+            <a:fld id="{A764E606-9830-4F28-B8FF-27B179B08DB2}" type="slidenum">
+              <a:rPr lang="en-US" smtClean="0"/>
+              <a:pPr/>
+              <a:t>95</a:t>
             </a:fld>
             <a:endParaRPr lang="en-US"/>
           </a:p>
